--- a/documentation/presentation.pptx
+++ b/documentation/presentation.pptx
@@ -5,35 +5,42 @@
     <p:sldMasterId id="2147483816" r:id="rId1"/>
   </p:sldMasterIdLst>
   <p:notesMasterIdLst>
-    <p:notesMasterId r:id="rId25"/>
+    <p:notesMasterId r:id="rId32"/>
   </p:notesMasterIdLst>
   <p:handoutMasterIdLst>
-    <p:handoutMasterId r:id="rId26"/>
+    <p:handoutMasterId r:id="rId33"/>
   </p:handoutMasterIdLst>
   <p:sldIdLst>
     <p:sldId id="256" r:id="rId2"/>
     <p:sldId id="257" r:id="rId3"/>
     <p:sldId id="282" r:id="rId4"/>
-    <p:sldId id="258" r:id="rId5"/>
-    <p:sldId id="259" r:id="rId6"/>
-    <p:sldId id="264" r:id="rId7"/>
-    <p:sldId id="268" r:id="rId8"/>
-    <p:sldId id="265" r:id="rId9"/>
-    <p:sldId id="266" r:id="rId10"/>
-    <p:sldId id="269" r:id="rId11"/>
-    <p:sldId id="270" r:id="rId12"/>
-    <p:sldId id="271" r:id="rId13"/>
-    <p:sldId id="285" r:id="rId14"/>
-    <p:sldId id="280" r:id="rId15"/>
-    <p:sldId id="281" r:id="rId16"/>
-    <p:sldId id="283" r:id="rId17"/>
-    <p:sldId id="273" r:id="rId18"/>
-    <p:sldId id="275" r:id="rId19"/>
-    <p:sldId id="274" r:id="rId20"/>
-    <p:sldId id="276" r:id="rId21"/>
-    <p:sldId id="284" r:id="rId22"/>
-    <p:sldId id="277" r:id="rId23"/>
-    <p:sldId id="279" r:id="rId24"/>
+    <p:sldId id="299" r:id="rId5"/>
+    <p:sldId id="258" r:id="rId6"/>
+    <p:sldId id="259" r:id="rId7"/>
+    <p:sldId id="298" r:id="rId8"/>
+    <p:sldId id="287" r:id="rId9"/>
+    <p:sldId id="264" r:id="rId10"/>
+    <p:sldId id="300" r:id="rId11"/>
+    <p:sldId id="291" r:id="rId12"/>
+    <p:sldId id="286" r:id="rId13"/>
+    <p:sldId id="290" r:id="rId14"/>
+    <p:sldId id="269" r:id="rId15"/>
+    <p:sldId id="270" r:id="rId16"/>
+    <p:sldId id="297" r:id="rId17"/>
+    <p:sldId id="271" r:id="rId18"/>
+    <p:sldId id="293" r:id="rId19"/>
+    <p:sldId id="280" r:id="rId20"/>
+    <p:sldId id="281" r:id="rId21"/>
+    <p:sldId id="283" r:id="rId22"/>
+    <p:sldId id="273" r:id="rId23"/>
+    <p:sldId id="275" r:id="rId24"/>
+    <p:sldId id="296" r:id="rId25"/>
+    <p:sldId id="274" r:id="rId26"/>
+    <p:sldId id="276" r:id="rId27"/>
+    <p:sldId id="295" r:id="rId28"/>
+    <p:sldId id="284" r:id="rId29"/>
+    <p:sldId id="294" r:id="rId30"/>
+    <p:sldId id="279" r:id="rId31"/>
   </p:sldIdLst>
   <p:sldSz cx="9144000" cy="6858000" type="screen4x3"/>
   <p:notesSz cx="6858000" cy="9144000"/>
@@ -218,7 +225,7 @@
             <a:fld id="{3A25A532-C5DC-474C-A5EE-643AC3FD764B}" type="datetimeFigureOut">
               <a:rPr lang="en-US" smtClean="0"/>
               <a:pPr/>
-              <a:t>11/28/10</a:t>
+              <a:t>11/30/10</a:t>
             </a:fld>
             <a:endParaRPr lang="en-US"/>
           </a:p>
@@ -381,7 +388,7 @@
             <a:fld id="{8D13EA55-BA64-4727-B7B3-B0BAAA4AB2E3}" type="datetimeFigureOut">
               <a:rPr lang="en-US" smtClean="0"/>
               <a:pPr/>
-              <a:t>11/28/10</a:t>
+              <a:t>11/30/10</a:t>
             </a:fld>
             <a:endParaRPr lang="en-US"/>
           </a:p>
@@ -827,10 +834,9 @@
           <a:bodyPr/>
           <a:lstStyle/>
           <a:p>
-            <a:fld id="{7AB12A2D-9E99-ED42-AE1F-8BFE117DBDBE}" type="datetime1">
-              <a:rPr lang="en-US" smtClean="0"/>
-              <a:pPr/>
-              <a:t>11/28/10</a:t>
+            <a:fld id="{9C78A365-FAB5-054A-82BE-3F42573CF07C}" type="datetime1">
+              <a:rPr lang="en-US" smtClean="0"/>
+              <a:t>11/30/10</a:t>
             </a:fld>
             <a:endParaRPr lang="en-US"/>
           </a:p>
@@ -851,6 +857,10 @@
           <a:bodyPr/>
           <a:lstStyle/>
           <a:p>
+            <a:r>
+              <a:rPr lang="en-US" smtClean="0"/>
+              <a:t>Raffael Schmid, Hochschule für Technik Zürich</a:t>
+            </a:r>
             <a:endParaRPr lang="en-US"/>
           </a:p>
         </p:txBody>
@@ -994,10 +1004,9 @@
           <a:bodyPr/>
           <a:lstStyle/>
           <a:p>
-            <a:fld id="{6DFCA6E0-59CA-A846-8CCF-99A310FFE820}" type="datetime1">
-              <a:rPr lang="en-US" smtClean="0"/>
-              <a:pPr/>
-              <a:t>11/28/10</a:t>
+            <a:fld id="{FE27C8B2-E5E2-E848-9677-C59B19527BC2}" type="datetime1">
+              <a:rPr lang="en-US" smtClean="0"/>
+              <a:t>11/30/10</a:t>
             </a:fld>
             <a:endParaRPr lang="en-US"/>
           </a:p>
@@ -1018,6 +1027,10 @@
           <a:bodyPr/>
           <a:lstStyle/>
           <a:p>
+            <a:r>
+              <a:rPr lang="en-US" smtClean="0"/>
+              <a:t>Raffael Schmid, Hochschule für Technik Zürich</a:t>
+            </a:r>
             <a:endParaRPr lang="en-US"/>
           </a:p>
         </p:txBody>
@@ -1171,10 +1184,9 @@
           <a:bodyPr/>
           <a:lstStyle/>
           <a:p>
-            <a:fld id="{F8935AD4-81D9-DB42-8F6C-278725DDCC9B}" type="datetime1">
-              <a:rPr lang="en-US" smtClean="0"/>
-              <a:pPr/>
-              <a:t>11/28/10</a:t>
+            <a:fld id="{146442BA-3A45-8D44-AD84-F975AE937C82}" type="datetime1">
+              <a:rPr lang="en-US" smtClean="0"/>
+              <a:t>11/30/10</a:t>
             </a:fld>
             <a:endParaRPr lang="en-US"/>
           </a:p>
@@ -1195,6 +1207,10 @@
           <a:bodyPr/>
           <a:lstStyle/>
           <a:p>
+            <a:r>
+              <a:rPr lang="en-US" smtClean="0"/>
+              <a:t>Raffael Schmid, Hochschule für Technik Zürich</a:t>
+            </a:r>
             <a:endParaRPr lang="en-US"/>
           </a:p>
         </p:txBody>
@@ -1352,10 +1368,9 @@
           <a:bodyPr/>
           <a:lstStyle/>
           <a:p>
-            <a:fld id="{09177AA8-A961-3143-A47C-5774A0BF1235}" type="datetime1">
-              <a:rPr lang="en-US" smtClean="0"/>
-              <a:pPr/>
-              <a:t>11/28/10</a:t>
+            <a:fld id="{5FEEA80B-B24F-7C40-B507-27C325E12C69}" type="datetime1">
+              <a:rPr lang="en-US" smtClean="0"/>
+              <a:t>11/30/10</a:t>
             </a:fld>
             <a:endParaRPr lang="en-US"/>
           </a:p>
@@ -1376,6 +1391,10 @@
           <a:bodyPr/>
           <a:lstStyle/>
           <a:p>
+            <a:r>
+              <a:rPr lang="en-US" smtClean="0"/>
+              <a:t>Raffael Schmid, Hochschule für Technik Zürich</a:t>
+            </a:r>
             <a:endParaRPr lang="en-US"/>
           </a:p>
         </p:txBody>
@@ -1664,10 +1683,9 @@
           <a:bodyPr/>
           <a:lstStyle/>
           <a:p>
-            <a:fld id="{BAF88893-6CF2-A640-A184-AF0A0B22D8EC}" type="datetime1">
-              <a:rPr lang="en-US" smtClean="0"/>
-              <a:pPr/>
-              <a:t>11/28/10</a:t>
+            <a:fld id="{A2CDC0DD-713E-0740-9587-99BCAE922A89}" type="datetime1">
+              <a:rPr lang="en-US" smtClean="0"/>
+              <a:t>11/30/10</a:t>
             </a:fld>
             <a:endParaRPr lang="en-US"/>
           </a:p>
@@ -1688,6 +1706,10 @@
           <a:bodyPr/>
           <a:lstStyle/>
           <a:p>
+            <a:r>
+              <a:rPr lang="en-US" smtClean="0"/>
+              <a:t>Raffael Schmid, Hochschule für Technik Zürich</a:t>
+            </a:r>
             <a:endParaRPr lang="en-US"/>
           </a:p>
         </p:txBody>
@@ -1949,10 +1971,9 @@
           <a:bodyPr/>
           <a:lstStyle/>
           <a:p>
-            <a:fld id="{E37CC77A-EB33-764F-8A34-25409DDBC124}" type="datetime1">
-              <a:rPr lang="en-US" smtClean="0"/>
-              <a:pPr/>
-              <a:t>11/28/10</a:t>
+            <a:fld id="{C0C06FFE-2BE1-2745-8E46-10C23B7F75BC}" type="datetime1">
+              <a:rPr lang="en-US" smtClean="0"/>
+              <a:t>11/30/10</a:t>
             </a:fld>
             <a:endParaRPr lang="en-US"/>
           </a:p>
@@ -1973,6 +1994,10 @@
           <a:bodyPr/>
           <a:lstStyle/>
           <a:p>
+            <a:r>
+              <a:rPr lang="en-US" smtClean="0"/>
+              <a:t>Raffael Schmid, Hochschule für Technik Zürich</a:t>
+            </a:r>
             <a:endParaRPr lang="en-US"/>
           </a:p>
         </p:txBody>
@@ -2341,10 +2366,9 @@
           <a:bodyPr/>
           <a:lstStyle/>
           <a:p>
-            <a:fld id="{B17F6E89-1BD0-BF4C-BB04-9F8F2E05A395}" type="datetime1">
-              <a:rPr lang="en-US" smtClean="0"/>
-              <a:pPr/>
-              <a:t>11/28/10</a:t>
+            <a:fld id="{5D1B6F81-7ED7-1A47-9C0A-B80B7BFFA64D}" type="datetime1">
+              <a:rPr lang="en-US" smtClean="0"/>
+              <a:t>11/30/10</a:t>
             </a:fld>
             <a:endParaRPr lang="en-US"/>
           </a:p>
@@ -2365,6 +2389,10 @@
           <a:bodyPr/>
           <a:lstStyle/>
           <a:p>
+            <a:r>
+              <a:rPr lang="en-US" smtClean="0"/>
+              <a:t>Raffael Schmid, Hochschule für Technik Zürich</a:t>
+            </a:r>
             <a:endParaRPr lang="en-US"/>
           </a:p>
         </p:txBody>
@@ -2557,10 +2585,9 @@
           <a:bodyPr/>
           <a:lstStyle/>
           <a:p>
-            <a:fld id="{D3F095C2-ECD1-9246-A976-E1AB777786E7}" type="datetime1">
-              <a:rPr lang="en-US" smtClean="0"/>
-              <a:pPr/>
-              <a:t>11/28/10</a:t>
+            <a:fld id="{76715AC3-3EAB-C749-9502-4E923E4CF5A8}" type="datetime1">
+              <a:rPr lang="en-US" smtClean="0"/>
+              <a:t>11/30/10</a:t>
             </a:fld>
             <a:endParaRPr lang="en-US"/>
           </a:p>
@@ -2581,6 +2608,10 @@
           <a:bodyPr/>
           <a:lstStyle/>
           <a:p>
+            <a:r>
+              <a:rPr lang="en-US" smtClean="0"/>
+              <a:t>Raffael Schmid, Hochschule für Technik Zürich</a:t>
+            </a:r>
             <a:endParaRPr lang="en-US"/>
           </a:p>
         </p:txBody>
@@ -2649,10 +2680,9 @@
           <a:bodyPr/>
           <a:lstStyle/>
           <a:p>
-            <a:fld id="{0B8F044C-7397-5E4D-B22F-10ED75867166}" type="datetime1">
-              <a:rPr lang="en-US" smtClean="0"/>
-              <a:pPr/>
-              <a:t>11/28/10</a:t>
+            <a:fld id="{A6641AD5-6660-A445-B7CC-60C4AB1584FD}" type="datetime1">
+              <a:rPr lang="en-US" smtClean="0"/>
+              <a:t>11/30/10</a:t>
             </a:fld>
             <a:endParaRPr lang="en-US"/>
           </a:p>
@@ -2673,6 +2703,10 @@
           <a:bodyPr/>
           <a:lstStyle/>
           <a:p>
+            <a:r>
+              <a:rPr lang="en-US" smtClean="0"/>
+              <a:t>Raffael Schmid, Hochschule für Technik Zürich</a:t>
+            </a:r>
             <a:endParaRPr lang="en-US"/>
           </a:p>
         </p:txBody>
@@ -2923,10 +2957,9 @@
           <a:bodyPr/>
           <a:lstStyle/>
           <a:p>
-            <a:fld id="{86737E50-59E4-8F4F-8B9A-9D881F896249}" type="datetime1">
-              <a:rPr lang="en-US" smtClean="0"/>
-              <a:pPr/>
-              <a:t>11/28/10</a:t>
+            <a:fld id="{6D513012-5A1B-0347-919C-4B2D456F90BA}" type="datetime1">
+              <a:rPr lang="en-US" smtClean="0"/>
+              <a:t>11/30/10</a:t>
             </a:fld>
             <a:endParaRPr lang="en-US"/>
           </a:p>
@@ -2947,6 +2980,10 @@
           <a:bodyPr/>
           <a:lstStyle/>
           <a:p>
+            <a:r>
+              <a:rPr lang="en-US" smtClean="0"/>
+              <a:t>Raffael Schmid, Hochschule für Technik Zürich</a:t>
+            </a:r>
             <a:endParaRPr lang="en-US"/>
           </a:p>
         </p:txBody>
@@ -3173,10 +3210,9 @@
           <a:bodyPr/>
           <a:lstStyle/>
           <a:p>
-            <a:fld id="{D82E47C0-B22D-A942-BEAA-3B32EC02BE84}" type="datetime1">
-              <a:rPr lang="en-US" smtClean="0"/>
-              <a:pPr/>
-              <a:t>11/28/10</a:t>
+            <a:fld id="{7926DD8A-12D1-8C4E-BF76-F630A62A66B3}" type="datetime1">
+              <a:rPr lang="en-US" smtClean="0"/>
+              <a:t>11/30/10</a:t>
             </a:fld>
             <a:endParaRPr lang="en-US"/>
           </a:p>
@@ -3197,6 +3233,10 @@
           <a:bodyPr/>
           <a:lstStyle/>
           <a:p>
+            <a:r>
+              <a:rPr lang="en-US" smtClean="0"/>
+              <a:t>Raffael Schmid, Hochschule für Technik Zürich</a:t>
+            </a:r>
             <a:endParaRPr lang="en-US"/>
           </a:p>
         </p:txBody>
@@ -3383,10 +3423,9 @@
             </a:lvl1pPr>
           </a:lstStyle>
           <a:p>
-            <a:fld id="{741A0CC3-B3BA-3342-BB55-A411FAA06D26}" type="datetime1">
-              <a:rPr lang="en-US" smtClean="0"/>
-              <a:pPr/>
-              <a:t>11/28/10</a:t>
+            <a:fld id="{53BF7A7A-893D-684F-884A-018CCE6B1E4C}" type="datetime1">
+              <a:rPr lang="en-US" smtClean="0"/>
+              <a:t>11/30/10</a:t>
             </a:fld>
             <a:endParaRPr lang="en-US"/>
           </a:p>
@@ -3404,8 +3443,8 @@
         </p:nvSpPr>
         <p:spPr>
           <a:xfrm>
-            <a:off x="3124200" y="6356350"/>
-            <a:ext cx="2895600" cy="365125"/>
+            <a:off x="2971800" y="6356350"/>
+            <a:ext cx="3200400" cy="365125"/>
           </a:xfrm>
           <a:prstGeom prst="rect">
             <a:avLst/>
@@ -3425,7 +3464,47 @@
             </a:lvl1pPr>
           </a:lstStyle>
           <a:p>
-            <a:endParaRPr lang="en-US"/>
+            <a:r>
+              <a:rPr lang="en-US" dirty="0" err="1" smtClean="0"/>
+              <a:t>Raffael</a:t>
+            </a:r>
+            <a:r>
+              <a:rPr lang="en-US" dirty="0" smtClean="0"/>
+              <a:t> </a:t>
+            </a:r>
+            <a:r>
+              <a:rPr lang="en-US" dirty="0" err="1" smtClean="0"/>
+              <a:t>Schmid</a:t>
+            </a:r>
+            <a:r>
+              <a:rPr lang="en-US" dirty="0" smtClean="0"/>
+              <a:t>, </a:t>
+            </a:r>
+            <a:r>
+              <a:rPr lang="en-US" dirty="0" err="1" smtClean="0"/>
+              <a:t>Hochschule</a:t>
+            </a:r>
+            <a:r>
+              <a:rPr lang="en-US" dirty="0" smtClean="0"/>
+              <a:t> </a:t>
+            </a:r>
+            <a:r>
+              <a:rPr lang="en-US" dirty="0" err="1" smtClean="0"/>
+              <a:t>für</a:t>
+            </a:r>
+            <a:r>
+              <a:rPr lang="en-US" dirty="0" smtClean="0"/>
+              <a:t> </a:t>
+            </a:r>
+            <a:r>
+              <a:rPr lang="en-US" dirty="0" err="1" smtClean="0"/>
+              <a:t>Technik</a:t>
+            </a:r>
+            <a:r>
+              <a:rPr lang="en-US" dirty="0" smtClean="0"/>
+              <a:t> Zürich</a:t>
+            </a:r>
+            <a:endParaRPr lang="en-US" dirty="0"/>
           </a:p>
         </p:txBody>
       </p:sp>
@@ -3487,7 +3566,7 @@
     <p:sldLayoutId id="2147483826" r:id="rId10"/>
     <p:sldLayoutId id="2147483827" r:id="rId11"/>
   </p:sldLayoutIdLst>
-  <p:hf hdr="0"/>
+  <p:hf sldNum="0" hdr="0"/>
   <p:txStyles>
     <p:titleStyle>
       <a:lvl1pPr algn="ctr" defTabSz="914400" rtl="0" eaLnBrk="1" latinLnBrk="0" hangingPunct="1">
@@ -3832,10 +3911,9 @@
           <a:bodyPr/>
           <a:lstStyle/>
           <a:p>
-            <a:fld id="{2C5D5197-E9BB-1E49-B77E-2598401DCF6F}" type="datetime1">
-              <a:rPr lang="en-US" smtClean="0"/>
-              <a:pPr/>
-              <a:t>11/28/10</a:t>
+            <a:fld id="{139C7F31-D561-0F4D-A63D-D8F75FCF806C}" type="datetime1">
+              <a:rPr lang="en-US" smtClean="0"/>
+              <a:t>11/30/10</a:t>
             </a:fld>
             <a:endParaRPr lang="en-US"/>
           </a:p>
@@ -3856,31 +3934,11 @@
           <a:bodyPr/>
           <a:lstStyle/>
           <a:p>
+            <a:r>
+              <a:rPr lang="en-US" smtClean="0"/>
+              <a:t>Raffael Schmid, Hochschule für Technik Zürich</a:t>
+            </a:r>
             <a:endParaRPr lang="en-US" dirty="0"/>
-          </a:p>
-        </p:txBody>
-      </p:sp>
-      <p:sp>
-        <p:nvSpPr>
-          <p:cNvPr id="6" name="Slide Number Placeholder 5"/>
-          <p:cNvSpPr>
-            <a:spLocks noGrp="1"/>
-          </p:cNvSpPr>
-          <p:nvPr>
-            <p:ph type="sldNum" sz="quarter" idx="12"/>
-          </p:nvPr>
-        </p:nvSpPr>
-        <p:spPr/>
-        <p:txBody>
-          <a:bodyPr/>
-          <a:lstStyle/>
-          <a:p>
-            <a:fld id="{289D5882-BB70-459C-B7E9-5D0040F635BD}" type="slidenum">
-              <a:rPr lang="en-US" smtClean="0"/>
-              <a:pPr/>
-              <a:t>1</a:t>
-            </a:fld>
-            <a:endParaRPr lang="en-US"/>
           </a:p>
         </p:txBody>
       </p:sp>
@@ -3928,6 +3986,1035 @@
         </p:nvSpPr>
         <p:spPr/>
         <p:txBody>
+          <a:bodyPr/>
+          <a:lstStyle/>
+          <a:p>
+            <a:r>
+              <a:rPr lang="de-CH" dirty="0" smtClean="0"/>
+              <a:t>Team Administration</a:t>
+            </a:r>
+            <a:endParaRPr lang="en-US" dirty="0"/>
+          </a:p>
+        </p:txBody>
+      </p:sp>
+      <p:sp>
+        <p:nvSpPr>
+          <p:cNvPr id="4" name="Date Placeholder 3"/>
+          <p:cNvSpPr>
+            <a:spLocks noGrp="1"/>
+          </p:cNvSpPr>
+          <p:nvPr>
+            <p:ph type="dt" sz="half" idx="10"/>
+          </p:nvPr>
+        </p:nvSpPr>
+        <p:spPr/>
+        <p:txBody>
+          <a:bodyPr/>
+          <a:lstStyle/>
+          <a:p>
+            <a:fld id="{DEE597F8-B1CE-FC42-B99E-21A86591A8D5}" type="datetime1">
+              <a:rPr lang="en-US" smtClean="0"/>
+              <a:t>11/30/10</a:t>
+            </a:fld>
+            <a:endParaRPr lang="en-US"/>
+          </a:p>
+        </p:txBody>
+      </p:sp>
+      <p:sp>
+        <p:nvSpPr>
+          <p:cNvPr id="5" name="Footer Placeholder 4"/>
+          <p:cNvSpPr>
+            <a:spLocks noGrp="1"/>
+          </p:cNvSpPr>
+          <p:nvPr>
+            <p:ph type="ftr" sz="quarter" idx="11"/>
+          </p:nvPr>
+        </p:nvSpPr>
+        <p:spPr/>
+        <p:txBody>
+          <a:bodyPr/>
+          <a:lstStyle/>
+          <a:p>
+            <a:r>
+              <a:rPr lang="en-US" smtClean="0"/>
+              <a:t>Raffael Schmid, Hochschule für Technik Zürich</a:t>
+            </a:r>
+            <a:endParaRPr lang="en-US"/>
+          </a:p>
+        </p:txBody>
+      </p:sp>
+      <p:sp>
+        <p:nvSpPr>
+          <p:cNvPr id="6" name="Text Placeholder 5"/>
+          <p:cNvSpPr>
+            <a:spLocks noGrp="1"/>
+          </p:cNvSpPr>
+          <p:nvPr>
+            <p:ph type="body" sz="quarter" idx="13"/>
+          </p:nvPr>
+        </p:nvSpPr>
+        <p:spPr/>
+        <p:txBody>
+          <a:bodyPr>
+            <a:normAutofit fontScale="92500" lnSpcReduction="20000"/>
+          </a:bodyPr>
+          <a:lstStyle/>
+          <a:p>
+            <a:r>
+              <a:rPr lang="en-US" dirty="0" smtClean="0"/>
+              <a:t>Use Case</a:t>
+            </a:r>
+            <a:endParaRPr lang="en-US" dirty="0"/>
+          </a:p>
+        </p:txBody>
+      </p:sp>
+      <p:pic>
+        <p:nvPicPr>
+          <p:cNvPr id="20" name="Picture 3"/>
+          <p:cNvPicPr>
+            <a:picLocks noChangeAspect="1" noChangeArrowheads="1"/>
+          </p:cNvPicPr>
+          <p:nvPr/>
+        </p:nvPicPr>
+        <p:blipFill>
+          <a:blip r:embed="rId2"/>
+          <a:srcRect/>
+          <a:stretch>
+            <a:fillRect/>
+          </a:stretch>
+        </p:blipFill>
+        <p:spPr bwMode="auto">
+          <a:xfrm>
+            <a:off x="838200" y="1484756"/>
+            <a:ext cx="6596183" cy="3573933"/>
+          </a:xfrm>
+          <a:prstGeom prst="rect">
+            <a:avLst/>
+          </a:prstGeom>
+          <a:noFill/>
+          <a:ln w="9525">
+            <a:solidFill>
+              <a:schemeClr val="accent1">
+                <a:shade val="95000"/>
+                <a:satMod val="105000"/>
+              </a:schemeClr>
+            </a:solidFill>
+            <a:miter lim="800000"/>
+            <a:headEnd/>
+            <a:tailEnd/>
+          </a:ln>
+          <a:effectLst/>
+        </p:spPr>
+      </p:pic>
+      <p:pic>
+        <p:nvPicPr>
+          <p:cNvPr id="22" name="Picture 4"/>
+          <p:cNvPicPr>
+            <a:picLocks noChangeAspect="1" noChangeArrowheads="1"/>
+          </p:cNvPicPr>
+          <p:nvPr/>
+        </p:nvPicPr>
+        <p:blipFill>
+          <a:blip r:embed="rId3"/>
+          <a:srcRect/>
+          <a:stretch>
+            <a:fillRect/>
+          </a:stretch>
+        </p:blipFill>
+        <p:spPr bwMode="auto">
+          <a:xfrm>
+            <a:off x="7772400" y="1484757"/>
+            <a:ext cx="995346" cy="1944243"/>
+          </a:xfrm>
+          <a:prstGeom prst="rect">
+            <a:avLst/>
+          </a:prstGeom>
+          <a:noFill/>
+          <a:ln w="9525">
+            <a:noFill/>
+            <a:miter lim="800000"/>
+            <a:headEnd/>
+            <a:tailEnd/>
+          </a:ln>
+          <a:effectLst/>
+        </p:spPr>
+      </p:pic>
+      <p:cxnSp>
+        <p:nvCxnSpPr>
+          <p:cNvPr id="23" name="Straight Arrow Connector 22"/>
+          <p:cNvCxnSpPr/>
+          <p:nvPr/>
+        </p:nvCxnSpPr>
+        <p:spPr>
+          <a:xfrm rot="10800000" flipV="1">
+            <a:off x="7467600" y="1789557"/>
+            <a:ext cx="609600" cy="1"/>
+          </a:xfrm>
+          <a:prstGeom prst="straightConnector1">
+            <a:avLst/>
+          </a:prstGeom>
+          <a:ln>
+            <a:tailEnd type="arrow"/>
+          </a:ln>
+        </p:spPr>
+        <p:style>
+          <a:lnRef idx="1">
+            <a:schemeClr val="accent1"/>
+          </a:lnRef>
+          <a:fillRef idx="0">
+            <a:schemeClr val="accent1"/>
+          </a:fillRef>
+          <a:effectRef idx="0">
+            <a:schemeClr val="accent1"/>
+          </a:effectRef>
+          <a:fontRef idx="minor">
+            <a:schemeClr val="tx1"/>
+          </a:fontRef>
+        </p:style>
+      </p:cxnSp>
+    </p:spTree>
+  </p:cSld>
+  <p:clrMapOvr>
+    <a:masterClrMapping/>
+  </p:clrMapOvr>
+  <p:timing>
+    <p:tnLst>
+      <p:par>
+        <p:cTn id="1" dur="indefinite" restart="never" nodeType="tmRoot"/>
+      </p:par>
+    </p:tnLst>
+  </p:timing>
+</p:sld>
+</file>
+
+<file path=ppt/slides/slide11.xml><?xml version="1.0" encoding="utf-8"?>
+<p:sld xmlns:a="http://schemas.openxmlformats.org/drawingml/2006/main" xmlns:r="http://schemas.openxmlformats.org/officeDocument/2006/relationships" xmlns:mc="http://schemas.openxmlformats.org/markup-compatibility/2006" xmlns:mv="urn:schemas-microsoft-com:mac:vml" xmlns:p="http://schemas.openxmlformats.org/presentationml/2006/main" mc:Ignorable="mv" mc:PreserveAttributes="mv:*">
+  <p:cSld>
+    <p:spTree>
+      <p:nvGrpSpPr>
+        <p:cNvPr id="1" name=""/>
+        <p:cNvGrpSpPr/>
+        <p:nvPr/>
+      </p:nvGrpSpPr>
+      <p:grpSpPr>
+        <a:xfrm>
+          <a:off x="0" y="0"/>
+          <a:ext cx="0" cy="0"/>
+          <a:chOff x="0" y="0"/>
+          <a:chExt cx="0" cy="0"/>
+        </a:xfrm>
+      </p:grpSpPr>
+      <p:sp>
+        <p:nvSpPr>
+          <p:cNvPr id="2" name="Title 1"/>
+          <p:cNvSpPr>
+            <a:spLocks noGrp="1"/>
+          </p:cNvSpPr>
+          <p:nvPr>
+            <p:ph type="title"/>
+          </p:nvPr>
+        </p:nvSpPr>
+        <p:spPr/>
+        <p:txBody>
+          <a:bodyPr/>
+          <a:lstStyle/>
+          <a:p>
+            <a:r>
+              <a:rPr lang="de-CH" dirty="0" smtClean="0"/>
+              <a:t>Team Administration</a:t>
+            </a:r>
+            <a:endParaRPr lang="en-US" dirty="0"/>
+          </a:p>
+        </p:txBody>
+      </p:sp>
+      <p:sp>
+        <p:nvSpPr>
+          <p:cNvPr id="4" name="Date Placeholder 3"/>
+          <p:cNvSpPr>
+            <a:spLocks noGrp="1"/>
+          </p:cNvSpPr>
+          <p:nvPr>
+            <p:ph type="dt" sz="half" idx="10"/>
+          </p:nvPr>
+        </p:nvSpPr>
+        <p:spPr/>
+        <p:txBody>
+          <a:bodyPr/>
+          <a:lstStyle/>
+          <a:p>
+            <a:fld id="{E2BB1FB1-A7E1-7144-8BDB-EDD4DC4FA4E0}" type="datetime1">
+              <a:rPr lang="en-US" smtClean="0"/>
+              <a:t>11/30/10</a:t>
+            </a:fld>
+            <a:endParaRPr lang="en-US"/>
+          </a:p>
+        </p:txBody>
+      </p:sp>
+      <p:sp>
+        <p:nvSpPr>
+          <p:cNvPr id="5" name="Footer Placeholder 4"/>
+          <p:cNvSpPr>
+            <a:spLocks noGrp="1"/>
+          </p:cNvSpPr>
+          <p:nvPr>
+            <p:ph type="ftr" sz="quarter" idx="11"/>
+          </p:nvPr>
+        </p:nvSpPr>
+        <p:spPr/>
+        <p:txBody>
+          <a:bodyPr/>
+          <a:lstStyle/>
+          <a:p>
+            <a:r>
+              <a:rPr lang="en-US" smtClean="0"/>
+              <a:t>Raffael Schmid, Hochschule für Technik Zürich</a:t>
+            </a:r>
+            <a:endParaRPr lang="en-US"/>
+          </a:p>
+        </p:txBody>
+      </p:sp>
+      <p:sp>
+        <p:nvSpPr>
+          <p:cNvPr id="48" name="Text Placeholder 47"/>
+          <p:cNvSpPr>
+            <a:spLocks noGrp="1"/>
+          </p:cNvSpPr>
+          <p:nvPr>
+            <p:ph type="body" sz="quarter" idx="13"/>
+          </p:nvPr>
+        </p:nvSpPr>
+        <p:spPr/>
+        <p:txBody>
+          <a:bodyPr>
+            <a:normAutofit fontScale="92500" lnSpcReduction="20000"/>
+          </a:bodyPr>
+          <a:lstStyle/>
+          <a:p>
+            <a:r>
+              <a:rPr lang="en-US" dirty="0" err="1" smtClean="0"/>
+              <a:t>Prozess</a:t>
+            </a:r>
+            <a:endParaRPr lang="en-US" dirty="0"/>
+          </a:p>
+        </p:txBody>
+      </p:sp>
+      <p:pic>
+        <p:nvPicPr>
+          <p:cNvPr id="1026" name="Picture 2"/>
+          <p:cNvPicPr>
+            <a:picLocks noChangeAspect="1" noChangeArrowheads="1"/>
+          </p:cNvPicPr>
+          <p:nvPr/>
+        </p:nvPicPr>
+        <p:blipFill>
+          <a:blip r:embed="rId2"/>
+          <a:srcRect/>
+          <a:stretch>
+            <a:fillRect/>
+          </a:stretch>
+        </p:blipFill>
+        <p:spPr bwMode="auto">
+          <a:xfrm>
+            <a:off x="178563" y="1447800"/>
+            <a:ext cx="8786874" cy="4946941"/>
+          </a:xfrm>
+          <a:prstGeom prst="rect">
+            <a:avLst/>
+          </a:prstGeom>
+          <a:noFill/>
+          <a:ln w="9525">
+            <a:noFill/>
+            <a:miter lim="800000"/>
+            <a:headEnd/>
+            <a:tailEnd/>
+          </a:ln>
+          <a:effectLst/>
+        </p:spPr>
+      </p:pic>
+    </p:spTree>
+  </p:cSld>
+  <p:clrMapOvr>
+    <a:masterClrMapping/>
+  </p:clrMapOvr>
+  <p:timing>
+    <p:tnLst>
+      <p:par>
+        <p:cTn id="1" dur="indefinite" restart="never" nodeType="tmRoot"/>
+      </p:par>
+    </p:tnLst>
+  </p:timing>
+</p:sld>
+</file>
+
+<file path=ppt/slides/slide12.xml><?xml version="1.0" encoding="utf-8"?>
+<p:sld xmlns:a="http://schemas.openxmlformats.org/drawingml/2006/main" xmlns:r="http://schemas.openxmlformats.org/officeDocument/2006/relationships" xmlns:mc="http://schemas.openxmlformats.org/markup-compatibility/2006" xmlns:mv="urn:schemas-microsoft-com:mac:vml" xmlns:p="http://schemas.openxmlformats.org/presentationml/2006/main" mc:Ignorable="mv" mc:PreserveAttributes="mv:*">
+  <p:cSld>
+    <p:spTree>
+      <p:nvGrpSpPr>
+        <p:cNvPr id="1" name=""/>
+        <p:cNvGrpSpPr/>
+        <p:nvPr/>
+      </p:nvGrpSpPr>
+      <p:grpSpPr>
+        <a:xfrm>
+          <a:off x="0" y="0"/>
+          <a:ext cx="0" cy="0"/>
+          <a:chOff x="0" y="0"/>
+          <a:chExt cx="0" cy="0"/>
+        </a:xfrm>
+      </p:grpSpPr>
+      <p:sp>
+        <p:nvSpPr>
+          <p:cNvPr id="2" name="Title 1"/>
+          <p:cNvSpPr>
+            <a:spLocks noGrp="1"/>
+          </p:cNvSpPr>
+          <p:nvPr>
+            <p:ph type="title"/>
+          </p:nvPr>
+        </p:nvSpPr>
+        <p:spPr/>
+        <p:txBody>
+          <a:bodyPr/>
+          <a:lstStyle/>
+          <a:p>
+            <a:r>
+              <a:rPr lang="de-CH" dirty="0" smtClean="0"/>
+              <a:t>Ferien beantragen, freigeben</a:t>
+            </a:r>
+            <a:endParaRPr lang="en-US" dirty="0"/>
+          </a:p>
+        </p:txBody>
+      </p:sp>
+      <p:sp>
+        <p:nvSpPr>
+          <p:cNvPr id="4" name="Date Placeholder 3"/>
+          <p:cNvSpPr>
+            <a:spLocks noGrp="1"/>
+          </p:cNvSpPr>
+          <p:nvPr>
+            <p:ph type="dt" sz="half" idx="10"/>
+          </p:nvPr>
+        </p:nvSpPr>
+        <p:spPr/>
+        <p:txBody>
+          <a:bodyPr/>
+          <a:lstStyle/>
+          <a:p>
+            <a:fld id="{A4C7B9E7-2363-3E43-9E93-AAF7284E99FF}" type="datetime1">
+              <a:rPr lang="en-US" smtClean="0"/>
+              <a:t>11/30/10</a:t>
+            </a:fld>
+            <a:endParaRPr lang="en-US"/>
+          </a:p>
+        </p:txBody>
+      </p:sp>
+      <p:sp>
+        <p:nvSpPr>
+          <p:cNvPr id="5" name="Footer Placeholder 4"/>
+          <p:cNvSpPr>
+            <a:spLocks noGrp="1"/>
+          </p:cNvSpPr>
+          <p:nvPr>
+            <p:ph type="ftr" sz="quarter" idx="11"/>
+          </p:nvPr>
+        </p:nvSpPr>
+        <p:spPr/>
+        <p:txBody>
+          <a:bodyPr/>
+          <a:lstStyle/>
+          <a:p>
+            <a:r>
+              <a:rPr lang="en-US" smtClean="0"/>
+              <a:t>Raffael Schmid, Hochschule für Technik Zürich</a:t>
+            </a:r>
+            <a:endParaRPr lang="en-US"/>
+          </a:p>
+        </p:txBody>
+      </p:sp>
+      <p:sp>
+        <p:nvSpPr>
+          <p:cNvPr id="6" name="Text Placeholder 5"/>
+          <p:cNvSpPr>
+            <a:spLocks noGrp="1"/>
+          </p:cNvSpPr>
+          <p:nvPr>
+            <p:ph type="body" sz="quarter" idx="13"/>
+          </p:nvPr>
+        </p:nvSpPr>
+        <p:spPr/>
+        <p:txBody>
+          <a:bodyPr>
+            <a:normAutofit fontScale="92500" lnSpcReduction="20000"/>
+          </a:bodyPr>
+          <a:lstStyle/>
+          <a:p>
+            <a:r>
+              <a:rPr lang="en-US" dirty="0" smtClean="0"/>
+              <a:t>Use Cases</a:t>
+            </a:r>
+            <a:endParaRPr lang="en-US" dirty="0"/>
+          </a:p>
+        </p:txBody>
+      </p:sp>
+      <p:pic>
+        <p:nvPicPr>
+          <p:cNvPr id="2050" name="Picture 2"/>
+          <p:cNvPicPr>
+            <a:picLocks noGrp="1" noChangeAspect="1" noChangeArrowheads="1"/>
+          </p:cNvPicPr>
+          <p:nvPr>
+            <p:ph idx="1"/>
+          </p:nvPr>
+        </p:nvPicPr>
+        <p:blipFill>
+          <a:blip r:embed="rId2"/>
+          <a:srcRect/>
+          <a:stretch>
+            <a:fillRect/>
+          </a:stretch>
+        </p:blipFill>
+        <p:spPr bwMode="auto">
+          <a:xfrm>
+            <a:off x="2819400" y="1295400"/>
+            <a:ext cx="838200" cy="2011680"/>
+          </a:xfrm>
+          <a:prstGeom prst="rect">
+            <a:avLst/>
+          </a:prstGeom>
+          <a:noFill/>
+          <a:ln w="9525">
+            <a:noFill/>
+            <a:miter lim="800000"/>
+            <a:headEnd/>
+            <a:tailEnd/>
+          </a:ln>
+          <a:effectLst/>
+        </p:spPr>
+      </p:pic>
+      <p:pic>
+        <p:nvPicPr>
+          <p:cNvPr id="2052" name="Picture 4"/>
+          <p:cNvPicPr>
+            <a:picLocks noChangeAspect="1" noChangeArrowheads="1"/>
+          </p:cNvPicPr>
+          <p:nvPr/>
+        </p:nvPicPr>
+        <p:blipFill>
+          <a:blip r:embed="rId3"/>
+          <a:srcRect/>
+          <a:stretch>
+            <a:fillRect/>
+          </a:stretch>
+        </p:blipFill>
+        <p:spPr bwMode="auto">
+          <a:xfrm>
+            <a:off x="7696200" y="1362837"/>
+            <a:ext cx="995346" cy="1944243"/>
+          </a:xfrm>
+          <a:prstGeom prst="rect">
+            <a:avLst/>
+          </a:prstGeom>
+          <a:noFill/>
+          <a:ln w="9525">
+            <a:noFill/>
+            <a:miter lim="800000"/>
+            <a:headEnd/>
+            <a:tailEnd/>
+          </a:ln>
+          <a:effectLst/>
+        </p:spPr>
+      </p:pic>
+      <p:cxnSp>
+        <p:nvCxnSpPr>
+          <p:cNvPr id="9" name="Straight Arrow Connector 8"/>
+          <p:cNvCxnSpPr/>
+          <p:nvPr/>
+        </p:nvCxnSpPr>
+        <p:spPr>
+          <a:xfrm rot="10800000" flipV="1">
+            <a:off x="7391400" y="1706878"/>
+            <a:ext cx="609600" cy="1"/>
+          </a:xfrm>
+          <a:prstGeom prst="straightConnector1">
+            <a:avLst/>
+          </a:prstGeom>
+          <a:ln>
+            <a:tailEnd type="arrow"/>
+          </a:ln>
+        </p:spPr>
+        <p:style>
+          <a:lnRef idx="1">
+            <a:schemeClr val="accent1"/>
+          </a:lnRef>
+          <a:fillRef idx="0">
+            <a:schemeClr val="accent1"/>
+          </a:fillRef>
+          <a:effectRef idx="0">
+            <a:schemeClr val="accent1"/>
+          </a:effectRef>
+          <a:fontRef idx="minor">
+            <a:schemeClr val="tx1"/>
+          </a:fontRef>
+        </p:style>
+      </p:cxnSp>
+      <p:cxnSp>
+        <p:nvCxnSpPr>
+          <p:cNvPr id="10" name="Straight Arrow Connector 9"/>
+          <p:cNvCxnSpPr/>
+          <p:nvPr/>
+        </p:nvCxnSpPr>
+        <p:spPr>
+          <a:xfrm>
+            <a:off x="3657600" y="1706880"/>
+            <a:ext cx="914400" cy="1588"/>
+          </a:xfrm>
+          <a:prstGeom prst="straightConnector1">
+            <a:avLst/>
+          </a:prstGeom>
+          <a:ln>
+            <a:tailEnd type="arrow"/>
+          </a:ln>
+        </p:spPr>
+        <p:style>
+          <a:lnRef idx="1">
+            <a:schemeClr val="accent1"/>
+          </a:lnRef>
+          <a:fillRef idx="0">
+            <a:schemeClr val="accent1"/>
+          </a:fillRef>
+          <a:effectRef idx="0">
+            <a:schemeClr val="accent1"/>
+          </a:effectRef>
+          <a:fontRef idx="minor">
+            <a:schemeClr val="tx1"/>
+          </a:fontRef>
+        </p:style>
+      </p:cxnSp>
+      <p:sp>
+        <p:nvSpPr>
+          <p:cNvPr id="19" name="TextBox 18"/>
+          <p:cNvSpPr txBox="1"/>
+          <p:nvPr/>
+        </p:nvSpPr>
+        <p:spPr>
+          <a:xfrm>
+            <a:off x="457200" y="1935480"/>
+            <a:ext cx="2209800" cy="369332"/>
+          </a:xfrm>
+          <a:prstGeom prst="rect">
+            <a:avLst/>
+          </a:prstGeom>
+          <a:noFill/>
+        </p:spPr>
+        <p:txBody>
+          <a:bodyPr wrap="square" rtlCol="0">
+            <a:spAutoFit/>
+          </a:bodyPr>
+          <a:lstStyle/>
+          <a:p>
+            <a:r>
+              <a:rPr lang="en-US" dirty="0" err="1" smtClean="0"/>
+              <a:t>Antrag</a:t>
+            </a:r>
+            <a:endParaRPr lang="en-US" dirty="0"/>
+          </a:p>
+        </p:txBody>
+      </p:sp>
+      <p:sp>
+        <p:nvSpPr>
+          <p:cNvPr id="21" name="TextBox 20"/>
+          <p:cNvSpPr txBox="1"/>
+          <p:nvPr/>
+        </p:nvSpPr>
+        <p:spPr>
+          <a:xfrm>
+            <a:off x="533400" y="4075557"/>
+            <a:ext cx="2209800" cy="369332"/>
+          </a:xfrm>
+          <a:prstGeom prst="rect">
+            <a:avLst/>
+          </a:prstGeom>
+          <a:noFill/>
+        </p:spPr>
+        <p:txBody>
+          <a:bodyPr wrap="square" rtlCol="0">
+            <a:spAutoFit/>
+          </a:bodyPr>
+          <a:lstStyle/>
+          <a:p>
+            <a:r>
+              <a:rPr lang="en-US" dirty="0" err="1" smtClean="0"/>
+              <a:t>Freigabe</a:t>
+            </a:r>
+            <a:endParaRPr lang="en-US" dirty="0"/>
+          </a:p>
+        </p:txBody>
+      </p:sp>
+      <p:pic>
+        <p:nvPicPr>
+          <p:cNvPr id="22" name="Picture 4"/>
+          <p:cNvPicPr>
+            <a:picLocks noChangeAspect="1" noChangeArrowheads="1"/>
+          </p:cNvPicPr>
+          <p:nvPr/>
+        </p:nvPicPr>
+        <p:blipFill>
+          <a:blip r:embed="rId3"/>
+          <a:srcRect/>
+          <a:stretch>
+            <a:fillRect/>
+          </a:stretch>
+        </p:blipFill>
+        <p:spPr bwMode="auto">
+          <a:xfrm>
+            <a:off x="7696200" y="3999357"/>
+            <a:ext cx="995346" cy="1944243"/>
+          </a:xfrm>
+          <a:prstGeom prst="rect">
+            <a:avLst/>
+          </a:prstGeom>
+          <a:noFill/>
+          <a:ln w="9525">
+            <a:noFill/>
+            <a:miter lim="800000"/>
+            <a:headEnd/>
+            <a:tailEnd/>
+          </a:ln>
+          <a:effectLst/>
+        </p:spPr>
+      </p:pic>
+      <p:cxnSp>
+        <p:nvCxnSpPr>
+          <p:cNvPr id="23" name="Straight Arrow Connector 22"/>
+          <p:cNvCxnSpPr/>
+          <p:nvPr/>
+        </p:nvCxnSpPr>
+        <p:spPr>
+          <a:xfrm rot="10800000" flipV="1">
+            <a:off x="7391400" y="4304157"/>
+            <a:ext cx="609600" cy="1"/>
+          </a:xfrm>
+          <a:prstGeom prst="straightConnector1">
+            <a:avLst/>
+          </a:prstGeom>
+          <a:ln>
+            <a:tailEnd type="arrow"/>
+          </a:ln>
+        </p:spPr>
+        <p:style>
+          <a:lnRef idx="1">
+            <a:schemeClr val="accent1"/>
+          </a:lnRef>
+          <a:fillRef idx="0">
+            <a:schemeClr val="accent1"/>
+          </a:fillRef>
+          <a:effectRef idx="0">
+            <a:schemeClr val="accent1"/>
+          </a:effectRef>
+          <a:fontRef idx="minor">
+            <a:schemeClr val="tx1"/>
+          </a:fontRef>
+        </p:style>
+      </p:cxnSp>
+      <p:pic>
+        <p:nvPicPr>
+          <p:cNvPr id="17" name="Picture 3"/>
+          <p:cNvPicPr>
+            <a:picLocks noChangeAspect="1" noChangeArrowheads="1"/>
+          </p:cNvPicPr>
+          <p:nvPr/>
+        </p:nvPicPr>
+        <p:blipFill>
+          <a:blip r:embed="rId4" cstate="print"/>
+          <a:srcRect/>
+          <a:stretch>
+            <a:fillRect/>
+          </a:stretch>
+        </p:blipFill>
+        <p:spPr bwMode="auto">
+          <a:xfrm>
+            <a:off x="4572000" y="1554480"/>
+            <a:ext cx="2810836" cy="1626653"/>
+          </a:xfrm>
+          <a:prstGeom prst="rect">
+            <a:avLst/>
+          </a:prstGeom>
+          <a:noFill/>
+          <a:ln w="9525">
+            <a:noFill/>
+            <a:miter lim="800000"/>
+            <a:headEnd/>
+            <a:tailEnd/>
+          </a:ln>
+          <a:effectLst/>
+        </p:spPr>
+      </p:pic>
+      <p:pic>
+        <p:nvPicPr>
+          <p:cNvPr id="18" name="Picture 6"/>
+          <p:cNvPicPr>
+            <a:picLocks noChangeAspect="1" noChangeArrowheads="1"/>
+          </p:cNvPicPr>
+          <p:nvPr/>
+        </p:nvPicPr>
+        <p:blipFill>
+          <a:blip r:embed="rId5"/>
+          <a:srcRect/>
+          <a:stretch>
+            <a:fillRect/>
+          </a:stretch>
+        </p:blipFill>
+        <p:spPr bwMode="auto">
+          <a:xfrm>
+            <a:off x="4114800" y="3999357"/>
+            <a:ext cx="3276600" cy="1804504"/>
+          </a:xfrm>
+          <a:prstGeom prst="rect">
+            <a:avLst/>
+          </a:prstGeom>
+          <a:noFill/>
+          <a:ln w="9525">
+            <a:noFill/>
+            <a:miter lim="800000"/>
+            <a:headEnd/>
+            <a:tailEnd/>
+          </a:ln>
+          <a:effectLst/>
+        </p:spPr>
+      </p:pic>
+      <p:cxnSp>
+        <p:nvCxnSpPr>
+          <p:cNvPr id="24" name="Straight Connector 23"/>
+          <p:cNvCxnSpPr/>
+          <p:nvPr/>
+        </p:nvCxnSpPr>
+        <p:spPr>
+          <a:xfrm>
+            <a:off x="1143000" y="3657600"/>
+            <a:ext cx="6553200" cy="1588"/>
+          </a:xfrm>
+          <a:prstGeom prst="line">
+            <a:avLst/>
+          </a:prstGeom>
+          <a:ln>
+            <a:solidFill>
+              <a:schemeClr val="tx1">
+                <a:lumMod val="50000"/>
+                <a:lumOff val="50000"/>
+              </a:schemeClr>
+            </a:solidFill>
+          </a:ln>
+        </p:spPr>
+        <p:style>
+          <a:lnRef idx="2">
+            <a:schemeClr val="accent1"/>
+          </a:lnRef>
+          <a:fillRef idx="0">
+            <a:schemeClr val="accent1"/>
+          </a:fillRef>
+          <a:effectRef idx="1">
+            <a:schemeClr val="accent1"/>
+          </a:effectRef>
+          <a:fontRef idx="minor">
+            <a:schemeClr val="tx1"/>
+          </a:fontRef>
+        </p:style>
+      </p:cxnSp>
+    </p:spTree>
+  </p:cSld>
+  <p:clrMapOvr>
+    <a:masterClrMapping/>
+  </p:clrMapOvr>
+  <p:timing>
+    <p:tnLst>
+      <p:par>
+        <p:cTn id="1" dur="indefinite" restart="never" nodeType="tmRoot"/>
+      </p:par>
+    </p:tnLst>
+  </p:timing>
+</p:sld>
+</file>
+
+<file path=ppt/slides/slide13.xml><?xml version="1.0" encoding="utf-8"?>
+<p:sld xmlns:a="http://schemas.openxmlformats.org/drawingml/2006/main" xmlns:r="http://schemas.openxmlformats.org/officeDocument/2006/relationships" xmlns:mc="http://schemas.openxmlformats.org/markup-compatibility/2006" xmlns:mv="urn:schemas-microsoft-com:mac:vml" xmlns:p="http://schemas.openxmlformats.org/presentationml/2006/main" mc:Ignorable="mv" mc:PreserveAttributes="mv:*">
+  <p:cSld>
+    <p:spTree>
+      <p:nvGrpSpPr>
+        <p:cNvPr id="1" name=""/>
+        <p:cNvGrpSpPr/>
+        <p:nvPr/>
+      </p:nvGrpSpPr>
+      <p:grpSpPr>
+        <a:xfrm>
+          <a:off x="0" y="0"/>
+          <a:ext cx="0" cy="0"/>
+          <a:chOff x="0" y="0"/>
+          <a:chExt cx="0" cy="0"/>
+        </a:xfrm>
+      </p:grpSpPr>
+      <p:sp>
+        <p:nvSpPr>
+          <p:cNvPr id="2" name="Title 1"/>
+          <p:cNvSpPr>
+            <a:spLocks noGrp="1"/>
+          </p:cNvSpPr>
+          <p:nvPr>
+            <p:ph type="title"/>
+          </p:nvPr>
+        </p:nvSpPr>
+        <p:spPr/>
+        <p:txBody>
+          <a:bodyPr/>
+          <a:lstStyle/>
+          <a:p>
+            <a:r>
+              <a:rPr lang="de-CH" dirty="0" smtClean="0"/>
+              <a:t>Ferien beantragen, freigeben</a:t>
+            </a:r>
+            <a:endParaRPr lang="en-US" dirty="0"/>
+          </a:p>
+        </p:txBody>
+      </p:sp>
+      <p:sp>
+        <p:nvSpPr>
+          <p:cNvPr id="4" name="Date Placeholder 3"/>
+          <p:cNvSpPr>
+            <a:spLocks noGrp="1"/>
+          </p:cNvSpPr>
+          <p:nvPr>
+            <p:ph type="dt" sz="half" idx="10"/>
+          </p:nvPr>
+        </p:nvSpPr>
+        <p:spPr/>
+        <p:txBody>
+          <a:bodyPr/>
+          <a:lstStyle/>
+          <a:p>
+            <a:fld id="{823B1565-F0A8-A947-8564-50DAA6278020}" type="datetime1">
+              <a:rPr lang="en-US" smtClean="0"/>
+              <a:t>11/30/10</a:t>
+            </a:fld>
+            <a:endParaRPr lang="en-US"/>
+          </a:p>
+        </p:txBody>
+      </p:sp>
+      <p:sp>
+        <p:nvSpPr>
+          <p:cNvPr id="5" name="Footer Placeholder 4"/>
+          <p:cNvSpPr>
+            <a:spLocks noGrp="1"/>
+          </p:cNvSpPr>
+          <p:nvPr>
+            <p:ph type="ftr" sz="quarter" idx="11"/>
+          </p:nvPr>
+        </p:nvSpPr>
+        <p:spPr/>
+        <p:txBody>
+          <a:bodyPr/>
+          <a:lstStyle/>
+          <a:p>
+            <a:r>
+              <a:rPr lang="en-US" smtClean="0"/>
+              <a:t>Raffael Schmid, Hochschule für Technik Zürich</a:t>
+            </a:r>
+            <a:endParaRPr lang="en-US"/>
+          </a:p>
+        </p:txBody>
+      </p:sp>
+      <p:sp>
+        <p:nvSpPr>
+          <p:cNvPr id="48" name="Text Placeholder 47"/>
+          <p:cNvSpPr>
+            <a:spLocks noGrp="1"/>
+          </p:cNvSpPr>
+          <p:nvPr>
+            <p:ph type="body" sz="quarter" idx="13"/>
+          </p:nvPr>
+        </p:nvSpPr>
+        <p:spPr/>
+        <p:txBody>
+          <a:bodyPr>
+            <a:normAutofit fontScale="92500" lnSpcReduction="20000"/>
+          </a:bodyPr>
+          <a:lstStyle/>
+          <a:p>
+            <a:r>
+              <a:rPr lang="en-US" dirty="0" err="1" smtClean="0"/>
+              <a:t>Prozess</a:t>
+            </a:r>
+            <a:endParaRPr lang="en-US" dirty="0"/>
+          </a:p>
+        </p:txBody>
+      </p:sp>
+      <p:pic>
+        <p:nvPicPr>
+          <p:cNvPr id="10" name="Picture 9"/>
+          <p:cNvPicPr>
+            <a:picLocks noChangeAspect="1"/>
+          </p:cNvPicPr>
+          <p:nvPr/>
+        </p:nvPicPr>
+        <p:blipFill>
+          <a:blip r:embed="rId2"/>
+          <a:stretch>
+            <a:fillRect/>
+          </a:stretch>
+        </p:blipFill>
+        <p:spPr>
+          <a:xfrm>
+            <a:off x="285750" y="1809750"/>
+            <a:ext cx="8572500" cy="3238500"/>
+          </a:xfrm>
+          <a:prstGeom prst="rect">
+            <a:avLst/>
+          </a:prstGeom>
+        </p:spPr>
+      </p:pic>
+    </p:spTree>
+  </p:cSld>
+  <p:clrMapOvr>
+    <a:masterClrMapping/>
+  </p:clrMapOvr>
+  <p:timing>
+    <p:tnLst>
+      <p:par>
+        <p:cTn id="1" dur="indefinite" restart="never" nodeType="tmRoot"/>
+      </p:par>
+    </p:tnLst>
+  </p:timing>
+</p:sld>
+</file>
+
+<file path=ppt/slides/slide14.xml><?xml version="1.0" encoding="utf-8"?>
+<p:sld xmlns:a="http://schemas.openxmlformats.org/drawingml/2006/main" xmlns:r="http://schemas.openxmlformats.org/officeDocument/2006/relationships" xmlns:mc="http://schemas.openxmlformats.org/markup-compatibility/2006" xmlns:mv="urn:schemas-microsoft-com:mac:vml" xmlns:p="http://schemas.openxmlformats.org/presentationml/2006/main" mc:Ignorable="mv" mc:PreserveAttributes="mv:*">
+  <p:cSld>
+    <p:spTree>
+      <p:nvGrpSpPr>
+        <p:cNvPr id="1" name=""/>
+        <p:cNvGrpSpPr/>
+        <p:nvPr/>
+      </p:nvGrpSpPr>
+      <p:grpSpPr>
+        <a:xfrm>
+          <a:off x="0" y="0"/>
+          <a:ext cx="0" cy="0"/>
+          <a:chOff x="0" y="0"/>
+          <a:chExt cx="0" cy="0"/>
+        </a:xfrm>
+      </p:grpSpPr>
+      <p:sp>
+        <p:nvSpPr>
+          <p:cNvPr id="2" name="Title 1"/>
+          <p:cNvSpPr>
+            <a:spLocks noGrp="1"/>
+          </p:cNvSpPr>
+          <p:nvPr>
+            <p:ph type="title"/>
+          </p:nvPr>
+        </p:nvSpPr>
+        <p:spPr/>
+        <p:txBody>
           <a:bodyPr>
             <a:normAutofit/>
           </a:bodyPr>
@@ -3994,10 +5081,9 @@
           <a:bodyPr/>
           <a:lstStyle/>
           <a:p>
-            <a:fld id="{130157A5-1F10-434A-AFD5-942E0D3B78C1}" type="datetime1">
-              <a:rPr lang="en-US" smtClean="0"/>
-              <a:pPr/>
-              <a:t>11/28/10</a:t>
+            <a:fld id="{25091FA9-A081-6049-A681-C93DF255E800}" type="datetime1">
+              <a:rPr lang="en-US" smtClean="0"/>
+              <a:t>11/30/10</a:t>
             </a:fld>
             <a:endParaRPr lang="en-US"/>
           </a:p>
@@ -4023,6 +5109,10 @@
           <a:bodyPr/>
           <a:lstStyle/>
           <a:p>
+            <a:r>
+              <a:rPr lang="en-US" smtClean="0"/>
+              <a:t>Raffael Schmid, Hochschule für Technik Zürich</a:t>
+            </a:r>
             <a:endParaRPr lang="en-US"/>
           </a:p>
         </p:txBody>
@@ -4111,7 +5201,7 @@
         </p:nvSpPr>
         <p:spPr>
           <a:xfrm>
-            <a:off x="4645025" y="1535113"/>
+            <a:off x="5635625" y="1535113"/>
             <a:ext cx="4041775" cy="639762"/>
           </a:xfrm>
           <a:prstGeom prst="rect">
@@ -4347,7 +5437,7 @@
         </p:blipFill>
         <p:spPr bwMode="auto">
           <a:xfrm>
-            <a:off x="4905348" y="4169044"/>
+            <a:off x="5828970" y="4169044"/>
             <a:ext cx="733452" cy="1760285"/>
           </a:xfrm>
           <a:prstGeom prst="rect">
@@ -4380,7 +5470,7 @@
         </p:blipFill>
         <p:spPr bwMode="auto">
           <a:xfrm>
-            <a:off x="6400800" y="4191000"/>
+            <a:off x="7324422" y="4191000"/>
             <a:ext cx="828978" cy="1619269"/>
           </a:xfrm>
           <a:prstGeom prst="rect">
@@ -4412,7 +5502,7 @@
         </p:blipFill>
         <p:spPr>
           <a:xfrm>
-            <a:off x="4800600" y="2197100"/>
+            <a:off x="5724222" y="2197100"/>
             <a:ext cx="939800" cy="1139508"/>
           </a:xfrm>
           <a:prstGeom prst="rect">
@@ -4430,7 +5520,7 @@
         </p:nvSpPr>
         <p:spPr>
           <a:xfrm>
-            <a:off x="4572000" y="3429000"/>
+            <a:off x="5562600" y="3429000"/>
             <a:ext cx="4040188" cy="639762"/>
           </a:xfrm>
           <a:prstGeom prst="rect">
@@ -4481,33 +5571,178 @@
           </a:p>
         </p:txBody>
       </p:sp>
-      <p:sp>
-        <p:nvSpPr>
-          <p:cNvPr id="42" name="Right Arrow 41"/>
+      <p:cxnSp>
+        <p:nvCxnSpPr>
+          <p:cNvPr id="18" name="Straight Connector 17"/>
+          <p:cNvCxnSpPr/>
+          <p:nvPr/>
+        </p:nvCxnSpPr>
+        <p:spPr>
+          <a:xfrm rot="5400000" flipH="1" flipV="1">
+            <a:off x="2439194" y="3733006"/>
+            <a:ext cx="4267200" cy="1588"/>
+          </a:xfrm>
+          <a:prstGeom prst="line">
+            <a:avLst/>
+          </a:prstGeom>
+          <a:ln>
+            <a:solidFill>
+              <a:schemeClr val="tx1">
+                <a:lumMod val="50000"/>
+                <a:lumOff val="50000"/>
+              </a:schemeClr>
+            </a:solidFill>
+          </a:ln>
+        </p:spPr>
+        <p:style>
+          <a:lnRef idx="2">
+            <a:schemeClr val="accent1"/>
+          </a:lnRef>
+          <a:fillRef idx="0">
+            <a:schemeClr val="accent1"/>
+          </a:fillRef>
+          <a:effectRef idx="1">
+            <a:schemeClr val="accent1"/>
+          </a:effectRef>
+          <a:fontRef idx="minor">
+            <a:schemeClr val="tx1"/>
+          </a:fontRef>
+        </p:style>
+      </p:cxnSp>
+      <p:sp>
+        <p:nvSpPr>
+          <p:cNvPr id="22" name="TextBox 21"/>
+          <p:cNvSpPr txBox="1"/>
+          <p:nvPr/>
+        </p:nvSpPr>
+        <p:spPr>
+          <a:xfrm>
+            <a:off x="2209800" y="2133600"/>
+            <a:ext cx="457200" cy="369332"/>
+          </a:xfrm>
+          <a:prstGeom prst="rect">
+            <a:avLst/>
+          </a:prstGeom>
+          <a:noFill/>
+        </p:spPr>
+        <p:txBody>
+          <a:bodyPr wrap="square" rtlCol="0">
+            <a:spAutoFit/>
+          </a:bodyPr>
+          <a:lstStyle/>
+          <a:p>
+            <a:r>
+              <a:rPr lang="en-US" dirty="0" smtClean="0"/>
+              <a:t>1.</a:t>
+            </a:r>
+            <a:endParaRPr lang="en-US" dirty="0"/>
+          </a:p>
+        </p:txBody>
+      </p:sp>
+      <p:sp>
+        <p:nvSpPr>
+          <p:cNvPr id="23" name="TextBox 22"/>
+          <p:cNvSpPr txBox="1"/>
+          <p:nvPr/>
+        </p:nvSpPr>
+        <p:spPr>
+          <a:xfrm>
+            <a:off x="7239000" y="2133600"/>
+            <a:ext cx="457200" cy="369332"/>
+          </a:xfrm>
+          <a:prstGeom prst="rect">
+            <a:avLst/>
+          </a:prstGeom>
+          <a:noFill/>
+        </p:spPr>
+        <p:txBody>
+          <a:bodyPr wrap="square" rtlCol="0">
+            <a:spAutoFit/>
+          </a:bodyPr>
+          <a:lstStyle/>
+          <a:p>
+            <a:r>
+              <a:rPr lang="en-US" dirty="0" smtClean="0"/>
+              <a:t>1.</a:t>
+            </a:r>
+            <a:endParaRPr lang="en-US" dirty="0"/>
+          </a:p>
+        </p:txBody>
+      </p:sp>
+      <p:sp>
+        <p:nvSpPr>
+          <p:cNvPr id="27" name="TextBox 26"/>
+          <p:cNvSpPr txBox="1"/>
+          <p:nvPr/>
+        </p:nvSpPr>
+        <p:spPr>
+          <a:xfrm>
+            <a:off x="5334000" y="4191000"/>
+            <a:ext cx="457200" cy="369332"/>
+          </a:xfrm>
+          <a:prstGeom prst="rect">
+            <a:avLst/>
+          </a:prstGeom>
+          <a:noFill/>
+        </p:spPr>
+        <p:txBody>
+          <a:bodyPr wrap="square" rtlCol="0">
+            <a:spAutoFit/>
+          </a:bodyPr>
+          <a:lstStyle/>
+          <a:p>
+            <a:r>
+              <a:rPr lang="en-US" dirty="0" smtClean="0"/>
+              <a:t>2.</a:t>
+            </a:r>
+            <a:endParaRPr lang="en-US" dirty="0"/>
+          </a:p>
+        </p:txBody>
+      </p:sp>
+      <p:sp>
+        <p:nvSpPr>
+          <p:cNvPr id="29" name="TextBox 28"/>
+          <p:cNvSpPr txBox="1"/>
+          <p:nvPr/>
+        </p:nvSpPr>
+        <p:spPr>
+          <a:xfrm>
+            <a:off x="8153400" y="4191000"/>
+            <a:ext cx="457200" cy="369332"/>
+          </a:xfrm>
+          <a:prstGeom prst="rect">
+            <a:avLst/>
+          </a:prstGeom>
+          <a:noFill/>
+        </p:spPr>
+        <p:txBody>
+          <a:bodyPr wrap="square" rtlCol="0">
+            <a:spAutoFit/>
+          </a:bodyPr>
+          <a:lstStyle/>
+          <a:p>
+            <a:r>
+              <a:rPr lang="en-US" dirty="0" smtClean="0"/>
+              <a:t>3.</a:t>
+            </a:r>
+            <a:endParaRPr lang="en-US" dirty="0"/>
+          </a:p>
+        </p:txBody>
+      </p:sp>
+      <p:sp>
+        <p:nvSpPr>
+          <p:cNvPr id="36" name="Right Arrow 35"/>
           <p:cNvSpPr/>
           <p:nvPr/>
         </p:nvSpPr>
         <p:spPr>
           <a:xfrm>
-            <a:off x="3505200" y="2758440"/>
-            <a:ext cx="914400" cy="1341119"/>
+            <a:off x="6858000" y="4800600"/>
+            <a:ext cx="304800" cy="228600"/>
           </a:xfrm>
           <a:prstGeom prst="rightArrow">
             <a:avLst/>
           </a:prstGeom>
-          <a:solidFill>
-            <a:schemeClr val="tx1">
-              <a:lumMod val="50000"/>
-              <a:lumOff val="50000"/>
-            </a:schemeClr>
-          </a:solidFill>
-          <a:ln>
-            <a:solidFill>
-              <a:schemeClr val="tx2">
-                <a:lumMod val="75000"/>
-              </a:schemeClr>
-            </a:solidFill>
-          </a:ln>
         </p:spPr>
         <p:style>
           <a:lnRef idx="1">
@@ -4534,25 +5769,31 @@
       </p:sp>
       <p:sp>
         <p:nvSpPr>
-          <p:cNvPr id="17" name="Slide Number Placeholder 16"/>
-          <p:cNvSpPr>
-            <a:spLocks noGrp="1"/>
-          </p:cNvSpPr>
-          <p:nvPr>
-            <p:ph type="sldNum" sz="quarter" idx="12"/>
-          </p:nvPr>
-        </p:nvSpPr>
-        <p:spPr/>
-        <p:txBody>
-          <a:bodyPr/>
-          <a:lstStyle/>
-          <a:p>
-            <a:fld id="{289D5882-BB70-459C-B7E9-5D0040F635BD}" type="slidenum">
-              <a:rPr lang="en-US" smtClean="0"/>
-              <a:pPr/>
-              <a:t>10</a:t>
-            </a:fld>
-            <a:endParaRPr lang="en-US"/>
+          <p:cNvPr id="37" name="TextBox 36"/>
+          <p:cNvSpPr txBox="1"/>
+          <p:nvPr/>
+        </p:nvSpPr>
+        <p:spPr>
+          <a:xfrm>
+            <a:off x="1676400" y="4191000"/>
+            <a:ext cx="457200" cy="369332"/>
+          </a:xfrm>
+          <a:prstGeom prst="rect">
+            <a:avLst/>
+          </a:prstGeom>
+          <a:noFill/>
+        </p:spPr>
+        <p:txBody>
+          <a:bodyPr wrap="square" rtlCol="0">
+            <a:spAutoFit/>
+          </a:bodyPr>
+          <a:lstStyle/>
+          <a:p>
+            <a:r>
+              <a:rPr lang="en-US" dirty="0" smtClean="0"/>
+              <a:t>2.</a:t>
+            </a:r>
+            <a:endParaRPr lang="en-US" dirty="0"/>
           </a:p>
         </p:txBody>
       </p:sp>
@@ -4571,7 +5812,7 @@
 </p:sld>
 </file>
 
-<file path=ppt/slides/slide11.xml><?xml version="1.0" encoding="utf-8"?>
+<file path=ppt/slides/slide15.xml><?xml version="1.0" encoding="utf-8"?>
 <p:sld xmlns:a="http://schemas.openxmlformats.org/drawingml/2006/main" xmlns:r="http://schemas.openxmlformats.org/officeDocument/2006/relationships" xmlns:mc="http://schemas.openxmlformats.org/markup-compatibility/2006" xmlns:mv="urn:schemas-microsoft-com:mac:vml" xmlns:p="http://schemas.openxmlformats.org/presentationml/2006/main" mc:Ignorable="mv" mc:PreserveAttributes="mv:*">
   <p:cSld>
     <p:spTree>
@@ -4645,10 +5886,9 @@
           <a:bodyPr/>
           <a:lstStyle/>
           <a:p>
-            <a:fld id="{C8B55DD9-DF68-C344-98B4-0A044A5406F3}" type="datetime1">
-              <a:rPr lang="en-US" smtClean="0"/>
-              <a:pPr/>
-              <a:t>11/28/10</a:t>
+            <a:fld id="{F4C0431F-CB14-ED4C-8394-D2D63A6C8F8C}" type="datetime1">
+              <a:rPr lang="en-US" smtClean="0"/>
+              <a:t>11/30/10</a:t>
             </a:fld>
             <a:endParaRPr lang="en-US"/>
           </a:p>
@@ -4669,6 +5909,10 @@
           <a:bodyPr/>
           <a:lstStyle/>
           <a:p>
+            <a:r>
+              <a:rPr lang="en-US" smtClean="0"/>
+              <a:t>Raffael Schmid, Hochschule für Technik Zürich</a:t>
+            </a:r>
             <a:endParaRPr lang="en-US"/>
           </a:p>
         </p:txBody>
@@ -4727,30 +5971,6 @@
           <a:effectLst/>
         </p:spPr>
       </p:pic>
-      <p:sp>
-        <p:nvSpPr>
-          <p:cNvPr id="12" name="Slide Number Placeholder 11"/>
-          <p:cNvSpPr>
-            <a:spLocks noGrp="1"/>
-          </p:cNvSpPr>
-          <p:nvPr>
-            <p:ph type="sldNum" sz="quarter" idx="12"/>
-          </p:nvPr>
-        </p:nvSpPr>
-        <p:spPr/>
-        <p:txBody>
-          <a:bodyPr/>
-          <a:lstStyle/>
-          <a:p>
-            <a:fld id="{289D5882-BB70-459C-B7E9-5D0040F635BD}" type="slidenum">
-              <a:rPr lang="en-US" smtClean="0"/>
-              <a:pPr/>
-              <a:t>11</a:t>
-            </a:fld>
-            <a:endParaRPr lang="en-US"/>
-          </a:p>
-        </p:txBody>
-      </p:sp>
     </p:spTree>
   </p:cSld>
   <p:clrMapOvr>
@@ -4766,7 +5986,7 @@
 </p:sld>
 </file>
 
-<file path=ppt/slides/slide12.xml><?xml version="1.0" encoding="utf-8"?>
+<file path=ppt/slides/slide16.xml><?xml version="1.0" encoding="utf-8"?>
 <p:sld xmlns:a="http://schemas.openxmlformats.org/drawingml/2006/main" xmlns:r="http://schemas.openxmlformats.org/officeDocument/2006/relationships" xmlns:mc="http://schemas.openxmlformats.org/markup-compatibility/2006" xmlns:mv="urn:schemas-microsoft-com:mac:vml" xmlns:p="http://schemas.openxmlformats.org/presentationml/2006/main" mc:Ignorable="mv" mc:PreserveAttributes="mv:*">
   <p:cSld>
     <p:spTree>
@@ -4785,21 +6005,21 @@
       </p:grpSpPr>
       <p:sp>
         <p:nvSpPr>
-          <p:cNvPr id="2" name="Title 1"/>
-          <p:cNvSpPr>
-            <a:spLocks noGrp="1"/>
-          </p:cNvSpPr>
-          <p:nvPr>
-            <p:ph type="title"/>
-          </p:nvPr>
-        </p:nvSpPr>
-        <p:spPr/>
-        <p:txBody>
-          <a:bodyPr/>
-          <a:lstStyle/>
-          <a:p>
-            <a:r>
-              <a:rPr lang="de-CH" dirty="0" smtClean="0"/>
+          <p:cNvPr id="8" name="Title 7"/>
+          <p:cNvSpPr>
+            <a:spLocks noGrp="1"/>
+          </p:cNvSpPr>
+          <p:nvPr>
+            <p:ph type="ctrTitle"/>
+          </p:nvPr>
+        </p:nvSpPr>
+        <p:spPr/>
+        <p:txBody>
+          <a:bodyPr/>
+          <a:lstStyle/>
+          <a:p>
+            <a:r>
+              <a:rPr lang="en-US" dirty="0" err="1" smtClean="0"/>
               <a:t>Grundlagen</a:t>
             </a:r>
             <a:endParaRPr lang="en-US" dirty="0"/>
@@ -4808,6 +6028,25 @@
       </p:sp>
       <p:sp>
         <p:nvSpPr>
+          <p:cNvPr id="9" name="Subtitle 8"/>
+          <p:cNvSpPr>
+            <a:spLocks noGrp="1"/>
+          </p:cNvSpPr>
+          <p:nvPr>
+            <p:ph type="subTitle" idx="1"/>
+          </p:nvPr>
+        </p:nvSpPr>
+        <p:spPr/>
+        <p:txBody>
+          <a:bodyPr/>
+          <a:lstStyle/>
+          <a:p>
+            <a:endParaRPr lang="en-US"/>
+          </a:p>
+        </p:txBody>
+      </p:sp>
+      <p:sp>
+        <p:nvSpPr>
           <p:cNvPr id="4" name="Date Placeholder 3"/>
           <p:cNvSpPr>
             <a:spLocks noGrp="1"/>
@@ -4821,10 +6060,9 @@
           <a:bodyPr/>
           <a:lstStyle/>
           <a:p>
-            <a:fld id="{19969DA7-EEA6-C445-9B23-5AFF759401AA}" type="datetime1">
-              <a:rPr lang="en-US" smtClean="0"/>
-              <a:pPr/>
-              <a:t>11/28/10</a:t>
+            <a:fld id="{7714F0D3-FC79-2B4C-B4E3-F1F6C151C449}" type="datetime1">
+              <a:rPr lang="en-US" smtClean="0"/>
+              <a:t>11/30/10</a:t>
             </a:fld>
             <a:endParaRPr lang="en-US"/>
           </a:p>
@@ -4845,740 +6083,10 @@
           <a:bodyPr/>
           <a:lstStyle/>
           <a:p>
-            <a:endParaRPr lang="en-US"/>
-          </a:p>
-        </p:txBody>
-      </p:sp>
-      <p:sp>
-        <p:nvSpPr>
-          <p:cNvPr id="6" name="Text Placeholder 5"/>
-          <p:cNvSpPr>
-            <a:spLocks noGrp="1"/>
-          </p:cNvSpPr>
-          <p:nvPr>
-            <p:ph type="body" sz="quarter" idx="13"/>
-          </p:nvPr>
-        </p:nvSpPr>
-        <p:spPr/>
-        <p:txBody>
-          <a:bodyPr>
-            <a:normAutofit fontScale="92500" lnSpcReduction="20000"/>
-          </a:bodyPr>
-          <a:lstStyle/>
-          <a:p>
-            <a:r>
-              <a:rPr lang="de-CH" dirty="0" smtClean="0"/>
-              <a:t>Scala: Eigenschaften</a:t>
-            </a:r>
-            <a:endParaRPr lang="en-US" dirty="0"/>
-          </a:p>
-        </p:txBody>
-      </p:sp>
-      <p:sp>
-        <p:nvSpPr>
-          <p:cNvPr id="17" name="Rounded Rectangle 16"/>
-          <p:cNvSpPr/>
-          <p:nvPr/>
-        </p:nvSpPr>
-        <p:spPr>
-          <a:xfrm>
-            <a:off x="914400" y="1981200"/>
-            <a:ext cx="2971800" cy="457200"/>
-          </a:xfrm>
-          <a:prstGeom prst="roundRect">
-            <a:avLst/>
-          </a:prstGeom>
-          <a:solidFill>
-            <a:srgbClr val="ACFF96"/>
-          </a:solidFill>
-          <a:ln>
-            <a:solidFill>
-              <a:schemeClr val="tx1">
-                <a:lumMod val="50000"/>
-                <a:lumOff val="50000"/>
-              </a:schemeClr>
-            </a:solidFill>
-          </a:ln>
-        </p:spPr>
-        <p:style>
-          <a:lnRef idx="1">
-            <a:schemeClr val="accent1"/>
-          </a:lnRef>
-          <a:fillRef idx="3">
-            <a:schemeClr val="accent1"/>
-          </a:fillRef>
-          <a:effectRef idx="2">
-            <a:schemeClr val="accent1"/>
-          </a:effectRef>
-          <a:fontRef idx="minor">
-            <a:schemeClr val="lt1"/>
-          </a:fontRef>
-        </p:style>
-        <p:txBody>
-          <a:bodyPr rtlCol="0" anchor="ctr"/>
-          <a:lstStyle/>
-          <a:p>
-            <a:pPr algn="ctr"/>
-            <a:r>
-              <a:rPr lang="en-US" dirty="0" err="1" smtClean="0">
-                <a:solidFill>
-                  <a:schemeClr val="tx1"/>
-                </a:solidFill>
-              </a:rPr>
-              <a:t>funktional</a:t>
-            </a:r>
-            <a:endParaRPr lang="en-US" dirty="0">
-              <a:solidFill>
-                <a:schemeClr val="tx1"/>
-              </a:solidFill>
-            </a:endParaRPr>
-          </a:p>
-        </p:txBody>
-      </p:sp>
-      <p:sp>
-        <p:nvSpPr>
-          <p:cNvPr id="19" name="Rounded Rectangle 18"/>
-          <p:cNvSpPr/>
-          <p:nvPr/>
-        </p:nvSpPr>
-        <p:spPr>
-          <a:xfrm>
-            <a:off x="914400" y="2590800"/>
-            <a:ext cx="2971800" cy="457200"/>
-          </a:xfrm>
-          <a:prstGeom prst="roundRect">
-            <a:avLst/>
-          </a:prstGeom>
-          <a:solidFill>
-            <a:srgbClr val="ACFF96"/>
-          </a:solidFill>
-          <a:ln>
-            <a:solidFill>
-              <a:schemeClr val="tx1">
-                <a:lumMod val="50000"/>
-                <a:lumOff val="50000"/>
-              </a:schemeClr>
-            </a:solidFill>
-          </a:ln>
-        </p:spPr>
-        <p:style>
-          <a:lnRef idx="1">
-            <a:schemeClr val="accent1"/>
-          </a:lnRef>
-          <a:fillRef idx="3">
-            <a:schemeClr val="accent1"/>
-          </a:fillRef>
-          <a:effectRef idx="2">
-            <a:schemeClr val="accent1"/>
-          </a:effectRef>
-          <a:fontRef idx="minor">
-            <a:schemeClr val="lt1"/>
-          </a:fontRef>
-        </p:style>
-        <p:txBody>
-          <a:bodyPr rtlCol="0" anchor="ctr"/>
-          <a:lstStyle/>
-          <a:p>
-            <a:pPr algn="ctr"/>
-            <a:r>
-              <a:rPr lang="en-US" dirty="0" err="1" smtClean="0">
-                <a:solidFill>
-                  <a:schemeClr val="tx1"/>
-                </a:solidFill>
-              </a:rPr>
-              <a:t>deklarativ</a:t>
-            </a:r>
-            <a:endParaRPr lang="en-US" dirty="0">
-              <a:solidFill>
-                <a:schemeClr val="tx1"/>
-              </a:solidFill>
-            </a:endParaRPr>
-          </a:p>
-        </p:txBody>
-      </p:sp>
-      <p:sp>
-        <p:nvSpPr>
-          <p:cNvPr id="20" name="Rounded Rectangle 19"/>
-          <p:cNvSpPr/>
-          <p:nvPr/>
-        </p:nvSpPr>
-        <p:spPr>
-          <a:xfrm>
-            <a:off x="914400" y="3581400"/>
-            <a:ext cx="2971800" cy="457200"/>
-          </a:xfrm>
-          <a:prstGeom prst="roundRect">
-            <a:avLst/>
-          </a:prstGeom>
-          <a:solidFill>
-            <a:srgbClr val="ACFF96"/>
-          </a:solidFill>
-          <a:ln>
-            <a:solidFill>
-              <a:schemeClr val="tx1">
-                <a:lumMod val="50000"/>
-                <a:lumOff val="50000"/>
-              </a:schemeClr>
-            </a:solidFill>
-          </a:ln>
-        </p:spPr>
-        <p:style>
-          <a:lnRef idx="1">
-            <a:schemeClr val="accent1"/>
-          </a:lnRef>
-          <a:fillRef idx="3">
-            <a:schemeClr val="accent1"/>
-          </a:fillRef>
-          <a:effectRef idx="2">
-            <a:schemeClr val="accent1"/>
-          </a:effectRef>
-          <a:fontRef idx="minor">
-            <a:schemeClr val="lt1"/>
-          </a:fontRef>
-        </p:style>
-        <p:txBody>
-          <a:bodyPr rtlCol="0" anchor="ctr"/>
-          <a:lstStyle/>
-          <a:p>
-            <a:pPr algn="ctr"/>
-            <a:r>
-              <a:rPr lang="en-US" dirty="0" err="1" smtClean="0">
-                <a:solidFill>
-                  <a:schemeClr val="tx1"/>
-                </a:solidFill>
-              </a:rPr>
-              <a:t>objektorientiert</a:t>
-            </a:r>
-            <a:endParaRPr lang="en-US" dirty="0">
-              <a:solidFill>
-                <a:schemeClr val="tx1"/>
-              </a:solidFill>
-            </a:endParaRPr>
-          </a:p>
-        </p:txBody>
-      </p:sp>
-      <p:sp>
-        <p:nvSpPr>
-          <p:cNvPr id="21" name="Rounded Rectangle 20"/>
-          <p:cNvSpPr/>
-          <p:nvPr/>
-        </p:nvSpPr>
-        <p:spPr>
-          <a:xfrm>
-            <a:off x="5410200" y="3505200"/>
-            <a:ext cx="2971800" cy="457200"/>
-          </a:xfrm>
-          <a:prstGeom prst="roundRect">
-            <a:avLst/>
-          </a:prstGeom>
-          <a:solidFill>
-            <a:srgbClr val="FF787B"/>
-          </a:solidFill>
-          <a:ln>
-            <a:solidFill>
-              <a:schemeClr val="tx1">
-                <a:lumMod val="50000"/>
-                <a:lumOff val="50000"/>
-              </a:schemeClr>
-            </a:solidFill>
-          </a:ln>
-        </p:spPr>
-        <p:style>
-          <a:lnRef idx="1">
-            <a:schemeClr val="accent1"/>
-          </a:lnRef>
-          <a:fillRef idx="3">
-            <a:schemeClr val="accent1"/>
-          </a:fillRef>
-          <a:effectRef idx="2">
-            <a:schemeClr val="accent1"/>
-          </a:effectRef>
-          <a:fontRef idx="minor">
-            <a:schemeClr val="lt1"/>
-          </a:fontRef>
-        </p:style>
-        <p:txBody>
-          <a:bodyPr rtlCol="0" anchor="ctr"/>
-          <a:lstStyle/>
-          <a:p>
-            <a:pPr algn="ctr"/>
-            <a:r>
-              <a:rPr lang="en-US" dirty="0" err="1" smtClean="0">
-                <a:solidFill>
-                  <a:schemeClr val="tx1"/>
-                </a:solidFill>
-              </a:rPr>
-              <a:t>prozedural</a:t>
-            </a:r>
-            <a:endParaRPr lang="en-US" dirty="0">
-              <a:solidFill>
-                <a:schemeClr val="tx1"/>
-              </a:solidFill>
-            </a:endParaRPr>
-          </a:p>
-        </p:txBody>
-      </p:sp>
-      <p:sp>
-        <p:nvSpPr>
-          <p:cNvPr id="22" name="Rounded Rectangle 21"/>
-          <p:cNvSpPr/>
-          <p:nvPr/>
-        </p:nvSpPr>
-        <p:spPr>
-          <a:xfrm>
-            <a:off x="5334000" y="2590800"/>
-            <a:ext cx="2971800" cy="457200"/>
-          </a:xfrm>
-          <a:prstGeom prst="roundRect">
-            <a:avLst/>
-          </a:prstGeom>
-          <a:solidFill>
-            <a:srgbClr val="FF787B"/>
-          </a:solidFill>
-          <a:ln>
-            <a:solidFill>
-              <a:schemeClr val="tx1">
-                <a:lumMod val="50000"/>
-                <a:lumOff val="50000"/>
-              </a:schemeClr>
-            </a:solidFill>
-          </a:ln>
-        </p:spPr>
-        <p:style>
-          <a:lnRef idx="1">
-            <a:schemeClr val="accent1"/>
-          </a:lnRef>
-          <a:fillRef idx="3">
-            <a:schemeClr val="accent1"/>
-          </a:fillRef>
-          <a:effectRef idx="2">
-            <a:schemeClr val="accent1"/>
-          </a:effectRef>
-          <a:fontRef idx="minor">
-            <a:schemeClr val="lt1"/>
-          </a:fontRef>
-        </p:style>
-        <p:txBody>
-          <a:bodyPr rtlCol="0" anchor="ctr"/>
-          <a:lstStyle/>
-          <a:p>
-            <a:pPr algn="ctr"/>
-            <a:r>
-              <a:rPr lang="en-US" dirty="0" err="1" smtClean="0">
-                <a:solidFill>
-                  <a:schemeClr val="tx1"/>
-                </a:solidFill>
-              </a:rPr>
-              <a:t>logisch</a:t>
-            </a:r>
-            <a:endParaRPr lang="en-US" dirty="0">
-              <a:solidFill>
-                <a:schemeClr val="tx1"/>
-              </a:solidFill>
-            </a:endParaRPr>
-          </a:p>
-        </p:txBody>
-      </p:sp>
-      <p:sp>
-        <p:nvSpPr>
-          <p:cNvPr id="18" name="Rounded Rectangle 17"/>
-          <p:cNvSpPr/>
-          <p:nvPr/>
-        </p:nvSpPr>
-        <p:spPr>
-          <a:xfrm>
-            <a:off x="5334000" y="1981200"/>
-            <a:ext cx="2971800" cy="457200"/>
-          </a:xfrm>
-          <a:prstGeom prst="roundRect">
-            <a:avLst/>
-          </a:prstGeom>
-          <a:solidFill>
-            <a:srgbClr val="FFC21C"/>
-          </a:solidFill>
-          <a:ln>
-            <a:solidFill>
-              <a:schemeClr val="tx1">
-                <a:lumMod val="50000"/>
-                <a:lumOff val="50000"/>
-              </a:schemeClr>
-            </a:solidFill>
-          </a:ln>
-        </p:spPr>
-        <p:style>
-          <a:lnRef idx="1">
-            <a:schemeClr val="accent1"/>
-          </a:lnRef>
-          <a:fillRef idx="3">
-            <a:schemeClr val="accent1"/>
-          </a:fillRef>
-          <a:effectRef idx="2">
-            <a:schemeClr val="accent1"/>
-          </a:effectRef>
-          <a:fontRef idx="minor">
-            <a:schemeClr val="lt1"/>
-          </a:fontRef>
-        </p:style>
-        <p:txBody>
-          <a:bodyPr rtlCol="0" anchor="ctr"/>
-          <a:lstStyle/>
-          <a:p>
-            <a:pPr algn="ctr"/>
-            <a:r>
-              <a:rPr lang="en-US" dirty="0" err="1" smtClean="0">
-                <a:solidFill>
-                  <a:schemeClr val="tx1"/>
-                </a:solidFill>
-              </a:rPr>
-              <a:t>imperativ</a:t>
-            </a:r>
-            <a:endParaRPr lang="en-US" dirty="0">
-              <a:solidFill>
-                <a:schemeClr val="tx1"/>
-              </a:solidFill>
-            </a:endParaRPr>
-          </a:p>
-        </p:txBody>
-      </p:sp>
-      <p:sp>
-        <p:nvSpPr>
-          <p:cNvPr id="23" name="Left-Right Arrow 22"/>
-          <p:cNvSpPr/>
-          <p:nvPr/>
-        </p:nvSpPr>
-        <p:spPr>
-          <a:xfrm>
-            <a:off x="4114800" y="1828800"/>
-            <a:ext cx="914400" cy="1447800"/>
-          </a:xfrm>
-          <a:prstGeom prst="leftRightArrow">
-            <a:avLst>
-              <a:gd name="adj1" fmla="val 29155"/>
-              <a:gd name="adj2" fmla="val 20473"/>
-            </a:avLst>
-          </a:prstGeom>
-        </p:spPr>
-        <p:style>
-          <a:lnRef idx="1">
-            <a:schemeClr val="accent1"/>
-          </a:lnRef>
-          <a:fillRef idx="3">
-            <a:schemeClr val="accent1"/>
-          </a:fillRef>
-          <a:effectRef idx="2">
-            <a:schemeClr val="accent1"/>
-          </a:effectRef>
-          <a:fontRef idx="minor">
-            <a:schemeClr val="lt1"/>
-          </a:fontRef>
-        </p:style>
-        <p:txBody>
-          <a:bodyPr rtlCol="0" anchor="ctr"/>
-          <a:lstStyle/>
-          <a:p>
-            <a:pPr algn="ctr"/>
-            <a:endParaRPr lang="en-US"/>
-          </a:p>
-        </p:txBody>
-      </p:sp>
-      <p:sp>
-        <p:nvSpPr>
-          <p:cNvPr id="24" name="Left-Right Arrow 23"/>
-          <p:cNvSpPr/>
-          <p:nvPr/>
-        </p:nvSpPr>
-        <p:spPr>
-          <a:xfrm>
-            <a:off x="4114800" y="3352800"/>
-            <a:ext cx="914400" cy="838200"/>
-          </a:xfrm>
-          <a:prstGeom prst="leftRightArrow">
-            <a:avLst>
-              <a:gd name="adj1" fmla="val 29155"/>
-              <a:gd name="adj2" fmla="val 20473"/>
-            </a:avLst>
-          </a:prstGeom>
-        </p:spPr>
-        <p:style>
-          <a:lnRef idx="1">
-            <a:schemeClr val="accent1"/>
-          </a:lnRef>
-          <a:fillRef idx="3">
-            <a:schemeClr val="accent1"/>
-          </a:fillRef>
-          <a:effectRef idx="2">
-            <a:schemeClr val="accent1"/>
-          </a:effectRef>
-          <a:fontRef idx="minor">
-            <a:schemeClr val="lt1"/>
-          </a:fontRef>
-        </p:style>
-        <p:txBody>
-          <a:bodyPr rtlCol="0" anchor="ctr"/>
-          <a:lstStyle/>
-          <a:p>
-            <a:pPr algn="ctr"/>
-            <a:endParaRPr lang="en-US"/>
-          </a:p>
-        </p:txBody>
-      </p:sp>
-      <p:sp>
-        <p:nvSpPr>
-          <p:cNvPr id="16" name="Slide Number Placeholder 15"/>
-          <p:cNvSpPr>
-            <a:spLocks noGrp="1"/>
-          </p:cNvSpPr>
-          <p:nvPr>
-            <p:ph type="sldNum" sz="quarter" idx="12"/>
-          </p:nvPr>
-        </p:nvSpPr>
-        <p:spPr/>
-        <p:txBody>
-          <a:bodyPr/>
-          <a:lstStyle/>
-          <a:p>
-            <a:fld id="{289D5882-BB70-459C-B7E9-5D0040F635BD}" type="slidenum">
-              <a:rPr lang="en-US" smtClean="0"/>
-              <a:pPr/>
-              <a:t>12</a:t>
-            </a:fld>
-            <a:endParaRPr lang="en-US"/>
-          </a:p>
-        </p:txBody>
-      </p:sp>
-      <p:sp>
-        <p:nvSpPr>
-          <p:cNvPr id="27" name="TextBox 26"/>
-          <p:cNvSpPr txBox="1"/>
-          <p:nvPr/>
-        </p:nvSpPr>
-        <p:spPr>
-          <a:xfrm>
-            <a:off x="876300" y="5562600"/>
-            <a:ext cx="7391400" cy="461665"/>
-          </a:xfrm>
-          <a:prstGeom prst="rect">
-            <a:avLst/>
-          </a:prstGeom>
-          <a:noFill/>
-        </p:spPr>
-        <p:txBody>
-          <a:bodyPr wrap="square" rtlCol="0">
-            <a:spAutoFit/>
-          </a:bodyPr>
-          <a:lstStyle/>
-          <a:p>
-            <a:r>
-              <a:rPr lang="en-US" sz="2400" dirty="0" err="1" smtClean="0"/>
-              <a:t>p</a:t>
-            </a:r>
-            <a:r>
-              <a:rPr lang="en-US" sz="2400" dirty="0" err="1" smtClean="0"/>
-              <a:t>ur</a:t>
-            </a:r>
-            <a:r>
-              <a:rPr lang="en-US" sz="2400" dirty="0" smtClean="0"/>
-              <a:t>, </a:t>
-            </a:r>
-            <a:r>
-              <a:rPr lang="en-US" sz="2400" dirty="0" err="1" smtClean="0"/>
-              <a:t>konsistent</a:t>
-            </a:r>
-            <a:endParaRPr lang="en-US" sz="2400" dirty="0"/>
-          </a:p>
-        </p:txBody>
-      </p:sp>
-      <p:sp>
-        <p:nvSpPr>
-          <p:cNvPr id="28" name="Rounded Rectangle 27"/>
-          <p:cNvSpPr/>
-          <p:nvPr/>
-        </p:nvSpPr>
-        <p:spPr>
-          <a:xfrm>
-            <a:off x="914400" y="4495800"/>
-            <a:ext cx="2971800" cy="457200"/>
-          </a:xfrm>
-          <a:prstGeom prst="roundRect">
-            <a:avLst/>
-          </a:prstGeom>
-          <a:solidFill>
-            <a:srgbClr val="ACFF96"/>
-          </a:solidFill>
-          <a:ln>
-            <a:solidFill>
-              <a:schemeClr val="tx1">
-                <a:lumMod val="50000"/>
-                <a:lumOff val="50000"/>
-              </a:schemeClr>
-            </a:solidFill>
-          </a:ln>
-        </p:spPr>
-        <p:style>
-          <a:lnRef idx="1">
-            <a:schemeClr val="accent1"/>
-          </a:lnRef>
-          <a:fillRef idx="3">
-            <a:schemeClr val="accent1"/>
-          </a:fillRef>
-          <a:effectRef idx="2">
-            <a:schemeClr val="accent1"/>
-          </a:effectRef>
-          <a:fontRef idx="minor">
-            <a:schemeClr val="lt1"/>
-          </a:fontRef>
-        </p:style>
-        <p:txBody>
-          <a:bodyPr rtlCol="0" anchor="ctr"/>
-          <a:lstStyle/>
-          <a:p>
-            <a:pPr algn="ctr"/>
-            <a:r>
-              <a:rPr lang="en-US" dirty="0" err="1" smtClean="0">
-                <a:solidFill>
-                  <a:schemeClr val="tx1"/>
-                </a:solidFill>
-              </a:rPr>
-              <a:t>statisch</a:t>
-            </a:r>
-            <a:r>
-              <a:rPr lang="en-US" dirty="0" smtClean="0">
-                <a:solidFill>
-                  <a:schemeClr val="tx1"/>
-                </a:solidFill>
-              </a:rPr>
-              <a:t> </a:t>
-            </a:r>
-            <a:r>
-              <a:rPr lang="en-US" dirty="0" err="1" smtClean="0">
-                <a:solidFill>
-                  <a:schemeClr val="tx1"/>
-                </a:solidFill>
-              </a:rPr>
-              <a:t>Typisiert</a:t>
-            </a:r>
-            <a:endParaRPr lang="en-US" dirty="0">
-              <a:solidFill>
-                <a:schemeClr val="tx1"/>
-              </a:solidFill>
-            </a:endParaRPr>
-          </a:p>
-        </p:txBody>
-      </p:sp>
-      <p:sp>
-        <p:nvSpPr>
-          <p:cNvPr id="29" name="Rounded Rectangle 28"/>
-          <p:cNvSpPr/>
-          <p:nvPr/>
-        </p:nvSpPr>
-        <p:spPr>
-          <a:xfrm>
-            <a:off x="5410200" y="4419600"/>
-            <a:ext cx="2971800" cy="457200"/>
-          </a:xfrm>
-          <a:prstGeom prst="roundRect">
-            <a:avLst/>
-          </a:prstGeom>
-          <a:solidFill>
-            <a:srgbClr val="FF787B"/>
-          </a:solidFill>
-          <a:ln>
-            <a:solidFill>
-              <a:schemeClr val="tx1">
-                <a:lumMod val="50000"/>
-                <a:lumOff val="50000"/>
-              </a:schemeClr>
-            </a:solidFill>
-          </a:ln>
-        </p:spPr>
-        <p:style>
-          <a:lnRef idx="1">
-            <a:schemeClr val="accent1"/>
-          </a:lnRef>
-          <a:fillRef idx="3">
-            <a:schemeClr val="accent1"/>
-          </a:fillRef>
-          <a:effectRef idx="2">
-            <a:schemeClr val="accent1"/>
-          </a:effectRef>
-          <a:fontRef idx="minor">
-            <a:schemeClr val="lt1"/>
-          </a:fontRef>
-        </p:style>
-        <p:txBody>
-          <a:bodyPr rtlCol="0" anchor="ctr"/>
-          <a:lstStyle/>
-          <a:p>
-            <a:pPr algn="ctr"/>
-            <a:r>
-              <a:rPr lang="en-US" dirty="0" err="1" smtClean="0">
-                <a:solidFill>
-                  <a:schemeClr val="tx1"/>
-                </a:solidFill>
-              </a:rPr>
-              <a:t>dynamisch</a:t>
-            </a:r>
-            <a:r>
-              <a:rPr lang="en-US" dirty="0" smtClean="0">
-                <a:solidFill>
-                  <a:schemeClr val="tx1"/>
-                </a:solidFill>
-              </a:rPr>
-              <a:t> </a:t>
-            </a:r>
-            <a:r>
-              <a:rPr lang="en-US" dirty="0" err="1" smtClean="0">
-                <a:solidFill>
-                  <a:schemeClr val="tx1"/>
-                </a:solidFill>
-              </a:rPr>
-              <a:t>Typisiert</a:t>
-            </a:r>
-            <a:endParaRPr lang="en-US" dirty="0">
-              <a:solidFill>
-                <a:schemeClr val="tx1"/>
-              </a:solidFill>
-            </a:endParaRPr>
-          </a:p>
-        </p:txBody>
-      </p:sp>
-      <p:sp>
-        <p:nvSpPr>
-          <p:cNvPr id="30" name="Left-Right Arrow 29"/>
-          <p:cNvSpPr/>
-          <p:nvPr/>
-        </p:nvSpPr>
-        <p:spPr>
-          <a:xfrm>
-            <a:off x="4114800" y="4267200"/>
-            <a:ext cx="914400" cy="838200"/>
-          </a:xfrm>
-          <a:prstGeom prst="leftRightArrow">
-            <a:avLst>
-              <a:gd name="adj1" fmla="val 29155"/>
-              <a:gd name="adj2" fmla="val 20473"/>
-            </a:avLst>
-          </a:prstGeom>
-        </p:spPr>
-        <p:style>
-          <a:lnRef idx="1">
-            <a:schemeClr val="accent1"/>
-          </a:lnRef>
-          <a:fillRef idx="3">
-            <a:schemeClr val="accent1"/>
-          </a:fillRef>
-          <a:effectRef idx="2">
-            <a:schemeClr val="accent1"/>
-          </a:effectRef>
-          <a:fontRef idx="minor">
-            <a:schemeClr val="lt1"/>
-          </a:fontRef>
-        </p:style>
-        <p:txBody>
-          <a:bodyPr rtlCol="0" anchor="ctr"/>
-          <a:lstStyle/>
-          <a:p>
-            <a:pPr algn="ctr"/>
+            <a:r>
+              <a:rPr lang="en-US" smtClean="0"/>
+              <a:t>Raffael Schmid, Hochschule für Technik Zürich</a:t>
+            </a:r>
             <a:endParaRPr lang="en-US"/>
           </a:p>
         </p:txBody>
@@ -5598,7 +6106,7 @@
 </p:sld>
 </file>
 
-<file path=ppt/slides/slide13.xml><?xml version="1.0" encoding="utf-8"?>
+<file path=ppt/slides/slide17.xml><?xml version="1.0" encoding="utf-8"?>
 <p:sld xmlns:a="http://schemas.openxmlformats.org/drawingml/2006/main" xmlns:r="http://schemas.openxmlformats.org/officeDocument/2006/relationships" xmlns:mc="http://schemas.openxmlformats.org/markup-compatibility/2006" xmlns:mv="urn:schemas-microsoft-com:mac:vml" xmlns:p="http://schemas.openxmlformats.org/presentationml/2006/main" mc:Ignorable="mv" mc:PreserveAttributes="mv:*">
   <p:cSld>
     <p:spTree>
@@ -5631,7 +6139,7 @@
           <a:lstStyle/>
           <a:p>
             <a:r>
-              <a:rPr lang="de-CH" dirty="0" smtClean="0"/>
+              <a:rPr lang="de-CH" smtClean="0"/>
               <a:t>Grundlagen</a:t>
             </a:r>
             <a:endParaRPr lang="en-US" dirty="0"/>
@@ -5640,12 +6148,151 @@
       </p:sp>
       <p:sp>
         <p:nvSpPr>
-          <p:cNvPr id="6" name="Text Placeholder 5"/>
+          <p:cNvPr id="11" name="Content Placeholder 10"/>
           <p:cNvSpPr>
             <a:spLocks noGrp="1"/>
           </p:cNvSpPr>
           <p:nvPr>
             <p:ph idx="1"/>
+          </p:nvPr>
+        </p:nvSpPr>
+        <p:spPr/>
+        <p:txBody>
+          <a:bodyPr/>
+          <a:lstStyle/>
+          <a:p>
+            <a:r>
+              <a:rPr lang="en-US" dirty="0" err="1" smtClean="0"/>
+              <a:t>Einarbeitung</a:t>
+            </a:r>
+            <a:endParaRPr lang="en-US" dirty="0" smtClean="0"/>
+          </a:p>
+          <a:p>
+            <a:pPr lvl="1"/>
+            <a:r>
+              <a:rPr lang="en-US" dirty="0" err="1" smtClean="0"/>
+              <a:t>Scala</a:t>
+            </a:r>
+            <a:endParaRPr lang="en-US" dirty="0" smtClean="0"/>
+          </a:p>
+          <a:p>
+            <a:pPr lvl="2"/>
+            <a:r>
+              <a:rPr lang="en-US" dirty="0" smtClean="0"/>
+              <a:t>Syntax, </a:t>
+            </a:r>
+            <a:r>
+              <a:rPr lang="en-US" dirty="0" err="1" smtClean="0"/>
+              <a:t>Semantik</a:t>
+            </a:r>
+            <a:endParaRPr lang="en-US" dirty="0" smtClean="0"/>
+          </a:p>
+          <a:p>
+            <a:pPr lvl="2"/>
+            <a:r>
+              <a:rPr lang="en-US" dirty="0" err="1" smtClean="0"/>
+              <a:t>Funktionale</a:t>
+            </a:r>
+            <a:r>
+              <a:rPr lang="en-US" dirty="0" smtClean="0"/>
+              <a:t> </a:t>
+            </a:r>
+            <a:r>
+              <a:rPr lang="en-US" dirty="0" err="1" smtClean="0"/>
+              <a:t>Programmierung</a:t>
+            </a:r>
+            <a:endParaRPr lang="en-US" dirty="0" smtClean="0"/>
+          </a:p>
+          <a:p>
+            <a:pPr lvl="1"/>
+            <a:r>
+              <a:rPr lang="en-US" dirty="0" smtClean="0"/>
+              <a:t>Lift Framework</a:t>
+            </a:r>
+          </a:p>
+          <a:p>
+            <a:pPr lvl="2"/>
+            <a:r>
+              <a:rPr lang="en-US" dirty="0" err="1" smtClean="0"/>
+              <a:t>Persistenz</a:t>
+            </a:r>
+            <a:endParaRPr lang="en-US" dirty="0" smtClean="0"/>
+          </a:p>
+          <a:p>
+            <a:pPr lvl="2"/>
+            <a:r>
+              <a:rPr lang="en-US" dirty="0" smtClean="0"/>
+              <a:t>Request Response Lifecycle</a:t>
+            </a:r>
+          </a:p>
+          <a:p>
+            <a:pPr lvl="2"/>
+            <a:r>
+              <a:rPr lang="en-US" dirty="0" err="1" smtClean="0"/>
+              <a:t>Internationalisierung</a:t>
+            </a:r>
+            <a:endParaRPr lang="en-US" dirty="0" smtClean="0"/>
+          </a:p>
+          <a:p>
+            <a:pPr lvl="1"/>
+            <a:endParaRPr lang="en-US" dirty="0"/>
+          </a:p>
+        </p:txBody>
+      </p:sp>
+      <p:sp>
+        <p:nvSpPr>
+          <p:cNvPr id="4" name="Date Placeholder 3"/>
+          <p:cNvSpPr>
+            <a:spLocks noGrp="1"/>
+          </p:cNvSpPr>
+          <p:nvPr>
+            <p:ph type="dt" sz="half" idx="10"/>
+          </p:nvPr>
+        </p:nvSpPr>
+        <p:spPr/>
+        <p:txBody>
+          <a:bodyPr/>
+          <a:lstStyle/>
+          <a:p>
+            <a:fld id="{1B32BB45-3B6B-A145-B96A-CA405774C0B0}" type="datetime1">
+              <a:rPr lang="en-US" smtClean="0"/>
+              <a:t>11/30/10</a:t>
+            </a:fld>
+            <a:endParaRPr lang="en-US"/>
+          </a:p>
+        </p:txBody>
+      </p:sp>
+      <p:sp>
+        <p:nvSpPr>
+          <p:cNvPr id="5" name="Footer Placeholder 4"/>
+          <p:cNvSpPr>
+            <a:spLocks noGrp="1"/>
+          </p:cNvSpPr>
+          <p:nvPr>
+            <p:ph type="ftr" sz="quarter" idx="11"/>
+          </p:nvPr>
+        </p:nvSpPr>
+        <p:spPr/>
+        <p:txBody>
+          <a:bodyPr/>
+          <a:lstStyle/>
+          <a:p>
+            <a:r>
+              <a:rPr lang="en-US" smtClean="0"/>
+              <a:t>Raffael Schmid, Hochschule für Technik Zürich</a:t>
+            </a:r>
+            <a:endParaRPr lang="en-US"/>
+          </a:p>
+        </p:txBody>
+      </p:sp>
+      <p:sp>
+        <p:nvSpPr>
+          <p:cNvPr id="12" name="Text Placeholder 11"/>
+          <p:cNvSpPr>
+            <a:spLocks noGrp="1"/>
+          </p:cNvSpPr>
+          <p:nvPr>
+            <p:ph type="body" sz="quarter" idx="13"/>
           </p:nvPr>
         </p:nvSpPr>
         <p:spPr/>
@@ -5655,283 +6302,7 @@
           </a:bodyPr>
           <a:lstStyle/>
           <a:p>
-            <a:r>
-              <a:rPr lang="en-US" dirty="0" err="1" smtClean="0"/>
-              <a:t>Scala</a:t>
-            </a:r>
-            <a:r>
-              <a:rPr lang="en-US" dirty="0" smtClean="0"/>
-              <a:t> </a:t>
-            </a:r>
-            <a:r>
-              <a:rPr lang="en-US" dirty="0" err="1" smtClean="0"/>
-              <a:t>wurde</a:t>
-            </a:r>
-            <a:r>
-              <a:rPr lang="en-US" dirty="0" smtClean="0"/>
-              <a:t> von </a:t>
-            </a:r>
-            <a:r>
-              <a:rPr lang="en-US" dirty="0" err="1" smtClean="0"/>
-              <a:t>verschiedenen</a:t>
-            </a:r>
-            <a:r>
-              <a:rPr lang="en-US" dirty="0" smtClean="0"/>
-              <a:t> </a:t>
-            </a:r>
-            <a:r>
-              <a:rPr lang="en-US" dirty="0" err="1" smtClean="0"/>
-              <a:t>Sprachen</a:t>
-            </a:r>
-            <a:r>
-              <a:rPr lang="en-US" dirty="0" smtClean="0"/>
-              <a:t> </a:t>
-            </a:r>
-            <a:r>
-              <a:rPr lang="en-US" dirty="0" err="1" smtClean="0"/>
-              <a:t>beeinflusst</a:t>
-            </a:r>
-            <a:r>
-              <a:rPr lang="en-US" dirty="0" smtClean="0"/>
-              <a:t>:</a:t>
-            </a:r>
-          </a:p>
-          <a:p>
-            <a:pPr lvl="1"/>
-            <a:r>
-              <a:rPr lang="en-US" dirty="0" smtClean="0"/>
-              <a:t>Java</a:t>
-            </a:r>
-          </a:p>
-          <a:p>
-            <a:pPr lvl="1"/>
-            <a:r>
-              <a:rPr lang="en-US" dirty="0" smtClean="0"/>
-              <a:t>Haskell</a:t>
-            </a:r>
-          </a:p>
-          <a:p>
-            <a:pPr lvl="1"/>
-            <a:r>
-              <a:rPr lang="en-US" dirty="0" err="1" smtClean="0"/>
-              <a:t>Erlang</a:t>
-            </a:r>
-            <a:endParaRPr lang="en-US" dirty="0" smtClean="0"/>
-          </a:p>
-          <a:p>
-            <a:pPr lvl="1"/>
-            <a:r>
-              <a:rPr lang="en-US" dirty="0" smtClean="0"/>
-              <a:t>Standard ML</a:t>
-            </a:r>
-          </a:p>
-          <a:p>
-            <a:pPr lvl="1"/>
-            <a:r>
-              <a:rPr lang="en-US" dirty="0" smtClean="0"/>
-              <a:t>Smalltalk</a:t>
-            </a:r>
-          </a:p>
-          <a:p>
-            <a:r>
-              <a:rPr lang="en-US" dirty="0" err="1" smtClean="0"/>
-              <a:t>kein</a:t>
-            </a:r>
-            <a:r>
-              <a:rPr lang="en-US" dirty="0" smtClean="0"/>
-              <a:t> </a:t>
-            </a:r>
-            <a:r>
-              <a:rPr lang="en-US" dirty="0" err="1" smtClean="0"/>
-              <a:t>Klon</a:t>
-            </a:r>
-            <a:r>
-              <a:rPr lang="en-US" dirty="0" smtClean="0"/>
-              <a:t> </a:t>
-            </a:r>
-            <a:r>
-              <a:rPr lang="en-US" dirty="0" err="1" smtClean="0"/>
-              <a:t>wie</a:t>
-            </a:r>
-            <a:endParaRPr lang="en-US" dirty="0" smtClean="0"/>
-          </a:p>
-          <a:p>
-            <a:pPr lvl="1"/>
-            <a:r>
-              <a:rPr lang="en-US" dirty="0" smtClean="0"/>
-              <a:t>Ruby </a:t>
-            </a:r>
-            <a:r>
-              <a:rPr lang="en-US" dirty="0" err="1" smtClean="0">
-                <a:sym typeface="Wingdings"/>
-              </a:rPr>
-              <a:t></a:t>
-            </a:r>
-            <a:r>
-              <a:rPr lang="en-US" dirty="0" smtClean="0">
-                <a:sym typeface="Wingdings"/>
-              </a:rPr>
-              <a:t> </a:t>
-            </a:r>
-            <a:r>
-              <a:rPr lang="en-US" dirty="0" err="1" smtClean="0">
-                <a:sym typeface="Wingdings"/>
-              </a:rPr>
-              <a:t>JRuby</a:t>
-            </a:r>
-            <a:endParaRPr lang="en-US" dirty="0" smtClean="0">
-              <a:sym typeface="Wingdings"/>
-            </a:endParaRPr>
-          </a:p>
-          <a:p>
-            <a:pPr lvl="1"/>
-            <a:r>
-              <a:rPr lang="en-US" dirty="0" smtClean="0">
-                <a:sym typeface="Wingdings"/>
-              </a:rPr>
-              <a:t>Python </a:t>
-            </a:r>
-            <a:r>
-              <a:rPr lang="en-US" dirty="0" err="1" smtClean="0">
-                <a:sym typeface="Wingdings"/>
-              </a:rPr>
-              <a:t></a:t>
-            </a:r>
-            <a:r>
-              <a:rPr lang="en-US" dirty="0" smtClean="0">
-                <a:sym typeface="Wingdings"/>
-              </a:rPr>
-              <a:t> </a:t>
-            </a:r>
-            <a:r>
-              <a:rPr lang="en-US" dirty="0" err="1" smtClean="0">
-                <a:sym typeface="Wingdings"/>
-              </a:rPr>
-              <a:t>Jython</a:t>
-            </a:r>
-            <a:endParaRPr lang="en-US" dirty="0" smtClean="0">
-              <a:sym typeface="Wingdings"/>
-            </a:endParaRPr>
-          </a:p>
-          <a:p>
-            <a:pPr lvl="1"/>
-            <a:r>
-              <a:rPr lang="en-US" dirty="0" err="1" smtClean="0">
-                <a:sym typeface="Wingdings"/>
-              </a:rPr>
-              <a:t>Clojure</a:t>
-            </a:r>
-            <a:r>
-              <a:rPr lang="en-US" dirty="0" smtClean="0">
-                <a:sym typeface="Wingdings"/>
-              </a:rPr>
-              <a:t> </a:t>
-            </a:r>
-            <a:r>
-              <a:rPr lang="en-US" dirty="0" err="1" smtClean="0">
-                <a:sym typeface="Wingdings"/>
-              </a:rPr>
-              <a:t></a:t>
-            </a:r>
-            <a:r>
-              <a:rPr lang="en-US" dirty="0" smtClean="0">
-                <a:sym typeface="Wingdings"/>
-              </a:rPr>
-              <a:t> Lisp</a:t>
-            </a:r>
-            <a:endParaRPr lang="en-US" dirty="0"/>
-          </a:p>
-        </p:txBody>
-      </p:sp>
-      <p:sp>
-        <p:nvSpPr>
-          <p:cNvPr id="4" name="Date Placeholder 3"/>
-          <p:cNvSpPr>
-            <a:spLocks noGrp="1"/>
-          </p:cNvSpPr>
-          <p:nvPr>
-            <p:ph type="dt" sz="half" idx="10"/>
-          </p:nvPr>
-        </p:nvSpPr>
-        <p:spPr/>
-        <p:txBody>
-          <a:bodyPr/>
-          <a:lstStyle/>
-          <a:p>
-            <a:fld id="{19969DA7-EEA6-C445-9B23-5AFF759401AA}" type="datetime1">
-              <a:rPr lang="en-US" smtClean="0"/>
-              <a:pPr/>
-              <a:t>11/28/10</a:t>
-            </a:fld>
             <a:endParaRPr lang="en-US"/>
-          </a:p>
-        </p:txBody>
-      </p:sp>
-      <p:sp>
-        <p:nvSpPr>
-          <p:cNvPr id="5" name="Footer Placeholder 4"/>
-          <p:cNvSpPr>
-            <a:spLocks noGrp="1"/>
-          </p:cNvSpPr>
-          <p:nvPr>
-            <p:ph type="ftr" sz="quarter" idx="11"/>
-          </p:nvPr>
-        </p:nvSpPr>
-        <p:spPr/>
-        <p:txBody>
-          <a:bodyPr/>
-          <a:lstStyle/>
-          <a:p>
-            <a:endParaRPr lang="en-US"/>
-          </a:p>
-        </p:txBody>
-      </p:sp>
-      <p:sp>
-        <p:nvSpPr>
-          <p:cNvPr id="16" name="Slide Number Placeholder 15"/>
-          <p:cNvSpPr>
-            <a:spLocks noGrp="1"/>
-          </p:cNvSpPr>
-          <p:nvPr>
-            <p:ph type="sldNum" sz="quarter" idx="12"/>
-          </p:nvPr>
-        </p:nvSpPr>
-        <p:spPr/>
-        <p:txBody>
-          <a:bodyPr/>
-          <a:lstStyle/>
-          <a:p>
-            <a:fld id="{289D5882-BB70-459C-B7E9-5D0040F635BD}" type="slidenum">
-              <a:rPr lang="en-US" smtClean="0"/>
-              <a:pPr/>
-              <a:t>13</a:t>
-            </a:fld>
-            <a:endParaRPr lang="en-US"/>
-          </a:p>
-        </p:txBody>
-      </p:sp>
-      <p:sp>
-        <p:nvSpPr>
-          <p:cNvPr id="27" name="Text Placeholder 26"/>
-          <p:cNvSpPr>
-            <a:spLocks noGrp="1"/>
-          </p:cNvSpPr>
-          <p:nvPr>
-            <p:ph type="body" sz="quarter" idx="13"/>
-          </p:nvPr>
-        </p:nvSpPr>
-        <p:spPr/>
-        <p:txBody>
-          <a:bodyPr>
-            <a:normAutofit fontScale="92500" lnSpcReduction="20000"/>
-          </a:bodyPr>
-          <a:lstStyle/>
-          <a:p>
-            <a:r>
-              <a:rPr lang="en-US" dirty="0" err="1" smtClean="0"/>
-              <a:t>Einfluss</a:t>
-            </a:r>
-            <a:endParaRPr lang="en-US" dirty="0"/>
           </a:p>
         </p:txBody>
       </p:sp>
@@ -5950,7 +6321,7 @@
 </p:sld>
 </file>
 
-<file path=ppt/slides/slide14.xml><?xml version="1.0" encoding="utf-8"?>
+<file path=ppt/slides/slide18.xml><?xml version="1.0" encoding="utf-8"?>
 <p:sld xmlns:a="http://schemas.openxmlformats.org/drawingml/2006/main" xmlns:r="http://schemas.openxmlformats.org/officeDocument/2006/relationships" xmlns:mc="http://schemas.openxmlformats.org/markup-compatibility/2006" xmlns:mv="urn:schemas-microsoft-com:mac:vml" xmlns:p="http://schemas.openxmlformats.org/presentationml/2006/main" mc:Ignorable="mv" mc:PreserveAttributes="mv:*">
   <p:cSld>
     <p:spTree>
@@ -5969,22 +6340,34 @@
       </p:grpSpPr>
       <p:sp>
         <p:nvSpPr>
-          <p:cNvPr id="2" name="Title 1"/>
-          <p:cNvSpPr>
-            <a:spLocks noGrp="1"/>
-          </p:cNvSpPr>
-          <p:nvPr>
-            <p:ph type="title"/>
-          </p:nvPr>
-        </p:nvSpPr>
-        <p:spPr/>
-        <p:txBody>
-          <a:bodyPr/>
-          <a:lstStyle/>
-          <a:p>
-            <a:r>
-              <a:rPr lang="de-CH" dirty="0" smtClean="0"/>
-              <a:t>Grundlagen</a:t>
+          <p:cNvPr id="10" name="Text Placeholder 9"/>
+          <p:cNvSpPr>
+            <a:spLocks noGrp="1"/>
+          </p:cNvSpPr>
+          <p:nvPr>
+            <p:ph type="body" idx="1"/>
+          </p:nvPr>
+        </p:nvSpPr>
+        <p:spPr/>
+        <p:txBody>
+          <a:bodyPr/>
+          <a:lstStyle/>
+          <a:p>
+            <a:r>
+              <a:rPr lang="en-US" dirty="0" err="1" smtClean="0"/>
+              <a:t>Scala</a:t>
+            </a:r>
+            <a:r>
+              <a:rPr lang="en-US" dirty="0" smtClean="0"/>
+              <a:t> </a:t>
+            </a:r>
+            <a:r>
+              <a:rPr lang="en-US" dirty="0" err="1" smtClean="0"/>
+              <a:t>ist</a:t>
+            </a:r>
+            <a:r>
+              <a:rPr lang="en-US" dirty="0" smtClean="0"/>
+              <a:t>:</a:t>
             </a:r>
             <a:endParaRPr lang="en-US" dirty="0"/>
           </a:p>
@@ -5992,6 +6375,321 @@
       </p:sp>
       <p:sp>
         <p:nvSpPr>
+          <p:cNvPr id="11" name="Content Placeholder 10"/>
+          <p:cNvSpPr>
+            <a:spLocks noGrp="1"/>
+          </p:cNvSpPr>
+          <p:nvPr>
+            <p:ph sz="half" idx="2"/>
+          </p:nvPr>
+        </p:nvSpPr>
+        <p:spPr/>
+        <p:txBody>
+          <a:bodyPr>
+            <a:normAutofit/>
+          </a:bodyPr>
+          <a:lstStyle/>
+          <a:p>
+            <a:r>
+              <a:rPr lang="en-US" dirty="0" err="1" smtClean="0"/>
+              <a:t>funktional</a:t>
+            </a:r>
+            <a:r>
+              <a:rPr lang="en-US" dirty="0" smtClean="0"/>
+              <a:t>, </a:t>
+            </a:r>
+            <a:r>
+              <a:rPr lang="en-US" dirty="0" err="1" smtClean="0"/>
+              <a:t>deklarativ</a:t>
+            </a:r>
+            <a:endParaRPr lang="en-US" dirty="0" smtClean="0"/>
+          </a:p>
+          <a:p>
+            <a:r>
+              <a:rPr lang="en-US" dirty="0" err="1" smtClean="0"/>
+              <a:t>objektorientiert</a:t>
+            </a:r>
+            <a:endParaRPr lang="en-US" dirty="0" smtClean="0"/>
+          </a:p>
+          <a:p>
+            <a:r>
+              <a:rPr lang="en-US" u="sng" dirty="0" err="1" smtClean="0"/>
+              <a:t>statisch</a:t>
+            </a:r>
+            <a:r>
+              <a:rPr lang="en-US" u="sng" dirty="0" smtClean="0"/>
+              <a:t> </a:t>
+            </a:r>
+            <a:r>
+              <a:rPr lang="en-US" dirty="0" err="1" smtClean="0"/>
+              <a:t>typisiert</a:t>
+            </a:r>
+            <a:r>
+              <a:rPr lang="en-US" dirty="0" smtClean="0"/>
+              <a:t>, </a:t>
+            </a:r>
+            <a:r>
+              <a:rPr lang="en-US" dirty="0" err="1" smtClean="0"/>
+              <a:t>implizites</a:t>
+            </a:r>
+            <a:r>
+              <a:rPr lang="en-US" dirty="0" smtClean="0"/>
+              <a:t> </a:t>
+            </a:r>
+            <a:r>
+              <a:rPr lang="en-US" dirty="0" err="1" smtClean="0"/>
+              <a:t>Typsystem</a:t>
+            </a:r>
+            <a:endParaRPr lang="en-US" dirty="0" smtClean="0"/>
+          </a:p>
+          <a:p>
+            <a:endParaRPr lang="en-US" dirty="0" smtClean="0"/>
+          </a:p>
+          <a:p>
+            <a:r>
+              <a:rPr lang="en-US" dirty="0" err="1" smtClean="0"/>
+              <a:t>Neue</a:t>
+            </a:r>
+            <a:r>
+              <a:rPr lang="en-US" dirty="0" smtClean="0"/>
+              <a:t> </a:t>
+            </a:r>
+            <a:r>
+              <a:rPr lang="en-US" dirty="0" err="1" smtClean="0"/>
+              <a:t>Sprache</a:t>
+            </a:r>
+            <a:r>
+              <a:rPr lang="en-US" dirty="0" smtClean="0"/>
+              <a:t> auf JVM</a:t>
+            </a:r>
+          </a:p>
+          <a:p>
+            <a:r>
+              <a:rPr lang="en-US" dirty="0" err="1" smtClean="0"/>
+              <a:t>Vereinte</a:t>
+            </a:r>
+            <a:r>
+              <a:rPr lang="en-US" dirty="0" smtClean="0"/>
+              <a:t> </a:t>
+            </a:r>
+            <a:r>
+              <a:rPr lang="en-US" dirty="0" err="1" smtClean="0"/>
+              <a:t>Konzepte</a:t>
+            </a:r>
+            <a:r>
+              <a:rPr lang="en-US" dirty="0" smtClean="0"/>
+              <a:t>:</a:t>
+            </a:r>
+          </a:p>
+          <a:p>
+            <a:pPr lvl="1"/>
+            <a:r>
+              <a:rPr lang="en-US" dirty="0" smtClean="0"/>
+              <a:t>Standard ML</a:t>
+            </a:r>
+            <a:r>
+              <a:rPr lang="en-US" dirty="0" smtClean="0">
+                <a:sym typeface="Wingdings"/>
+              </a:rPr>
+              <a:t> </a:t>
+            </a:r>
+            <a:r>
+              <a:rPr lang="en-US" dirty="0" err="1" smtClean="0">
+                <a:sym typeface="Wingdings"/>
+              </a:rPr>
+              <a:t>Typsystem</a:t>
+            </a:r>
+            <a:endParaRPr lang="en-US" dirty="0" smtClean="0">
+              <a:sym typeface="Wingdings"/>
+            </a:endParaRPr>
+          </a:p>
+          <a:p>
+            <a:pPr lvl="1"/>
+            <a:r>
+              <a:rPr lang="en-US" dirty="0" err="1" smtClean="0">
+                <a:sym typeface="Wingdings"/>
+              </a:rPr>
+              <a:t>Erlang</a:t>
+            </a:r>
+            <a:r>
+              <a:rPr lang="en-US" dirty="0" smtClean="0">
+                <a:sym typeface="Wingdings"/>
+              </a:rPr>
+              <a:t> </a:t>
+            </a:r>
+            <a:r>
+              <a:rPr lang="en-US" dirty="0" err="1" smtClean="0">
+                <a:sym typeface="Wingdings"/>
+              </a:rPr>
+              <a:t></a:t>
+            </a:r>
+            <a:r>
+              <a:rPr lang="en-US" dirty="0" smtClean="0">
+                <a:sym typeface="Wingdings"/>
+              </a:rPr>
+              <a:t> Actors</a:t>
+            </a:r>
+            <a:endParaRPr lang="en-US" dirty="0" smtClean="0"/>
+          </a:p>
+          <a:p>
+            <a:endParaRPr lang="en-US" dirty="0" smtClean="0"/>
+          </a:p>
+          <a:p>
+            <a:endParaRPr lang="en-US" dirty="0"/>
+          </a:p>
+        </p:txBody>
+      </p:sp>
+      <p:sp>
+        <p:nvSpPr>
+          <p:cNvPr id="12" name="Text Placeholder 11"/>
+          <p:cNvSpPr>
+            <a:spLocks noGrp="1"/>
+          </p:cNvSpPr>
+          <p:nvPr>
+            <p:ph type="body" sz="quarter" idx="3"/>
+          </p:nvPr>
+        </p:nvSpPr>
+        <p:spPr/>
+        <p:txBody>
+          <a:bodyPr/>
+          <a:lstStyle/>
+          <a:p>
+            <a:r>
+              <a:rPr lang="en-US" dirty="0" smtClean="0"/>
+              <a:t>Was </a:t>
+            </a:r>
+            <a:r>
+              <a:rPr lang="en-US" dirty="0" err="1" smtClean="0"/>
+              <a:t>Scala</a:t>
+            </a:r>
+            <a:r>
+              <a:rPr lang="en-US" dirty="0" smtClean="0"/>
+              <a:t> </a:t>
+            </a:r>
+            <a:r>
+              <a:rPr lang="en-US" dirty="0" err="1" smtClean="0"/>
+              <a:t>nicht</a:t>
+            </a:r>
+            <a:r>
+              <a:rPr lang="en-US" dirty="0" smtClean="0"/>
+              <a:t> </a:t>
+            </a:r>
+            <a:r>
+              <a:rPr lang="en-US" dirty="0" err="1" smtClean="0"/>
+              <a:t>ist</a:t>
+            </a:r>
+            <a:r>
+              <a:rPr lang="en-US" dirty="0" smtClean="0"/>
+              <a:t>:</a:t>
+            </a:r>
+            <a:endParaRPr lang="en-US" dirty="0"/>
+          </a:p>
+        </p:txBody>
+      </p:sp>
+      <p:sp>
+        <p:nvSpPr>
+          <p:cNvPr id="13" name="Content Placeholder 12"/>
+          <p:cNvSpPr>
+            <a:spLocks noGrp="1"/>
+          </p:cNvSpPr>
+          <p:nvPr>
+            <p:ph sz="quarter" idx="4"/>
+          </p:nvPr>
+        </p:nvSpPr>
+        <p:spPr/>
+        <p:txBody>
+          <a:bodyPr/>
+          <a:lstStyle/>
+          <a:p>
+            <a:r>
+              <a:rPr lang="en-US" i="1" dirty="0" smtClean="0"/>
+              <a:t>“</a:t>
+            </a:r>
+            <a:r>
+              <a:rPr lang="en-US" i="1" dirty="0" err="1" smtClean="0"/>
+              <a:t>imperativ</a:t>
+            </a:r>
+            <a:r>
+              <a:rPr lang="en-US" i="1" dirty="0" smtClean="0"/>
+              <a:t>”, </a:t>
+            </a:r>
+            <a:r>
+              <a:rPr lang="en-US" i="1" dirty="0" err="1" smtClean="0"/>
+              <a:t>logisch</a:t>
+            </a:r>
+            <a:endParaRPr lang="en-US" i="1" dirty="0" smtClean="0"/>
+          </a:p>
+          <a:p>
+            <a:r>
+              <a:rPr lang="en-US" dirty="0" err="1" smtClean="0"/>
+              <a:t>prozedural</a:t>
+            </a:r>
+            <a:endParaRPr lang="en-US" dirty="0" smtClean="0"/>
+          </a:p>
+          <a:p>
+            <a:r>
+              <a:rPr lang="en-US" dirty="0" err="1" smtClean="0"/>
+              <a:t>dynamisch</a:t>
+            </a:r>
+            <a:r>
+              <a:rPr lang="en-US" dirty="0" smtClean="0"/>
+              <a:t> </a:t>
+            </a:r>
+            <a:r>
+              <a:rPr lang="en-US" dirty="0" err="1" smtClean="0"/>
+              <a:t>typisiert</a:t>
+            </a:r>
+            <a:endParaRPr lang="en-US" dirty="0" smtClean="0"/>
+          </a:p>
+          <a:p>
+            <a:endParaRPr lang="en-US" i="1" dirty="0" smtClean="0"/>
+          </a:p>
+          <a:p>
+            <a:r>
+              <a:rPr lang="en-US" i="1" dirty="0" err="1" smtClean="0"/>
+              <a:t>Klon</a:t>
+            </a:r>
+            <a:r>
+              <a:rPr lang="en-US" i="1" dirty="0" smtClean="0"/>
+              <a:t> </a:t>
+            </a:r>
+            <a:r>
+              <a:rPr lang="en-US" i="1" dirty="0" err="1" smtClean="0"/>
+              <a:t>wie</a:t>
+            </a:r>
+            <a:r>
+              <a:rPr lang="en-US" i="1" dirty="0" smtClean="0"/>
+              <a:t> </a:t>
+            </a:r>
+            <a:r>
+              <a:rPr lang="en-US" i="1" dirty="0" err="1" smtClean="0"/>
+              <a:t>JRuby</a:t>
+            </a:r>
+            <a:r>
+              <a:rPr lang="en-US" i="1" dirty="0" smtClean="0"/>
+              <a:t>, </a:t>
+            </a:r>
+            <a:r>
+              <a:rPr lang="en-US" i="1" dirty="0" err="1" smtClean="0"/>
+              <a:t>Clojure</a:t>
+            </a:r>
+            <a:r>
+              <a:rPr lang="en-US" i="1" dirty="0" smtClean="0"/>
+              <a:t>, </a:t>
+            </a:r>
+            <a:r>
+              <a:rPr lang="en-US" i="1" dirty="0" err="1" smtClean="0"/>
+              <a:t>Jython</a:t>
+            </a:r>
+            <a:endParaRPr lang="en-US" i="1" dirty="0" smtClean="0"/>
+          </a:p>
+          <a:p>
+            <a:endParaRPr lang="en-US" i="1" dirty="0" smtClean="0"/>
+          </a:p>
+        </p:txBody>
+      </p:sp>
+      <p:sp>
+        <p:nvSpPr>
           <p:cNvPr id="4" name="Date Placeholder 3"/>
           <p:cNvSpPr>
             <a:spLocks noGrp="1"/>
@@ -6005,10 +6703,9 @@
           <a:bodyPr/>
           <a:lstStyle/>
           <a:p>
-            <a:fld id="{EB0CCA6E-BCB6-0D40-997B-7A258B50B6D5}" type="datetime1">
-              <a:rPr lang="en-US" smtClean="0"/>
-              <a:pPr/>
-              <a:t>11/28/10</a:t>
+            <a:fld id="{2373D8BB-0DDF-7740-91F4-7F99751E7C14}" type="datetime1">
+              <a:rPr lang="en-US" smtClean="0"/>
+              <a:t>11/30/10</a:t>
             </a:fld>
             <a:endParaRPr lang="en-US"/>
           </a:p>
@@ -6029,13 +6726,40 @@
           <a:bodyPr/>
           <a:lstStyle/>
           <a:p>
+            <a:r>
+              <a:rPr lang="en-US" smtClean="0"/>
+              <a:t>Raffael Schmid, Hochschule für Technik Zürich</a:t>
+            </a:r>
             <a:endParaRPr lang="en-US"/>
           </a:p>
         </p:txBody>
       </p:sp>
       <p:sp>
         <p:nvSpPr>
-          <p:cNvPr id="6" name="Text Placeholder 5"/>
+          <p:cNvPr id="2" name="Title 1"/>
+          <p:cNvSpPr>
+            <a:spLocks noGrp="1"/>
+          </p:cNvSpPr>
+          <p:nvPr>
+            <p:ph type="title"/>
+          </p:nvPr>
+        </p:nvSpPr>
+        <p:spPr/>
+        <p:txBody>
+          <a:bodyPr/>
+          <a:lstStyle/>
+          <a:p>
+            <a:r>
+              <a:rPr lang="en-US" dirty="0" err="1" smtClean="0"/>
+              <a:t>Grundlagen</a:t>
+            </a:r>
+            <a:endParaRPr lang="en-US" dirty="0"/>
+          </a:p>
+        </p:txBody>
+      </p:sp>
+      <p:sp>
+        <p:nvSpPr>
+          <p:cNvPr id="14" name="Text Placeholder 13"/>
           <p:cNvSpPr>
             <a:spLocks noGrp="1"/>
           </p:cNvSpPr>
@@ -6051,8 +6775,158 @@
           <a:lstStyle/>
           <a:p>
             <a:r>
+              <a:rPr lang="en-US" dirty="0" err="1" smtClean="0"/>
+              <a:t>Scala</a:t>
+            </a:r>
+            <a:r>
+              <a:rPr lang="en-US" dirty="0" smtClean="0"/>
+              <a:t> in </a:t>
+            </a:r>
+            <a:r>
+              <a:rPr lang="en-US" dirty="0" err="1" smtClean="0"/>
+              <a:t>wenigen</a:t>
+            </a:r>
+            <a:r>
+              <a:rPr lang="en-US" dirty="0" smtClean="0"/>
+              <a:t> </a:t>
+            </a:r>
+            <a:r>
+              <a:rPr lang="en-US" dirty="0" err="1" smtClean="0"/>
+              <a:t>Worten</a:t>
+            </a:r>
+            <a:endParaRPr lang="en-US" dirty="0"/>
+          </a:p>
+        </p:txBody>
+      </p:sp>
+    </p:spTree>
+  </p:cSld>
+  <p:clrMapOvr>
+    <a:masterClrMapping/>
+  </p:clrMapOvr>
+  <p:timing>
+    <p:tnLst>
+      <p:par>
+        <p:cTn id="1" dur="indefinite" restart="never" nodeType="tmRoot"/>
+      </p:par>
+    </p:tnLst>
+  </p:timing>
+</p:sld>
+</file>
+
+<file path=ppt/slides/slide19.xml><?xml version="1.0" encoding="utf-8"?>
+<p:sld xmlns:a="http://schemas.openxmlformats.org/drawingml/2006/main" xmlns:r="http://schemas.openxmlformats.org/officeDocument/2006/relationships" xmlns:mc="http://schemas.openxmlformats.org/markup-compatibility/2006" xmlns:mv="urn:schemas-microsoft-com:mac:vml" xmlns:p="http://schemas.openxmlformats.org/presentationml/2006/main" mc:Ignorable="mv" mc:PreserveAttributes="mv:*">
+  <p:cSld>
+    <p:spTree>
+      <p:nvGrpSpPr>
+        <p:cNvPr id="1" name=""/>
+        <p:cNvGrpSpPr/>
+        <p:nvPr/>
+      </p:nvGrpSpPr>
+      <p:grpSpPr>
+        <a:xfrm>
+          <a:off x="0" y="0"/>
+          <a:ext cx="0" cy="0"/>
+          <a:chOff x="0" y="0"/>
+          <a:chExt cx="0" cy="0"/>
+        </a:xfrm>
+      </p:grpSpPr>
+      <p:sp>
+        <p:nvSpPr>
+          <p:cNvPr id="2" name="Title 1"/>
+          <p:cNvSpPr>
+            <a:spLocks noGrp="1"/>
+          </p:cNvSpPr>
+          <p:nvPr>
+            <p:ph type="title"/>
+          </p:nvPr>
+        </p:nvSpPr>
+        <p:spPr/>
+        <p:txBody>
+          <a:bodyPr/>
+          <a:lstStyle/>
+          <a:p>
+            <a:r>
               <a:rPr lang="de-CH" dirty="0" smtClean="0"/>
-              <a:t>Scala Innovation</a:t>
+              <a:t>Grundlagen</a:t>
+            </a:r>
+            <a:endParaRPr lang="en-US" dirty="0"/>
+          </a:p>
+        </p:txBody>
+      </p:sp>
+      <p:sp>
+        <p:nvSpPr>
+          <p:cNvPr id="4" name="Date Placeholder 3"/>
+          <p:cNvSpPr>
+            <a:spLocks noGrp="1"/>
+          </p:cNvSpPr>
+          <p:nvPr>
+            <p:ph type="dt" sz="half" idx="10"/>
+          </p:nvPr>
+        </p:nvSpPr>
+        <p:spPr/>
+        <p:txBody>
+          <a:bodyPr/>
+          <a:lstStyle/>
+          <a:p>
+            <a:fld id="{C684AAC1-AEF3-B440-89F1-BAB641D79D05}" type="datetime1">
+              <a:rPr lang="en-US" smtClean="0"/>
+              <a:t>11/30/10</a:t>
+            </a:fld>
+            <a:endParaRPr lang="en-US"/>
+          </a:p>
+        </p:txBody>
+      </p:sp>
+      <p:sp>
+        <p:nvSpPr>
+          <p:cNvPr id="5" name="Footer Placeholder 4"/>
+          <p:cNvSpPr>
+            <a:spLocks noGrp="1"/>
+          </p:cNvSpPr>
+          <p:nvPr>
+            <p:ph type="ftr" sz="quarter" idx="11"/>
+          </p:nvPr>
+        </p:nvSpPr>
+        <p:spPr/>
+        <p:txBody>
+          <a:bodyPr/>
+          <a:lstStyle/>
+          <a:p>
+            <a:r>
+              <a:rPr lang="en-US" smtClean="0"/>
+              <a:t>Raffael Schmid, Hochschule für Technik Zürich</a:t>
+            </a:r>
+            <a:endParaRPr lang="en-US"/>
+          </a:p>
+        </p:txBody>
+      </p:sp>
+      <p:sp>
+        <p:nvSpPr>
+          <p:cNvPr id="6" name="Text Placeholder 5"/>
+          <p:cNvSpPr>
+            <a:spLocks noGrp="1"/>
+          </p:cNvSpPr>
+          <p:nvPr>
+            <p:ph type="body" sz="quarter" idx="13"/>
+          </p:nvPr>
+        </p:nvSpPr>
+        <p:spPr/>
+        <p:txBody>
+          <a:bodyPr>
+            <a:normAutofit fontScale="92500" lnSpcReduction="20000"/>
+          </a:bodyPr>
+          <a:lstStyle/>
+          <a:p>
+            <a:r>
+              <a:rPr lang="en-US" dirty="0" err="1" smtClean="0"/>
+              <a:t>Einige</a:t>
+            </a:r>
+            <a:r>
+              <a:rPr lang="en-US" dirty="0" smtClean="0"/>
+              <a:t> </a:t>
+            </a:r>
+            <a:r>
+              <a:rPr lang="en-US" dirty="0" err="1" smtClean="0"/>
+              <a:t>Sprachfeatures</a:t>
             </a:r>
             <a:endParaRPr lang="en-US" dirty="0"/>
           </a:p>
@@ -6322,30 +7196,6 @@
           </a:prstGeom>
         </p:spPr>
       </p:pic>
-      <p:sp>
-        <p:nvSpPr>
-          <p:cNvPr id="10" name="Slide Number Placeholder 9"/>
-          <p:cNvSpPr>
-            <a:spLocks noGrp="1"/>
-          </p:cNvSpPr>
-          <p:nvPr>
-            <p:ph type="sldNum" sz="quarter" idx="12"/>
-          </p:nvPr>
-        </p:nvSpPr>
-        <p:spPr/>
-        <p:txBody>
-          <a:bodyPr/>
-          <a:lstStyle/>
-          <a:p>
-            <a:fld id="{289D5882-BB70-459C-B7E9-5D0040F635BD}" type="slidenum">
-              <a:rPr lang="en-US" smtClean="0"/>
-              <a:pPr/>
-              <a:t>14</a:t>
-            </a:fld>
-            <a:endParaRPr lang="en-US"/>
-          </a:p>
-        </p:txBody>
-      </p:sp>
     </p:spTree>
   </p:cSld>
   <p:clrMapOvr>
@@ -6361,7 +7211,7 @@
 </p:sld>
 </file>
 
-<file path=ppt/slides/slide15.xml><?xml version="1.0" encoding="utf-8"?>
+<file path=ppt/slides/slide2.xml><?xml version="1.0" encoding="utf-8"?>
 <p:sld xmlns:a="http://schemas.openxmlformats.org/drawingml/2006/main" xmlns:r="http://schemas.openxmlformats.org/officeDocument/2006/relationships" xmlns:mc="http://schemas.openxmlformats.org/markup-compatibility/2006" xmlns:mv="urn:schemas-microsoft-com:mac:vml" xmlns:p="http://schemas.openxmlformats.org/presentationml/2006/main" mc:Ignorable="mv" mc:PreserveAttributes="mv:*">
   <p:cSld>
     <p:spTree>
@@ -6395,58 +7245,97 @@
           <a:p>
             <a:r>
               <a:rPr lang="de-CH" dirty="0" smtClean="0"/>
+              <a:t>Inhalt</a:t>
+            </a:r>
+            <a:endParaRPr lang="en-US" dirty="0"/>
+          </a:p>
+        </p:txBody>
+      </p:sp>
+      <p:sp>
+        <p:nvSpPr>
+          <p:cNvPr id="3" name="Content Placeholder 2"/>
+          <p:cNvSpPr>
+            <a:spLocks noGrp="1"/>
+          </p:cNvSpPr>
+          <p:nvPr>
+            <p:ph idx="1"/>
+          </p:nvPr>
+        </p:nvSpPr>
+        <p:spPr/>
+        <p:txBody>
+          <a:bodyPr/>
+          <a:lstStyle/>
+          <a:p>
+            <a:r>
+              <a:rPr lang="de-CH" dirty="0" smtClean="0"/>
+              <a:t>Ablauf der Semesterarbeit</a:t>
+            </a:r>
+          </a:p>
+          <a:p>
+            <a:r>
+              <a:rPr lang="de-CH" dirty="0" smtClean="0"/>
+              <a:t>Aufgabenstellung</a:t>
+            </a:r>
+          </a:p>
+          <a:p>
+            <a:r>
+              <a:rPr lang="de-CH" dirty="0" smtClean="0"/>
+              <a:t>Design</a:t>
+            </a:r>
+          </a:p>
+          <a:p>
+            <a:pPr lvl="1"/>
+            <a:r>
+              <a:rPr lang="de-CH" dirty="0" smtClean="0"/>
+              <a:t>Use Cases, Rollenkonzept</a:t>
+            </a:r>
+          </a:p>
+          <a:p>
+            <a:pPr lvl="1"/>
+            <a:r>
+              <a:rPr lang="de-CH" dirty="0" smtClean="0"/>
+              <a:t>ERM</a:t>
+            </a:r>
+          </a:p>
+          <a:p>
+            <a:r>
+              <a:rPr lang="de-CH" dirty="0" smtClean="0"/>
               <a:t>Grundlagen</a:t>
             </a:r>
-            <a:endParaRPr lang="en-US" dirty="0"/>
-          </a:p>
-        </p:txBody>
-      </p:sp>
-      <p:sp>
-        <p:nvSpPr>
-          <p:cNvPr id="4" name="Date Placeholder 3"/>
-          <p:cNvSpPr>
-            <a:spLocks noGrp="1"/>
-          </p:cNvSpPr>
-          <p:nvPr>
-            <p:ph type="dt" sz="half" idx="10"/>
-          </p:nvPr>
-        </p:nvSpPr>
-        <p:spPr/>
-        <p:txBody>
-          <a:bodyPr/>
-          <a:lstStyle/>
-          <a:p>
-            <a:fld id="{0CC14755-F3CA-1248-B00A-D25F6F642503}" type="datetime1">
-              <a:rPr lang="en-US" smtClean="0"/>
-              <a:pPr/>
-              <a:t>11/28/10</a:t>
-            </a:fld>
-            <a:endParaRPr lang="en-US"/>
-          </a:p>
-        </p:txBody>
-      </p:sp>
-      <p:sp>
-        <p:nvSpPr>
-          <p:cNvPr id="5" name="Footer Placeholder 4"/>
-          <p:cNvSpPr>
-            <a:spLocks noGrp="1"/>
-          </p:cNvSpPr>
-          <p:nvPr>
-            <p:ph type="ftr" sz="quarter" idx="11"/>
-          </p:nvPr>
-        </p:nvSpPr>
-        <p:spPr/>
-        <p:txBody>
-          <a:bodyPr/>
-          <a:lstStyle/>
-          <a:p>
-            <a:endParaRPr lang="en-US"/>
-          </a:p>
-        </p:txBody>
-      </p:sp>
-      <p:sp>
-        <p:nvSpPr>
-          <p:cNvPr id="6" name="Text Placeholder 5"/>
+          </a:p>
+          <a:p>
+            <a:r>
+              <a:rPr lang="de-CH" dirty="0" err="1" smtClean="0"/>
+              <a:t>Implementation</a:t>
+            </a:r>
+            <a:r>
+              <a:rPr lang="de-CH" dirty="0" smtClean="0"/>
+              <a:t> des Prototypen</a:t>
+            </a:r>
+          </a:p>
+          <a:p>
+            <a:r>
+              <a:rPr lang="de-CH" dirty="0" smtClean="0"/>
+              <a:t>Fazit</a:t>
+            </a:r>
+          </a:p>
+          <a:p>
+            <a:endParaRPr lang="de-CH" dirty="0" smtClean="0"/>
+          </a:p>
+          <a:p>
+            <a:endParaRPr lang="de-CH" dirty="0" smtClean="0"/>
+          </a:p>
+          <a:p>
+            <a:endParaRPr lang="de-CH" dirty="0" smtClean="0"/>
+          </a:p>
+          <a:p>
+            <a:endParaRPr lang="de-CH" dirty="0" smtClean="0"/>
+          </a:p>
+        </p:txBody>
+      </p:sp>
+      <p:sp>
+        <p:nvSpPr>
+          <p:cNvPr id="4" name="Text Placeholder 3"/>
           <p:cNvSpPr>
             <a:spLocks noGrp="1"/>
           </p:cNvSpPr>
@@ -6461,14 +7350,189 @@
           </a:bodyPr>
           <a:lstStyle/>
           <a:p>
+            <a:endParaRPr lang="en-US"/>
+          </a:p>
+        </p:txBody>
+      </p:sp>
+      <p:sp>
+        <p:nvSpPr>
+          <p:cNvPr id="5" name="Date Placeholder 4"/>
+          <p:cNvSpPr>
+            <a:spLocks noGrp="1"/>
+          </p:cNvSpPr>
+          <p:nvPr>
+            <p:ph type="dt" sz="half" idx="10"/>
+          </p:nvPr>
+        </p:nvSpPr>
+        <p:spPr/>
+        <p:txBody>
+          <a:bodyPr/>
+          <a:lstStyle/>
+          <a:p>
+            <a:fld id="{84FD04E3-30F0-3543-86E9-D2958366CDD6}" type="datetime1">
+              <a:rPr lang="en-US" smtClean="0"/>
+              <a:t>11/30/10</a:t>
+            </a:fld>
+            <a:endParaRPr lang="en-US"/>
+          </a:p>
+        </p:txBody>
+      </p:sp>
+      <p:sp>
+        <p:nvSpPr>
+          <p:cNvPr id="6" name="Footer Placeholder 5"/>
+          <p:cNvSpPr>
+            <a:spLocks noGrp="1"/>
+          </p:cNvSpPr>
+          <p:nvPr>
+            <p:ph type="ftr" sz="quarter" idx="11"/>
+          </p:nvPr>
+        </p:nvSpPr>
+        <p:spPr/>
+        <p:txBody>
+          <a:bodyPr/>
+          <a:lstStyle/>
+          <a:p>
+            <a:r>
+              <a:rPr lang="en-US" smtClean="0"/>
+              <a:t>Raffael Schmid, Hochschule für Technik Zürich</a:t>
+            </a:r>
+            <a:endParaRPr lang="en-US"/>
+          </a:p>
+        </p:txBody>
+      </p:sp>
+    </p:spTree>
+  </p:cSld>
+  <p:clrMapOvr>
+    <a:masterClrMapping/>
+  </p:clrMapOvr>
+  <p:timing>
+    <p:tnLst>
+      <p:par>
+        <p:cTn id="1" dur="indefinite" restart="never" nodeType="tmRoot"/>
+      </p:par>
+    </p:tnLst>
+  </p:timing>
+</p:sld>
+</file>
+
+<file path=ppt/slides/slide20.xml><?xml version="1.0" encoding="utf-8"?>
+<p:sld xmlns:a="http://schemas.openxmlformats.org/drawingml/2006/main" xmlns:r="http://schemas.openxmlformats.org/officeDocument/2006/relationships" xmlns:mc="http://schemas.openxmlformats.org/markup-compatibility/2006" xmlns:mv="urn:schemas-microsoft-com:mac:vml" xmlns:p="http://schemas.openxmlformats.org/presentationml/2006/main" mc:Ignorable="mv" mc:PreserveAttributes="mv:*">
+  <p:cSld>
+    <p:spTree>
+      <p:nvGrpSpPr>
+        <p:cNvPr id="1" name=""/>
+        <p:cNvGrpSpPr/>
+        <p:nvPr/>
+      </p:nvGrpSpPr>
+      <p:grpSpPr>
+        <a:xfrm>
+          <a:off x="0" y="0"/>
+          <a:ext cx="0" cy="0"/>
+          <a:chOff x="0" y="0"/>
+          <a:chExt cx="0" cy="0"/>
+        </a:xfrm>
+      </p:grpSpPr>
+      <p:sp>
+        <p:nvSpPr>
+          <p:cNvPr id="2" name="Title 1"/>
+          <p:cNvSpPr>
+            <a:spLocks noGrp="1"/>
+          </p:cNvSpPr>
+          <p:nvPr>
+            <p:ph type="title"/>
+          </p:nvPr>
+        </p:nvSpPr>
+        <p:spPr/>
+        <p:txBody>
+          <a:bodyPr/>
+          <a:lstStyle/>
+          <a:p>
             <a:r>
               <a:rPr lang="de-CH" dirty="0" smtClean="0"/>
-              <a:t>Scala </a:t>
-            </a:r>
-            <a:r>
-              <a:rPr lang="de-CH" dirty="0" err="1" smtClean="0"/>
-              <a:t>Sugar</a:t>
-            </a:r>
+              <a:t>Grundlagen</a:t>
+            </a:r>
+            <a:endParaRPr lang="en-US" dirty="0"/>
+          </a:p>
+        </p:txBody>
+      </p:sp>
+      <p:sp>
+        <p:nvSpPr>
+          <p:cNvPr id="4" name="Date Placeholder 3"/>
+          <p:cNvSpPr>
+            <a:spLocks noGrp="1"/>
+          </p:cNvSpPr>
+          <p:nvPr>
+            <p:ph type="dt" sz="half" idx="10"/>
+          </p:nvPr>
+        </p:nvSpPr>
+        <p:spPr/>
+        <p:txBody>
+          <a:bodyPr/>
+          <a:lstStyle/>
+          <a:p>
+            <a:fld id="{0B0B095B-FE70-D44D-BA32-C2677C6AC633}" type="datetime1">
+              <a:rPr lang="en-US" smtClean="0"/>
+              <a:t>11/30/10</a:t>
+            </a:fld>
+            <a:endParaRPr lang="en-US"/>
+          </a:p>
+        </p:txBody>
+      </p:sp>
+      <p:sp>
+        <p:nvSpPr>
+          <p:cNvPr id="5" name="Footer Placeholder 4"/>
+          <p:cNvSpPr>
+            <a:spLocks noGrp="1"/>
+          </p:cNvSpPr>
+          <p:nvPr>
+            <p:ph type="ftr" sz="quarter" idx="11"/>
+          </p:nvPr>
+        </p:nvSpPr>
+        <p:spPr/>
+        <p:txBody>
+          <a:bodyPr/>
+          <a:lstStyle/>
+          <a:p>
+            <a:r>
+              <a:rPr lang="en-US" smtClean="0"/>
+              <a:t>Raffael Schmid, Hochschule für Technik Zürich</a:t>
+            </a:r>
+            <a:endParaRPr lang="en-US"/>
+          </a:p>
+        </p:txBody>
+      </p:sp>
+      <p:sp>
+        <p:nvSpPr>
+          <p:cNvPr id="6" name="Text Placeholder 5"/>
+          <p:cNvSpPr>
+            <a:spLocks noGrp="1"/>
+          </p:cNvSpPr>
+          <p:nvPr>
+            <p:ph type="body" sz="quarter" idx="13"/>
+          </p:nvPr>
+        </p:nvSpPr>
+        <p:spPr/>
+        <p:txBody>
+          <a:bodyPr>
+            <a:normAutofit fontScale="92500" lnSpcReduction="20000"/>
+          </a:bodyPr>
+          <a:lstStyle/>
+          <a:p>
+            <a:r>
+              <a:rPr lang="en-US" dirty="0" err="1" smtClean="0"/>
+              <a:t>Einige</a:t>
+            </a:r>
+            <a:r>
+              <a:rPr lang="en-US" dirty="0" smtClean="0"/>
+              <a:t> </a:t>
+            </a:r>
+            <a:r>
+              <a:rPr lang="en-US" dirty="0" err="1" smtClean="0"/>
+              <a:t>Sprachfeatures</a:t>
+            </a:r>
+            <a:endParaRPr lang="en-US" dirty="0" smtClean="0"/>
+          </a:p>
+          <a:p>
             <a:endParaRPr lang="en-US" dirty="0"/>
           </a:p>
         </p:txBody>
@@ -6505,25 +7569,91 @@
       </p:pic>
       <p:sp>
         <p:nvSpPr>
-          <p:cNvPr id="7" name="Slide Number Placeholder 6"/>
-          <p:cNvSpPr>
-            <a:spLocks noGrp="1"/>
-          </p:cNvSpPr>
-          <p:nvPr>
-            <p:ph type="sldNum" sz="quarter" idx="12"/>
-          </p:nvPr>
-        </p:nvSpPr>
-        <p:spPr/>
-        <p:txBody>
-          <a:bodyPr/>
-          <a:lstStyle/>
-          <a:p>
-            <a:fld id="{289D5882-BB70-459C-B7E9-5D0040F635BD}" type="slidenum">
-              <a:rPr lang="en-US" smtClean="0"/>
-              <a:pPr/>
-              <a:t>15</a:t>
-            </a:fld>
-            <a:endParaRPr lang="en-US"/>
+          <p:cNvPr id="8" name="TextBox 7"/>
+          <p:cNvSpPr txBox="1"/>
+          <p:nvPr/>
+        </p:nvSpPr>
+        <p:spPr>
+          <a:xfrm>
+            <a:off x="6629400" y="1676400"/>
+            <a:ext cx="2209800" cy="369332"/>
+          </a:xfrm>
+          <a:prstGeom prst="rect">
+            <a:avLst/>
+          </a:prstGeom>
+          <a:noFill/>
+        </p:spPr>
+        <p:txBody>
+          <a:bodyPr wrap="square" rtlCol="0">
+            <a:spAutoFit/>
+          </a:bodyPr>
+          <a:lstStyle/>
+          <a:p>
+            <a:r>
+              <a:rPr lang="en-US" dirty="0" err="1" smtClean="0"/>
+              <a:t>Enum</a:t>
+            </a:r>
+            <a:endParaRPr lang="en-US" dirty="0"/>
+          </a:p>
+        </p:txBody>
+      </p:sp>
+      <p:sp>
+        <p:nvSpPr>
+          <p:cNvPr id="9" name="TextBox 8"/>
+          <p:cNvSpPr txBox="1"/>
+          <p:nvPr/>
+        </p:nvSpPr>
+        <p:spPr>
+          <a:xfrm>
+            <a:off x="6705600" y="4267200"/>
+            <a:ext cx="2209800" cy="369332"/>
+          </a:xfrm>
+          <a:prstGeom prst="rect">
+            <a:avLst/>
+          </a:prstGeom>
+          <a:noFill/>
+        </p:spPr>
+        <p:txBody>
+          <a:bodyPr wrap="square" rtlCol="0">
+            <a:spAutoFit/>
+          </a:bodyPr>
+          <a:lstStyle/>
+          <a:p>
+            <a:r>
+              <a:rPr lang="en-US" dirty="0" smtClean="0"/>
+              <a:t>Pattern Matching</a:t>
+            </a:r>
+            <a:endParaRPr lang="en-US" dirty="0"/>
+          </a:p>
+        </p:txBody>
+      </p:sp>
+      <p:sp>
+        <p:nvSpPr>
+          <p:cNvPr id="11" name="TextBox 10"/>
+          <p:cNvSpPr txBox="1"/>
+          <p:nvPr/>
+        </p:nvSpPr>
+        <p:spPr>
+          <a:xfrm>
+            <a:off x="7086600" y="3429000"/>
+            <a:ext cx="2209800" cy="369332"/>
+          </a:xfrm>
+          <a:prstGeom prst="rect">
+            <a:avLst/>
+          </a:prstGeom>
+          <a:noFill/>
+        </p:spPr>
+        <p:txBody>
+          <a:bodyPr wrap="square" rtlCol="0">
+            <a:spAutoFit/>
+          </a:bodyPr>
+          <a:lstStyle/>
+          <a:p>
+            <a:r>
+              <a:rPr lang="en-US" dirty="0" smtClean="0"/>
+              <a:t>Implicit Conversions</a:t>
+            </a:r>
+            <a:endParaRPr lang="en-US" dirty="0"/>
           </a:p>
         </p:txBody>
       </p:sp>
@@ -6542,7 +7672,7 @@
 </p:sld>
 </file>
 
-<file path=ppt/slides/slide16.xml><?xml version="1.0" encoding="utf-8"?>
+<file path=ppt/slides/slide21.xml><?xml version="1.0" encoding="utf-8"?>
 <p:sld xmlns:a="http://schemas.openxmlformats.org/drawingml/2006/main" xmlns:r="http://schemas.openxmlformats.org/officeDocument/2006/relationships" xmlns:mc="http://schemas.openxmlformats.org/markup-compatibility/2006" xmlns:mv="urn:schemas-microsoft-com:mac:vml" xmlns:p="http://schemas.openxmlformats.org/presentationml/2006/main" mc:Ignorable="mv" mc:PreserveAttributes="mv:*">
   <p:cSld>
     <p:spTree>
@@ -6594,14 +7724,23 @@
         </p:nvSpPr>
         <p:spPr/>
         <p:txBody>
-          <a:bodyPr/>
-          <a:lstStyle/>
-          <a:p>
+          <a:bodyPr>
+            <a:normAutofit/>
+          </a:bodyPr>
+          <a:lstStyle/>
+          <a:p>
+            <a:r>
+              <a:rPr lang="en-US" dirty="0" smtClean="0"/>
+              <a:t>Was Lift out-of-the-box </a:t>
+            </a:r>
             <a:r>
               <a:rPr lang="en-US" dirty="0" err="1" smtClean="0"/>
-              <a:t>Inhalt</a:t>
-            </a:r>
-            <a:endParaRPr lang="en-US" dirty="0" smtClean="0"/>
+              <a:t>mitbringt</a:t>
+            </a:r>
+            <a:r>
+              <a:rPr lang="en-US" dirty="0" smtClean="0"/>
+              <a:t>:</a:t>
+            </a:r>
           </a:p>
           <a:p>
             <a:pPr lvl="1"/>
@@ -6617,6 +7756,29 @@
               <a:rPr lang="en-US" dirty="0" smtClean="0"/>
               <a:t>)</a:t>
             </a:r>
+          </a:p>
+          <a:p>
+            <a:pPr lvl="1"/>
+            <a:r>
+              <a:rPr lang="en-US" dirty="0" err="1" smtClean="0"/>
+              <a:t>Benutzermanagement</a:t>
+            </a:r>
+            <a:endParaRPr lang="en-US" dirty="0" smtClean="0"/>
+          </a:p>
+          <a:p>
+            <a:pPr lvl="1"/>
+            <a:r>
+              <a:rPr lang="en-US" dirty="0" err="1" smtClean="0"/>
+              <a:t>Templating</a:t>
+            </a:r>
+            <a:r>
+              <a:rPr lang="en-US" dirty="0" smtClean="0"/>
+              <a:t> </a:t>
+            </a:r>
+            <a:r>
+              <a:rPr lang="en-US" dirty="0" err="1" smtClean="0"/>
+              <a:t>Mechanismus</a:t>
+            </a:r>
             <a:endParaRPr lang="en-US" dirty="0" smtClean="0"/>
           </a:p>
           <a:p>
@@ -6625,18 +7787,13 @@
               <a:rPr lang="en-US" dirty="0" err="1" smtClean="0"/>
               <a:t>Persistenz</a:t>
             </a:r>
-            <a:endParaRPr lang="en-US" dirty="0" smtClean="0"/>
+            <a:r>
+              <a:rPr lang="en-US" dirty="0" smtClean="0"/>
+              <a:t>: </a:t>
+            </a:r>
           </a:p>
           <a:p>
             <a:pPr lvl="2"/>
-            <a:r>
-              <a:rPr lang="en-US" dirty="0" err="1" smtClean="0"/>
-              <a:t>Möglichkeiten</a:t>
-            </a:r>
-            <a:endParaRPr lang="en-US" dirty="0" smtClean="0"/>
-          </a:p>
-          <a:p>
-            <a:pPr lvl="3"/>
             <a:r>
               <a:rPr lang="en-US" dirty="0" err="1" smtClean="0"/>
               <a:t>Mapper</a:t>
@@ -6644,74 +7801,81 @@
             <a:endParaRPr lang="en-US" dirty="0" smtClean="0"/>
           </a:p>
           <a:p>
-            <a:pPr lvl="3"/>
+            <a:pPr lvl="2"/>
             <a:r>
               <a:rPr lang="en-US" dirty="0" smtClean="0"/>
               <a:t>Record</a:t>
             </a:r>
           </a:p>
           <a:p>
-            <a:pPr lvl="3"/>
+            <a:pPr lvl="2"/>
             <a:r>
               <a:rPr lang="en-US" dirty="0" smtClean="0"/>
-              <a:t>JPA</a:t>
-            </a:r>
-          </a:p>
-          <a:p>
-            <a:pPr lvl="3"/>
+              <a:t>JPA </a:t>
+            </a:r>
+            <a:r>
+              <a:rPr lang="en-US" dirty="0" err="1" smtClean="0">
+                <a:sym typeface="Wingdings"/>
+              </a:rPr>
+              <a:t></a:t>
+            </a:r>
+            <a:r>
+              <a:rPr lang="en-US" dirty="0" smtClean="0">
+                <a:sym typeface="Wingdings"/>
+              </a:rPr>
+              <a:t> </a:t>
+            </a:r>
+            <a:r>
+              <a:rPr lang="en-US" dirty="0" err="1" smtClean="0">
+                <a:sym typeface="Wingdings"/>
+              </a:rPr>
+              <a:t>Verwendung</a:t>
+            </a:r>
+            <a:r>
+              <a:rPr lang="en-US" dirty="0" smtClean="0">
+                <a:sym typeface="Wingdings"/>
+              </a:rPr>
+              <a:t> von </a:t>
+            </a:r>
+            <a:r>
+              <a:rPr lang="en-US" dirty="0" err="1" smtClean="0">
+                <a:sym typeface="Wingdings"/>
+              </a:rPr>
+              <a:t>ScalaJPA</a:t>
+            </a:r>
+            <a:r>
+              <a:rPr lang="en-US" dirty="0" smtClean="0">
+                <a:sym typeface="Wingdings"/>
+              </a:rPr>
+              <a:t> (JPA Wrapper)</a:t>
+            </a:r>
+            <a:endParaRPr lang="en-US" dirty="0" smtClean="0"/>
+          </a:p>
+          <a:p>
+            <a:pPr lvl="2"/>
             <a:r>
               <a:rPr lang="en-US" dirty="0" err="1" smtClean="0"/>
               <a:t>NoSql</a:t>
             </a:r>
             <a:r>
               <a:rPr lang="en-US" dirty="0" smtClean="0"/>
-              <a:t> </a:t>
+              <a:t> (</a:t>
             </a:r>
             <a:r>
               <a:rPr lang="en-US" dirty="0" err="1" smtClean="0"/>
-              <a:t>Datenbanken</a:t>
-            </a:r>
-            <a:endParaRPr lang="en-US" dirty="0" smtClean="0"/>
-          </a:p>
-          <a:p>
+              <a:t>MongoDB</a:t>
+            </a:r>
             <a:r>
               <a:rPr lang="en-US" dirty="0" smtClean="0"/>
-              <a:t>Was </a:t>
+              <a:t>, </a:t>
             </a:r>
             <a:r>
               <a:rPr lang="en-US" dirty="0" err="1" smtClean="0"/>
-              <a:t>bringt</a:t>
+              <a:t>CouchDB</a:t>
             </a:r>
             <a:r>
               <a:rPr lang="en-US" dirty="0" smtClean="0"/>
-              <a:t> lift out-of-the-box </a:t>
-            </a:r>
-            <a:r>
-              <a:rPr lang="en-US" dirty="0" err="1" smtClean="0"/>
-              <a:t>mit</a:t>
-            </a:r>
-            <a:r>
-              <a:rPr lang="en-US" dirty="0" smtClean="0"/>
-              <a:t>?</a:t>
-            </a:r>
-          </a:p>
-          <a:p>
-            <a:pPr lvl="1"/>
-            <a:r>
-              <a:rPr lang="en-US" dirty="0" err="1" smtClean="0"/>
-              <a:t>Benutzermanagement</a:t>
-            </a:r>
-            <a:r>
-              <a:rPr lang="en-US" dirty="0" smtClean="0"/>
-              <a:t> (</a:t>
-            </a:r>
-            <a:r>
-              <a:rPr lang="en-US" dirty="0" err="1" smtClean="0"/>
-              <a:t>Mapper</a:t>
-            </a:r>
-            <a:r>
-              <a:rPr lang="en-US" dirty="0" smtClean="0"/>
-              <a:t> Only)</a:t>
+              <a:t>)</a:t>
             </a:r>
           </a:p>
         </p:txBody>
@@ -6731,10 +7895,9 @@
           <a:bodyPr/>
           <a:lstStyle/>
           <a:p>
-            <a:fld id="{F9A0053B-578E-5B4F-BD79-9D531AC8F655}" type="datetime1">
-              <a:rPr lang="en-US" smtClean="0"/>
-              <a:pPr/>
-              <a:t>11/28/10</a:t>
+            <a:fld id="{11B7092C-0254-2A48-A873-DDD5F33A1027}" type="datetime1">
+              <a:rPr lang="en-US" smtClean="0"/>
+              <a:t>11/30/10</a:t>
             </a:fld>
             <a:endParaRPr lang="en-US"/>
           </a:p>
@@ -6755,6 +7918,10 @@
           <a:bodyPr/>
           <a:lstStyle/>
           <a:p>
+            <a:r>
+              <a:rPr lang="en-US" smtClean="0"/>
+              <a:t>Raffael Schmid, Hochschule für Technik Zürich</a:t>
+            </a:r>
             <a:endParaRPr lang="en-US"/>
           </a:p>
         </p:txBody>
@@ -6781,30 +7948,6 @@
               <a:t>Lift</a:t>
             </a:r>
             <a:endParaRPr lang="en-US" dirty="0"/>
-          </a:p>
-        </p:txBody>
-      </p:sp>
-      <p:sp>
-        <p:nvSpPr>
-          <p:cNvPr id="7" name="Slide Number Placeholder 6"/>
-          <p:cNvSpPr>
-            <a:spLocks noGrp="1"/>
-          </p:cNvSpPr>
-          <p:nvPr>
-            <p:ph type="sldNum" sz="quarter" idx="12"/>
-          </p:nvPr>
-        </p:nvSpPr>
-        <p:spPr/>
-        <p:txBody>
-          <a:bodyPr/>
-          <a:lstStyle/>
-          <a:p>
-            <a:fld id="{289D5882-BB70-459C-B7E9-5D0040F635BD}" type="slidenum">
-              <a:rPr lang="en-US" smtClean="0"/>
-              <a:pPr/>
-              <a:t>16</a:t>
-            </a:fld>
-            <a:endParaRPr lang="en-US"/>
           </a:p>
         </p:txBody>
       </p:sp>
@@ -6823,7 +7966,7 @@
 </p:sld>
 </file>
 
-<file path=ppt/slides/slide17.xml><?xml version="1.0" encoding="utf-8"?>
+<file path=ppt/slides/slide22.xml><?xml version="1.0" encoding="utf-8"?>
 <p:sld xmlns:a="http://schemas.openxmlformats.org/drawingml/2006/main" xmlns:r="http://schemas.openxmlformats.org/officeDocument/2006/relationships" xmlns:mc="http://schemas.openxmlformats.org/markup-compatibility/2006" xmlns:mv="urn:schemas-microsoft-com:mac:vml" xmlns:p="http://schemas.openxmlformats.org/presentationml/2006/main" mc:Ignorable="mv" mc:PreserveAttributes="mv:*">
   <p:cSld>
     <p:spTree>
@@ -6855,10 +7998,9 @@
           <a:bodyPr/>
           <a:lstStyle/>
           <a:p>
-            <a:fld id="{67D1DE82-2037-5E45-991F-0B80352449AA}" type="datetime1">
-              <a:rPr lang="en-US" smtClean="0"/>
-              <a:pPr/>
-              <a:t>11/28/10</a:t>
+            <a:fld id="{26125E3D-A853-3E48-B141-904EB0550078}" type="datetime1">
+              <a:rPr lang="en-US" smtClean="0"/>
+              <a:t>11/30/10</a:t>
             </a:fld>
             <a:endParaRPr lang="en-US"/>
           </a:p>
@@ -6879,6 +8021,10 @@
           <a:bodyPr/>
           <a:lstStyle/>
           <a:p>
+            <a:r>
+              <a:rPr lang="en-US" smtClean="0"/>
+              <a:t>Raffael Schmid, Hochschule für Technik Zürich</a:t>
+            </a:r>
             <a:endParaRPr lang="en-US"/>
           </a:p>
         </p:txBody>
@@ -6944,7 +8090,7 @@
           <p:nvPr/>
         </p:nvGraphicFramePr>
         <p:xfrm>
-          <a:off x="457200" y="1945640"/>
+          <a:off x="457200" y="1524000"/>
           <a:ext cx="8305800" cy="4495800"/>
         </p:xfrm>
         <a:graphic>
@@ -7152,40 +8298,7 @@
                           <a:ea typeface="+mn-ea"/>
                           <a:cs typeface="+mn-cs"/>
                         </a:rPr>
-                        <a:t>Integration</a:t>
-                      </a:r>
-                      <a:r>
-                        <a:rPr lang="en-US" sz="2400" b="1" kern="1200" baseline="0" dirty="0" smtClean="0">
-                          <a:solidFill>
-                            <a:schemeClr val="tx1"/>
-                          </a:solidFill>
-                          <a:latin typeface="+mn-lt"/>
-                          <a:ea typeface="+mn-ea"/>
-                          <a:cs typeface="+mn-cs"/>
-                        </a:rPr>
-                        <a:t> </a:t>
-                      </a:r>
-                      <a:r>
-                        <a:rPr lang="en-US" sz="2400" b="1" kern="1200" baseline="0" dirty="0" err="1" smtClean="0">
-                          <a:solidFill>
-                            <a:schemeClr val="tx1"/>
-                          </a:solidFill>
-                          <a:latin typeface="+mn-lt"/>
-                          <a:ea typeface="+mn-ea"/>
-                          <a:cs typeface="+mn-cs"/>
-                        </a:rPr>
-                        <a:t>mit</a:t>
-                      </a:r>
-                      <a:r>
-                        <a:rPr lang="en-US" sz="2400" b="1" kern="1200" baseline="0" dirty="0" smtClean="0">
-                          <a:solidFill>
-                            <a:schemeClr val="tx1"/>
-                          </a:solidFill>
-                          <a:latin typeface="+mn-lt"/>
-                          <a:ea typeface="+mn-ea"/>
-                          <a:cs typeface="+mn-cs"/>
-                        </a:rPr>
-                        <a:t> </a:t>
+                        <a:t>Integration </a:t>
                       </a:r>
                       <a:r>
                         <a:rPr lang="en-US" sz="2400" b="1" kern="1200" baseline="0" dirty="0" err="1" smtClean="0">
@@ -7374,14 +8487,14 @@
           <p:nvPr/>
         </p:nvPicPr>
         <p:blipFill>
-          <a:blip r:embed="rId2"/>
+          <a:blip r:embed="rId2" cstate="print"/>
           <a:stretch>
             <a:fillRect/>
           </a:stretch>
         </p:blipFill>
         <p:spPr>
           <a:xfrm>
-            <a:off x="7467600" y="2438400"/>
+            <a:off x="7467600" y="2009306"/>
             <a:ext cx="685800" cy="693254"/>
           </a:xfrm>
           <a:prstGeom prst="rect">
@@ -7398,14 +8511,14 @@
           <p:nvPr/>
         </p:nvPicPr>
         <p:blipFill>
-          <a:blip r:embed="rId3"/>
+          <a:blip r:embed="rId3" cstate="print"/>
           <a:stretch>
             <a:fillRect/>
           </a:stretch>
         </p:blipFill>
         <p:spPr>
           <a:xfrm>
-            <a:off x="5840109" y="2438400"/>
+            <a:off x="5840109" y="2009306"/>
             <a:ext cx="713091" cy="736600"/>
           </a:xfrm>
           <a:prstGeom prst="rect">
@@ -7422,14 +8535,14 @@
           <p:nvPr/>
         </p:nvPicPr>
         <p:blipFill>
-          <a:blip r:embed="rId3"/>
+          <a:blip r:embed="rId3" cstate="print"/>
           <a:stretch>
             <a:fillRect/>
           </a:stretch>
         </p:blipFill>
         <p:spPr>
           <a:xfrm>
-            <a:off x="4215454" y="2438400"/>
+            <a:off x="4215454" y="2009306"/>
             <a:ext cx="713091" cy="736600"/>
           </a:xfrm>
           <a:prstGeom prst="rect">
@@ -7446,14 +8559,14 @@
           <p:nvPr/>
         </p:nvPicPr>
         <p:blipFill>
-          <a:blip r:embed="rId3"/>
+          <a:blip r:embed="rId3" cstate="print"/>
           <a:stretch>
             <a:fillRect/>
           </a:stretch>
         </p:blipFill>
         <p:spPr>
           <a:xfrm>
-            <a:off x="5840109" y="3276600"/>
+            <a:off x="5840109" y="2847506"/>
             <a:ext cx="713091" cy="736600"/>
           </a:xfrm>
           <a:prstGeom prst="rect">
@@ -7470,14 +8583,14 @@
           <p:nvPr/>
         </p:nvPicPr>
         <p:blipFill>
-          <a:blip r:embed="rId2"/>
+          <a:blip r:embed="rId2" cstate="print"/>
           <a:stretch>
             <a:fillRect/>
           </a:stretch>
         </p:blipFill>
         <p:spPr>
           <a:xfrm>
-            <a:off x="4229100" y="3276600"/>
+            <a:off x="4229100" y="2847506"/>
             <a:ext cx="685800" cy="693254"/>
           </a:xfrm>
           <a:prstGeom prst="rect">
@@ -7494,14 +8607,14 @@
           <p:nvPr/>
         </p:nvPicPr>
         <p:blipFill>
-          <a:blip r:embed="rId2"/>
+          <a:blip r:embed="rId2" cstate="print"/>
           <a:stretch>
             <a:fillRect/>
           </a:stretch>
         </p:blipFill>
         <p:spPr>
           <a:xfrm>
-            <a:off x="7467600" y="3276600"/>
+            <a:off x="7467600" y="2847506"/>
             <a:ext cx="685800" cy="693254"/>
           </a:xfrm>
           <a:prstGeom prst="rect">
@@ -7518,14 +8631,14 @@
           <p:nvPr/>
         </p:nvPicPr>
         <p:blipFill>
-          <a:blip r:embed="rId4"/>
+          <a:blip r:embed="rId4" cstate="print"/>
           <a:stretch>
             <a:fillRect/>
           </a:stretch>
         </p:blipFill>
         <p:spPr>
           <a:xfrm>
-            <a:off x="7467600" y="4114800"/>
+            <a:off x="7467600" y="3685706"/>
             <a:ext cx="685800" cy="678264"/>
           </a:xfrm>
           <a:prstGeom prst="rect">
@@ -7542,14 +8655,14 @@
           <p:nvPr/>
         </p:nvPicPr>
         <p:blipFill>
-          <a:blip r:embed="rId2"/>
+          <a:blip r:embed="rId2" cstate="print"/>
           <a:stretch>
             <a:fillRect/>
           </a:stretch>
         </p:blipFill>
         <p:spPr>
           <a:xfrm>
-            <a:off x="4229100" y="4114800"/>
+            <a:off x="4229100" y="3685706"/>
             <a:ext cx="685800" cy="693254"/>
           </a:xfrm>
           <a:prstGeom prst="rect">
@@ -7566,14 +8679,14 @@
           <p:nvPr/>
         </p:nvPicPr>
         <p:blipFill>
-          <a:blip r:embed="rId2"/>
+          <a:blip r:embed="rId2" cstate="print"/>
           <a:stretch>
             <a:fillRect/>
           </a:stretch>
         </p:blipFill>
         <p:spPr>
           <a:xfrm>
-            <a:off x="5867400" y="4114800"/>
+            <a:off x="5867400" y="3685706"/>
             <a:ext cx="685800" cy="693254"/>
           </a:xfrm>
           <a:prstGeom prst="rect">
@@ -7590,14 +8703,14 @@
           <p:nvPr/>
         </p:nvPicPr>
         <p:blipFill>
-          <a:blip r:embed="rId2"/>
+          <a:blip r:embed="rId2" cstate="print"/>
           <a:stretch>
             <a:fillRect/>
           </a:stretch>
         </p:blipFill>
         <p:spPr>
           <a:xfrm>
-            <a:off x="7467600" y="5715000"/>
+            <a:off x="7467600" y="5285906"/>
             <a:ext cx="685800" cy="693254"/>
           </a:xfrm>
           <a:prstGeom prst="rect">
@@ -7614,14 +8727,14 @@
           <p:nvPr/>
         </p:nvPicPr>
         <p:blipFill>
-          <a:blip r:embed="rId4"/>
+          <a:blip r:embed="rId4" cstate="print"/>
           <a:stretch>
             <a:fillRect/>
           </a:stretch>
         </p:blipFill>
         <p:spPr>
           <a:xfrm>
-            <a:off x="7467600" y="4876800"/>
+            <a:off x="7467600" y="4447706"/>
             <a:ext cx="685800" cy="678264"/>
           </a:xfrm>
           <a:prstGeom prst="rect">
@@ -7638,14 +8751,14 @@
           <p:nvPr/>
         </p:nvPicPr>
         <p:blipFill>
-          <a:blip r:embed="rId3"/>
+          <a:blip r:embed="rId3" cstate="print"/>
           <a:stretch>
             <a:fillRect/>
           </a:stretch>
         </p:blipFill>
         <p:spPr>
           <a:xfrm>
-            <a:off x="4215454" y="4876800"/>
+            <a:off x="4215454" y="4447706"/>
             <a:ext cx="713091" cy="736600"/>
           </a:xfrm>
           <a:prstGeom prst="rect">
@@ -7662,14 +8775,14 @@
           <p:nvPr/>
         </p:nvPicPr>
         <p:blipFill>
-          <a:blip r:embed="rId3"/>
+          <a:blip r:embed="rId3" cstate="print"/>
           <a:stretch>
             <a:fillRect/>
           </a:stretch>
         </p:blipFill>
         <p:spPr>
           <a:xfrm>
-            <a:off x="5867400" y="4876800"/>
+            <a:off x="5867400" y="4447706"/>
             <a:ext cx="713091" cy="736600"/>
           </a:xfrm>
           <a:prstGeom prst="rect">
@@ -7686,14 +8799,14 @@
           <p:nvPr/>
         </p:nvPicPr>
         <p:blipFill>
-          <a:blip r:embed="rId3"/>
+          <a:blip r:embed="rId3" cstate="print"/>
           <a:stretch>
             <a:fillRect/>
           </a:stretch>
         </p:blipFill>
         <p:spPr>
           <a:xfrm>
-            <a:off x="5867400" y="5715000"/>
+            <a:off x="5867400" y="5209706"/>
             <a:ext cx="713091" cy="736600"/>
           </a:xfrm>
           <a:prstGeom prst="rect">
@@ -7710,14 +8823,14 @@
           <p:nvPr/>
         </p:nvPicPr>
         <p:blipFill>
-          <a:blip r:embed="rId3"/>
+          <a:blip r:embed="rId3" cstate="print"/>
           <a:stretch>
             <a:fillRect/>
           </a:stretch>
         </p:blipFill>
         <p:spPr>
           <a:xfrm>
-            <a:off x="4215454" y="5638800"/>
+            <a:off x="4215454" y="5209706"/>
             <a:ext cx="713091" cy="736600"/>
           </a:xfrm>
           <a:prstGeom prst="rect">
@@ -7725,30 +8838,6 @@
           </a:prstGeom>
         </p:spPr>
       </p:pic>
-      <p:sp>
-        <p:nvSpPr>
-          <p:cNvPr id="22" name="Slide Number Placeholder 21"/>
-          <p:cNvSpPr>
-            <a:spLocks noGrp="1"/>
-          </p:cNvSpPr>
-          <p:nvPr>
-            <p:ph type="sldNum" sz="quarter" idx="12"/>
-          </p:nvPr>
-        </p:nvSpPr>
-        <p:spPr/>
-        <p:txBody>
-          <a:bodyPr/>
-          <a:lstStyle/>
-          <a:p>
-            <a:fld id="{289D5882-BB70-459C-B7E9-5D0040F635BD}" type="slidenum">
-              <a:rPr lang="en-US" smtClean="0"/>
-              <a:pPr/>
-              <a:t>17</a:t>
-            </a:fld>
-            <a:endParaRPr lang="en-US"/>
-          </a:p>
-        </p:txBody>
-      </p:sp>
     </p:spTree>
   </p:cSld>
   <p:clrMapOvr>
@@ -7764,7 +8853,7 @@
 </p:sld>
 </file>
 
-<file path=ppt/slides/slide18.xml><?xml version="1.0" encoding="utf-8"?>
+<file path=ppt/slides/slide23.xml><?xml version="1.0" encoding="utf-8"?>
 <p:sld xmlns:a="http://schemas.openxmlformats.org/drawingml/2006/main" xmlns:r="http://schemas.openxmlformats.org/officeDocument/2006/relationships" xmlns:mc="http://schemas.openxmlformats.org/markup-compatibility/2006" xmlns:mv="urn:schemas-microsoft-com:mac:vml" xmlns:p="http://schemas.openxmlformats.org/presentationml/2006/main" mc:Ignorable="mv" mc:PreserveAttributes="mv:*">
   <p:cSld>
     <p:spTree>
@@ -7838,10 +8927,9 @@
           <a:bodyPr/>
           <a:lstStyle/>
           <a:p>
-            <a:fld id="{181165F6-401A-DA4A-92FA-E9310D36788C}" type="datetime1">
-              <a:rPr lang="en-US" smtClean="0"/>
-              <a:pPr/>
-              <a:t>11/28/10</a:t>
+            <a:fld id="{68DB63E1-D6C8-764C-ABCB-B0566A982A9C}" type="datetime1">
+              <a:rPr lang="en-US" smtClean="0"/>
+              <a:t>11/30/10</a:t>
             </a:fld>
             <a:endParaRPr lang="en-US"/>
           </a:p>
@@ -7862,6 +8950,10 @@
           <a:bodyPr/>
           <a:lstStyle/>
           <a:p>
+            <a:r>
+              <a:rPr lang="en-US" smtClean="0"/>
+              <a:t>Raffael Schmid, Hochschule für Technik Zürich</a:t>
+            </a:r>
             <a:endParaRPr lang="en-US"/>
           </a:p>
         </p:txBody>
@@ -8199,30 +9291,6 @@
           </a:prstGeom>
         </p:spPr>
       </p:pic>
-      <p:sp>
-        <p:nvSpPr>
-          <p:cNvPr id="21" name="Slide Number Placeholder 20"/>
-          <p:cNvSpPr>
-            <a:spLocks noGrp="1"/>
-          </p:cNvSpPr>
-          <p:nvPr>
-            <p:ph type="sldNum" sz="quarter" idx="12"/>
-          </p:nvPr>
-        </p:nvSpPr>
-        <p:spPr/>
-        <p:txBody>
-          <a:bodyPr/>
-          <a:lstStyle/>
-          <a:p>
-            <a:fld id="{289D5882-BB70-459C-B7E9-5D0040F635BD}" type="slidenum">
-              <a:rPr lang="en-US" smtClean="0"/>
-              <a:pPr/>
-              <a:t>18</a:t>
-            </a:fld>
-            <a:endParaRPr lang="en-US"/>
-          </a:p>
-        </p:txBody>
-      </p:sp>
     </p:spTree>
   </p:cSld>
   <p:clrMapOvr>
@@ -8238,7 +9306,7 @@
 </p:sld>
 </file>
 
-<file path=ppt/slides/slide19.xml><?xml version="1.0" encoding="utf-8"?>
+<file path=ppt/slides/slide24.xml><?xml version="1.0" encoding="utf-8"?>
 <p:sld xmlns:a="http://schemas.openxmlformats.org/drawingml/2006/main" xmlns:r="http://schemas.openxmlformats.org/officeDocument/2006/relationships" xmlns:mc="http://schemas.openxmlformats.org/markup-compatibility/2006" xmlns:mv="urn:schemas-microsoft-com:mac:vml" xmlns:p="http://schemas.openxmlformats.org/presentationml/2006/main" mc:Ignorable="mv" mc:PreserveAttributes="mv:*">
   <p:cSld>
     <p:spTree>
@@ -8257,6 +9325,119 @@
       </p:grpSpPr>
       <p:sp>
         <p:nvSpPr>
+          <p:cNvPr id="8" name="Title 7"/>
+          <p:cNvSpPr>
+            <a:spLocks noGrp="1"/>
+          </p:cNvSpPr>
+          <p:nvPr>
+            <p:ph type="ctrTitle"/>
+          </p:nvPr>
+        </p:nvSpPr>
+        <p:spPr/>
+        <p:txBody>
+          <a:bodyPr/>
+          <a:lstStyle/>
+          <a:p>
+            <a:r>
+              <a:rPr lang="en-US" dirty="0" smtClean="0"/>
+              <a:t>Implementation</a:t>
+            </a:r>
+            <a:endParaRPr lang="en-US" dirty="0"/>
+          </a:p>
+        </p:txBody>
+      </p:sp>
+      <p:sp>
+        <p:nvSpPr>
+          <p:cNvPr id="9" name="Subtitle 8"/>
+          <p:cNvSpPr>
+            <a:spLocks noGrp="1"/>
+          </p:cNvSpPr>
+          <p:nvPr>
+            <p:ph type="subTitle" idx="1"/>
+          </p:nvPr>
+        </p:nvSpPr>
+        <p:spPr/>
+        <p:txBody>
+          <a:bodyPr/>
+          <a:lstStyle/>
+          <a:p>
+            <a:endParaRPr lang="en-US"/>
+          </a:p>
+        </p:txBody>
+      </p:sp>
+      <p:sp>
+        <p:nvSpPr>
+          <p:cNvPr id="4" name="Date Placeholder 3"/>
+          <p:cNvSpPr>
+            <a:spLocks noGrp="1"/>
+          </p:cNvSpPr>
+          <p:nvPr>
+            <p:ph type="dt" sz="half" idx="10"/>
+          </p:nvPr>
+        </p:nvSpPr>
+        <p:spPr/>
+        <p:txBody>
+          <a:bodyPr/>
+          <a:lstStyle/>
+          <a:p>
+            <a:fld id="{3282C0C4-E420-3D43-BB70-E97026A9F916}" type="datetime1">
+              <a:rPr lang="en-US" smtClean="0"/>
+              <a:t>11/30/10</a:t>
+            </a:fld>
+            <a:endParaRPr lang="en-US"/>
+          </a:p>
+        </p:txBody>
+      </p:sp>
+      <p:sp>
+        <p:nvSpPr>
+          <p:cNvPr id="5" name="Footer Placeholder 4"/>
+          <p:cNvSpPr>
+            <a:spLocks noGrp="1"/>
+          </p:cNvSpPr>
+          <p:nvPr>
+            <p:ph type="ftr" sz="quarter" idx="11"/>
+          </p:nvPr>
+        </p:nvSpPr>
+        <p:spPr/>
+        <p:txBody>
+          <a:bodyPr/>
+          <a:lstStyle/>
+          <a:p>
+            <a:r>
+              <a:rPr lang="en-US" smtClean="0"/>
+              <a:t>Raffael Schmid, Hochschule für Technik Zürich</a:t>
+            </a:r>
+            <a:endParaRPr lang="en-US"/>
+          </a:p>
+        </p:txBody>
+      </p:sp>
+    </p:spTree>
+  </p:cSld>
+  <p:clrMapOvr>
+    <a:masterClrMapping/>
+  </p:clrMapOvr>
+</p:sld>
+</file>
+
+<file path=ppt/slides/slide25.xml><?xml version="1.0" encoding="utf-8"?>
+<p:sld xmlns:a="http://schemas.openxmlformats.org/drawingml/2006/main" xmlns:r="http://schemas.openxmlformats.org/officeDocument/2006/relationships" xmlns:mc="http://schemas.openxmlformats.org/markup-compatibility/2006" xmlns:mv="urn:schemas-microsoft-com:mac:vml" xmlns:p="http://schemas.openxmlformats.org/presentationml/2006/main" mc:Ignorable="mv" mc:PreserveAttributes="mv:*">
+  <p:cSld>
+    <p:spTree>
+      <p:nvGrpSpPr>
+        <p:cNvPr id="1" name=""/>
+        <p:cNvGrpSpPr/>
+        <p:nvPr/>
+      </p:nvGrpSpPr>
+      <p:grpSpPr>
+        <a:xfrm>
+          <a:off x="0" y="0"/>
+          <a:ext cx="0" cy="0"/>
+          <a:chOff x="0" y="0"/>
+          <a:chExt cx="0" cy="0"/>
+        </a:xfrm>
+      </p:grpSpPr>
+      <p:sp>
+        <p:nvSpPr>
           <p:cNvPr id="2" name="Title 1"/>
           <p:cNvSpPr>
             <a:spLocks noGrp="1"/>
@@ -8367,10 +9548,9 @@
           <a:bodyPr/>
           <a:lstStyle/>
           <a:p>
-            <a:fld id="{F1CB1C23-76FD-B144-9531-EB50AD7F2F25}" type="datetime1">
-              <a:rPr lang="en-US" smtClean="0"/>
-              <a:pPr/>
-              <a:t>11/28/10</a:t>
+            <a:fld id="{CA52BE69-B77A-314E-A3BF-AC9EF2D58DB9}" type="datetime1">
+              <a:rPr lang="en-US" smtClean="0"/>
+              <a:t>11/30/10</a:t>
             </a:fld>
             <a:endParaRPr lang="en-US"/>
           </a:p>
@@ -8391,6 +9571,10 @@
           <a:bodyPr/>
           <a:lstStyle/>
           <a:p>
+            <a:r>
+              <a:rPr lang="en-US" smtClean="0"/>
+              <a:t>Raffael Schmid, Hochschule für Technik Zürich</a:t>
+            </a:r>
             <a:endParaRPr lang="en-US"/>
           </a:p>
         </p:txBody>
@@ -8512,30 +9696,6 @@
           </a:prstGeom>
         </p:spPr>
       </p:pic>
-      <p:sp>
-        <p:nvSpPr>
-          <p:cNvPr id="10" name="Slide Number Placeholder 9"/>
-          <p:cNvSpPr>
-            <a:spLocks noGrp="1"/>
-          </p:cNvSpPr>
-          <p:nvPr>
-            <p:ph type="sldNum" sz="quarter" idx="12"/>
-          </p:nvPr>
-        </p:nvSpPr>
-        <p:spPr/>
-        <p:txBody>
-          <a:bodyPr/>
-          <a:lstStyle/>
-          <a:p>
-            <a:fld id="{289D5882-BB70-459C-B7E9-5D0040F635BD}" type="slidenum">
-              <a:rPr lang="en-US" smtClean="0"/>
-              <a:pPr/>
-              <a:t>19</a:t>
-            </a:fld>
-            <a:endParaRPr lang="en-US"/>
-          </a:p>
-        </p:txBody>
-      </p:sp>
     </p:spTree>
   </p:cSld>
   <p:clrMapOvr>
@@ -8551,7 +9711,7 @@
 </p:sld>
 </file>
 
-<file path=ppt/slides/slide2.xml><?xml version="1.0" encoding="utf-8"?>
+<file path=ppt/slides/slide26.xml><?xml version="1.0" encoding="utf-8"?>
 <p:sld xmlns:a="http://schemas.openxmlformats.org/drawingml/2006/main" xmlns:r="http://schemas.openxmlformats.org/officeDocument/2006/relationships" xmlns:mc="http://schemas.openxmlformats.org/markup-compatibility/2006" xmlns:mv="urn:schemas-microsoft-com:mac:vml" xmlns:p="http://schemas.openxmlformats.org/presentationml/2006/main" mc:Ignorable="mv" mc:PreserveAttributes="mv:*">
   <p:cSld>
     <p:spTree>
@@ -8585,233 +9745,6 @@
           <a:p>
             <a:r>
               <a:rPr lang="de-CH" dirty="0" smtClean="0"/>
-              <a:t>Inhalt</a:t>
-            </a:r>
-            <a:endParaRPr lang="en-US" dirty="0"/>
-          </a:p>
-        </p:txBody>
-      </p:sp>
-      <p:sp>
-        <p:nvSpPr>
-          <p:cNvPr id="3" name="Content Placeholder 2"/>
-          <p:cNvSpPr>
-            <a:spLocks noGrp="1"/>
-          </p:cNvSpPr>
-          <p:nvPr>
-            <p:ph idx="1"/>
-          </p:nvPr>
-        </p:nvSpPr>
-        <p:spPr/>
-        <p:txBody>
-          <a:bodyPr/>
-          <a:lstStyle/>
-          <a:p>
-            <a:r>
-              <a:rPr lang="de-CH" dirty="0" smtClean="0"/>
-              <a:t>Ablauf der Semesterarbeit</a:t>
-            </a:r>
-            <a:endParaRPr lang="de-CH" dirty="0" smtClean="0"/>
-          </a:p>
-          <a:p>
-            <a:r>
-              <a:rPr lang="de-CH" dirty="0" smtClean="0"/>
-              <a:t>Aufgabenstellung</a:t>
-            </a:r>
-            <a:endParaRPr lang="de-CH" dirty="0" smtClean="0"/>
-          </a:p>
-          <a:p>
-            <a:r>
-              <a:rPr lang="de-CH" dirty="0" smtClean="0"/>
-              <a:t>Design</a:t>
-            </a:r>
-          </a:p>
-          <a:p>
-            <a:pPr lvl="1"/>
-            <a:r>
-              <a:rPr lang="de-CH" dirty="0" smtClean="0"/>
-              <a:t>Use Cases, Rollenkonzept</a:t>
-            </a:r>
-          </a:p>
-          <a:p>
-            <a:pPr lvl="1"/>
-            <a:r>
-              <a:rPr lang="de-CH" dirty="0" smtClean="0"/>
-              <a:t>ERM</a:t>
-            </a:r>
-          </a:p>
-          <a:p>
-            <a:r>
-              <a:rPr lang="de-CH" dirty="0" smtClean="0"/>
-              <a:t>Grundlagen</a:t>
-            </a:r>
-          </a:p>
-          <a:p>
-            <a:r>
-              <a:rPr lang="de-CH" dirty="0" err="1" smtClean="0"/>
-              <a:t>Implementation</a:t>
-            </a:r>
-            <a:r>
-              <a:rPr lang="de-CH" dirty="0" smtClean="0"/>
-              <a:t> des Prototypen</a:t>
-            </a:r>
-          </a:p>
-          <a:p>
-            <a:r>
-              <a:rPr lang="de-CH" dirty="0" smtClean="0"/>
-              <a:t>Fazit</a:t>
-            </a:r>
-          </a:p>
-          <a:p>
-            <a:endParaRPr lang="de-CH" dirty="0" smtClean="0"/>
-          </a:p>
-          <a:p>
-            <a:endParaRPr lang="de-CH" dirty="0" smtClean="0"/>
-          </a:p>
-          <a:p>
-            <a:endParaRPr lang="de-CH" dirty="0" smtClean="0"/>
-          </a:p>
-          <a:p>
-            <a:endParaRPr lang="de-CH" dirty="0" smtClean="0"/>
-          </a:p>
-        </p:txBody>
-      </p:sp>
-      <p:sp>
-        <p:nvSpPr>
-          <p:cNvPr id="4" name="Text Placeholder 3"/>
-          <p:cNvSpPr>
-            <a:spLocks noGrp="1"/>
-          </p:cNvSpPr>
-          <p:nvPr>
-            <p:ph type="body" sz="quarter" idx="13"/>
-          </p:nvPr>
-        </p:nvSpPr>
-        <p:spPr/>
-        <p:txBody>
-          <a:bodyPr>
-            <a:normAutofit fontScale="92500" lnSpcReduction="20000"/>
-          </a:bodyPr>
-          <a:lstStyle/>
-          <a:p>
-            <a:endParaRPr lang="en-US"/>
-          </a:p>
-        </p:txBody>
-      </p:sp>
-      <p:sp>
-        <p:nvSpPr>
-          <p:cNvPr id="5" name="Date Placeholder 4"/>
-          <p:cNvSpPr>
-            <a:spLocks noGrp="1"/>
-          </p:cNvSpPr>
-          <p:nvPr>
-            <p:ph type="dt" sz="half" idx="10"/>
-          </p:nvPr>
-        </p:nvSpPr>
-        <p:spPr/>
-        <p:txBody>
-          <a:bodyPr/>
-          <a:lstStyle/>
-          <a:p>
-            <a:fld id="{58617703-D242-6140-A3EE-5D0C211A6440}" type="datetime1">
-              <a:rPr lang="en-US" smtClean="0"/>
-              <a:pPr/>
-              <a:t>11/28/10</a:t>
-            </a:fld>
-            <a:endParaRPr lang="en-US"/>
-          </a:p>
-        </p:txBody>
-      </p:sp>
-      <p:sp>
-        <p:nvSpPr>
-          <p:cNvPr id="6" name="Footer Placeholder 5"/>
-          <p:cNvSpPr>
-            <a:spLocks noGrp="1"/>
-          </p:cNvSpPr>
-          <p:nvPr>
-            <p:ph type="ftr" sz="quarter" idx="11"/>
-          </p:nvPr>
-        </p:nvSpPr>
-        <p:spPr/>
-        <p:txBody>
-          <a:bodyPr/>
-          <a:lstStyle/>
-          <a:p>
-            <a:endParaRPr lang="en-US"/>
-          </a:p>
-        </p:txBody>
-      </p:sp>
-      <p:sp>
-        <p:nvSpPr>
-          <p:cNvPr id="7" name="Slide Number Placeholder 6"/>
-          <p:cNvSpPr>
-            <a:spLocks noGrp="1"/>
-          </p:cNvSpPr>
-          <p:nvPr>
-            <p:ph type="sldNum" sz="quarter" idx="12"/>
-          </p:nvPr>
-        </p:nvSpPr>
-        <p:spPr/>
-        <p:txBody>
-          <a:bodyPr/>
-          <a:lstStyle/>
-          <a:p>
-            <a:fld id="{289D5882-BB70-459C-B7E9-5D0040F635BD}" type="slidenum">
-              <a:rPr lang="en-US" smtClean="0"/>
-              <a:pPr/>
-              <a:t>2</a:t>
-            </a:fld>
-            <a:endParaRPr lang="en-US"/>
-          </a:p>
-        </p:txBody>
-      </p:sp>
-    </p:spTree>
-  </p:cSld>
-  <p:clrMapOvr>
-    <a:masterClrMapping/>
-  </p:clrMapOvr>
-  <p:timing>
-    <p:tnLst>
-      <p:par>
-        <p:cTn id="1" dur="indefinite" restart="never" nodeType="tmRoot"/>
-      </p:par>
-    </p:tnLst>
-  </p:timing>
-</p:sld>
-</file>
-
-<file path=ppt/slides/slide20.xml><?xml version="1.0" encoding="utf-8"?>
-<p:sld xmlns:a="http://schemas.openxmlformats.org/drawingml/2006/main" xmlns:r="http://schemas.openxmlformats.org/officeDocument/2006/relationships" xmlns:mc="http://schemas.openxmlformats.org/markup-compatibility/2006" xmlns:mv="urn:schemas-microsoft-com:mac:vml" xmlns:p="http://schemas.openxmlformats.org/presentationml/2006/main" mc:Ignorable="mv" mc:PreserveAttributes="mv:*">
-  <p:cSld>
-    <p:spTree>
-      <p:nvGrpSpPr>
-        <p:cNvPr id="1" name=""/>
-        <p:cNvGrpSpPr/>
-        <p:nvPr/>
-      </p:nvGrpSpPr>
-      <p:grpSpPr>
-        <a:xfrm>
-          <a:off x="0" y="0"/>
-          <a:ext cx="0" cy="0"/>
-          <a:chOff x="0" y="0"/>
-          <a:chExt cx="0" cy="0"/>
-        </a:xfrm>
-      </p:grpSpPr>
-      <p:sp>
-        <p:nvSpPr>
-          <p:cNvPr id="2" name="Title 1"/>
-          <p:cNvSpPr>
-            <a:spLocks noGrp="1"/>
-          </p:cNvSpPr>
-          <p:nvPr>
-            <p:ph type="title"/>
-          </p:nvPr>
-        </p:nvSpPr>
-        <p:spPr/>
-        <p:txBody>
-          <a:bodyPr/>
-          <a:lstStyle/>
-          <a:p>
-            <a:r>
-              <a:rPr lang="de-CH" dirty="0" smtClean="0"/>
               <a:t>Implementation</a:t>
             </a:r>
             <a:endParaRPr lang="en-US" dirty="0"/>
@@ -8843,7 +9776,7 @@
             </a:r>
             <a:r>
               <a:rPr lang="en-US" dirty="0" err="1" smtClean="0"/>
-              <a:t>Kopplung</a:t>
+              <a:t>Kopplungzwischen</a:t>
             </a:r>
             <a:r>
               <a:rPr lang="en-US" dirty="0" smtClean="0"/>
@@ -8851,15 +9784,43 @@
             </a:r>
             <a:r>
               <a:rPr lang="en-US" dirty="0" err="1" smtClean="0"/>
-              <a:t>zwischen</a:t>
+              <a:t>Komponenten</a:t>
             </a:r>
             <a:r>
               <a:rPr lang="en-US" dirty="0" smtClean="0"/>
-              <a:t> </a:t>
-            </a:r>
-            <a:r>
-              <a:rPr lang="en-US" dirty="0" err="1" smtClean="0"/>
-              <a:t>Komponenten</a:t>
+              <a:t/>
+            </a:r>
+            <a:br>
+              <a:rPr lang="en-US" dirty="0" smtClean="0"/>
+            </a:br>
+            <a:r>
+              <a:rPr lang="en-US" dirty="0" err="1" smtClean="0">
+                <a:sym typeface="Wingdings"/>
+              </a:rPr>
+              <a:t>Testbarkeit</a:t>
+            </a:r>
+            <a:r>
+              <a:rPr lang="en-US" dirty="0" smtClean="0">
+                <a:sym typeface="Wingdings"/>
+              </a:rPr>
+              <a:t/>
+            </a:r>
+            <a:br>
+              <a:rPr lang="en-US" dirty="0" smtClean="0">
+                <a:sym typeface="Wingdings"/>
+              </a:rPr>
+            </a:br>
+            <a:r>
+              <a:rPr lang="en-US" dirty="0" err="1" smtClean="0">
+                <a:sym typeface="Wingdings"/>
+              </a:rPr>
+              <a:t>Flexibilität</a:t>
+            </a:r>
+            <a:r>
+              <a:rPr lang="en-US" dirty="0" smtClean="0">
+                <a:sym typeface="Wingdings"/>
+              </a:rPr>
+              <a:t> (Environment, etc.)</a:t>
             </a:r>
             <a:endParaRPr lang="en-US" dirty="0" smtClean="0"/>
           </a:p>
@@ -8907,10 +9868,9 @@
           <a:bodyPr/>
           <a:lstStyle/>
           <a:p>
-            <a:fld id="{3AB64A16-BF70-6447-9F7E-182629196491}" type="datetime1">
-              <a:rPr lang="en-US" smtClean="0"/>
-              <a:pPr/>
-              <a:t>11/28/10</a:t>
+            <a:fld id="{09C9D749-408E-C946-8128-711719B35F7E}" type="datetime1">
+              <a:rPr lang="en-US" smtClean="0"/>
+              <a:t>11/30/10</a:t>
             </a:fld>
             <a:endParaRPr lang="en-US"/>
           </a:p>
@@ -8931,6 +9891,10 @@
           <a:bodyPr/>
           <a:lstStyle/>
           <a:p>
+            <a:r>
+              <a:rPr lang="en-US" smtClean="0"/>
+              <a:t>Raffael Schmid, Hochschule für Technik Zürich</a:t>
+            </a:r>
             <a:endParaRPr lang="en-US"/>
           </a:p>
         </p:txBody>
@@ -8969,7 +9933,7 @@
           <p:nvPr/>
         </p:nvGraphicFramePr>
         <p:xfrm>
-          <a:off x="762000" y="2819400"/>
+          <a:off x="762000" y="4038600"/>
           <a:ext cx="7620000" cy="1859279"/>
         </p:xfrm>
         <a:graphic>
@@ -9143,30 +10107,6 @@
           </a:graphicData>
         </a:graphic>
       </p:graphicFrame>
-      <p:sp>
-        <p:nvSpPr>
-          <p:cNvPr id="8" name="Slide Number Placeholder 7"/>
-          <p:cNvSpPr>
-            <a:spLocks noGrp="1"/>
-          </p:cNvSpPr>
-          <p:nvPr>
-            <p:ph type="sldNum" sz="quarter" idx="12"/>
-          </p:nvPr>
-        </p:nvSpPr>
-        <p:spPr/>
-        <p:txBody>
-          <a:bodyPr/>
-          <a:lstStyle/>
-          <a:p>
-            <a:fld id="{289D5882-BB70-459C-B7E9-5D0040F635BD}" type="slidenum">
-              <a:rPr lang="en-US" smtClean="0"/>
-              <a:pPr/>
-              <a:t>20</a:t>
-            </a:fld>
-            <a:endParaRPr lang="en-US"/>
-          </a:p>
-        </p:txBody>
-      </p:sp>
     </p:spTree>
   </p:cSld>
   <p:clrMapOvr>
@@ -9182,7 +10122,7 @@
 </p:sld>
 </file>
 
-<file path=ppt/slides/slide21.xml><?xml version="1.0" encoding="utf-8"?>
+<file path=ppt/slides/slide27.xml><?xml version="1.0" encoding="utf-8"?>
 <p:sld xmlns:a="http://schemas.openxmlformats.org/drawingml/2006/main" xmlns:r="http://schemas.openxmlformats.org/officeDocument/2006/relationships" xmlns:mc="http://schemas.openxmlformats.org/markup-compatibility/2006" xmlns:mv="urn:schemas-microsoft-com:mac:vml" xmlns:p="http://schemas.openxmlformats.org/presentationml/2006/main" mc:Ignorable="mv" mc:PreserveAttributes="mv:*">
   <p:cSld>
     <p:spTree>
@@ -9201,21 +10141,21 @@
       </p:grpSpPr>
       <p:sp>
         <p:nvSpPr>
-          <p:cNvPr id="2" name="Title 1"/>
-          <p:cNvSpPr>
-            <a:spLocks noGrp="1"/>
-          </p:cNvSpPr>
-          <p:nvPr>
-            <p:ph type="title"/>
-          </p:nvPr>
-        </p:nvSpPr>
-        <p:spPr/>
-        <p:txBody>
-          <a:bodyPr/>
-          <a:lstStyle/>
-          <a:p>
-            <a:r>
-              <a:rPr lang="de-CH" dirty="0" smtClean="0"/>
+          <p:cNvPr id="8" name="Title 7"/>
+          <p:cNvSpPr>
+            <a:spLocks noGrp="1"/>
+          </p:cNvSpPr>
+          <p:nvPr>
+            <p:ph type="ctrTitle"/>
+          </p:nvPr>
+        </p:nvSpPr>
+        <p:spPr/>
+        <p:txBody>
+          <a:bodyPr/>
+          <a:lstStyle/>
+          <a:p>
+            <a:r>
+              <a:rPr lang="en-US" dirty="0" err="1" smtClean="0"/>
               <a:t>Fazit</a:t>
             </a:r>
             <a:endParaRPr lang="en-US" dirty="0"/>
@@ -9224,199 +10164,20 @@
       </p:sp>
       <p:sp>
         <p:nvSpPr>
-          <p:cNvPr id="3" name="Content Placeholder 2"/>
-          <p:cNvSpPr>
-            <a:spLocks noGrp="1"/>
-          </p:cNvSpPr>
-          <p:nvPr>
-            <p:ph idx="1"/>
-          </p:nvPr>
-        </p:nvSpPr>
-        <p:spPr/>
-        <p:txBody>
-          <a:bodyPr/>
-          <a:lstStyle/>
-          <a:p>
-            <a:r>
-              <a:rPr lang="en-US" dirty="0" err="1" smtClean="0"/>
-              <a:t>Positiv</a:t>
-            </a:r>
-            <a:endParaRPr lang="en-US" dirty="0" smtClean="0"/>
-          </a:p>
-          <a:p>
-            <a:pPr lvl="1"/>
-            <a:r>
-              <a:rPr lang="en-US" dirty="0" err="1" smtClean="0"/>
-              <a:t>konsistent</a:t>
-            </a:r>
-            <a:r>
-              <a:rPr lang="en-US" dirty="0" smtClean="0"/>
-              <a:t>, </a:t>
-            </a:r>
-            <a:r>
-              <a:rPr lang="en-US" dirty="0" err="1" smtClean="0"/>
-              <a:t>kurz</a:t>
-            </a:r>
-            <a:r>
-              <a:rPr lang="en-US" dirty="0" smtClean="0"/>
-              <a:t>, </a:t>
-            </a:r>
-            <a:r>
-              <a:rPr lang="en-US" dirty="0" err="1" smtClean="0"/>
-              <a:t>prägnant</a:t>
-            </a:r>
-            <a:r>
-              <a:rPr lang="en-US" dirty="0" smtClean="0"/>
-              <a:t> </a:t>
-            </a:r>
-            <a:br>
-              <a:rPr lang="en-US" dirty="0" smtClean="0"/>
-            </a:br>
-            <a:r>
-              <a:rPr lang="en-US" dirty="0" err="1" smtClean="0">
-                <a:sym typeface="Wingdings"/>
-              </a:rPr>
-              <a:t></a:t>
-            </a:r>
-            <a:r>
-              <a:rPr lang="en-US" dirty="0" smtClean="0">
-                <a:sym typeface="Wingdings"/>
-              </a:rPr>
-              <a:t> </a:t>
-            </a:r>
-            <a:r>
-              <a:rPr lang="en-US" dirty="0" err="1" smtClean="0">
-                <a:sym typeface="Wingdings"/>
-              </a:rPr>
-              <a:t>lesbar</a:t>
-            </a:r>
-            <a:r>
-              <a:rPr lang="en-US" dirty="0" smtClean="0">
-                <a:sym typeface="Wingdings"/>
-              </a:rPr>
-              <a:t>, </a:t>
-            </a:r>
-            <a:r>
-              <a:rPr lang="en-US" dirty="0" err="1" smtClean="0">
-                <a:sym typeface="Wingdings"/>
-              </a:rPr>
-              <a:t>weniger</a:t>
-            </a:r>
-            <a:r>
-              <a:rPr lang="en-US" dirty="0" smtClean="0">
-                <a:sym typeface="Wingdings"/>
-              </a:rPr>
-              <a:t> LOC</a:t>
-            </a:r>
-          </a:p>
-          <a:p>
-            <a:r>
-              <a:rPr lang="en-US" dirty="0" err="1" smtClean="0">
-                <a:sym typeface="Wingdings"/>
-              </a:rPr>
-              <a:t>Negativ</a:t>
-            </a:r>
-            <a:endParaRPr lang="en-US" dirty="0" smtClean="0">
-              <a:sym typeface="Wingdings"/>
-            </a:endParaRPr>
-          </a:p>
-          <a:p>
-            <a:pPr lvl="1"/>
-            <a:r>
-              <a:rPr lang="en-US" dirty="0" err="1" smtClean="0">
-                <a:sym typeface="Wingdings"/>
-              </a:rPr>
-              <a:t>Scala</a:t>
-            </a:r>
-            <a:r>
-              <a:rPr lang="en-US" dirty="0" smtClean="0">
-                <a:sym typeface="Wingdings"/>
-              </a:rPr>
-              <a:t> Compiler </a:t>
-            </a:r>
-            <a:r>
-              <a:rPr lang="en-US" dirty="0" err="1" smtClean="0">
-                <a:sym typeface="Wingdings"/>
-              </a:rPr>
-              <a:t>langsam</a:t>
-            </a:r>
-            <a:r>
-              <a:rPr lang="en-US" dirty="0" smtClean="0">
-                <a:sym typeface="Wingdings"/>
-              </a:rPr>
-              <a:t/>
-            </a:r>
-            <a:br>
-              <a:rPr lang="en-US" dirty="0" smtClean="0">
-                <a:sym typeface="Wingdings"/>
-              </a:rPr>
-            </a:br>
-            <a:r>
-              <a:rPr lang="en-US" dirty="0" err="1" smtClean="0">
-                <a:sym typeface="Wingdings"/>
-              </a:rPr>
-              <a:t></a:t>
-            </a:r>
-            <a:r>
-              <a:rPr lang="en-US" dirty="0" err="1" smtClean="0">
-                <a:sym typeface="Wingdings"/>
-              </a:rPr>
-              <a:t>Fast</a:t>
-            </a:r>
-            <a:r>
-              <a:rPr lang="en-US" dirty="0" smtClean="0">
-                <a:sym typeface="Wingdings"/>
-              </a:rPr>
-              <a:t> Compiler </a:t>
-            </a:r>
-            <a:r>
-              <a:rPr lang="en-US" dirty="0" err="1" smtClean="0">
-                <a:sym typeface="Wingdings"/>
-              </a:rPr>
-              <a:t>verwenden</a:t>
-            </a:r>
-            <a:endParaRPr lang="en-US" dirty="0" smtClean="0">
-              <a:sym typeface="Wingdings"/>
-            </a:endParaRPr>
-          </a:p>
-          <a:p>
-            <a:pPr lvl="1"/>
-            <a:r>
-              <a:rPr lang="en-US" dirty="0" err="1" smtClean="0">
-                <a:sym typeface="Wingdings"/>
-              </a:rPr>
-              <a:t>Binäre</a:t>
-            </a:r>
-            <a:r>
-              <a:rPr lang="en-US" dirty="0" smtClean="0">
-                <a:sym typeface="Wingdings"/>
-              </a:rPr>
-              <a:t> </a:t>
-            </a:r>
-            <a:r>
-              <a:rPr lang="en-US" dirty="0" err="1" smtClean="0">
-                <a:sym typeface="Wingdings"/>
-              </a:rPr>
-              <a:t>Compatibilität</a:t>
-            </a:r>
-            <a:endParaRPr lang="en-US" dirty="0" smtClean="0">
-              <a:sym typeface="Wingdings"/>
-            </a:endParaRPr>
-          </a:p>
-          <a:p>
-            <a:pPr lvl="1"/>
-            <a:endParaRPr lang="en-US" dirty="0" smtClean="0"/>
-          </a:p>
-          <a:p>
-            <a:pPr lvl="1"/>
-            <a:endParaRPr lang="en-US" dirty="0" smtClean="0"/>
-          </a:p>
-          <a:p>
-            <a:endParaRPr lang="en-US" dirty="0" smtClean="0"/>
-          </a:p>
-          <a:p>
-            <a:pPr lvl="2"/>
-            <a:endParaRPr lang="en-US" dirty="0"/>
+          <p:cNvPr id="10" name="Subtitle 9"/>
+          <p:cNvSpPr>
+            <a:spLocks noGrp="1"/>
+          </p:cNvSpPr>
+          <p:nvPr>
+            <p:ph type="subTitle" idx="1"/>
+          </p:nvPr>
+        </p:nvSpPr>
+        <p:spPr/>
+        <p:txBody>
+          <a:bodyPr/>
+          <a:lstStyle/>
+          <a:p>
+            <a:endParaRPr lang="en-US"/>
           </a:p>
         </p:txBody>
       </p:sp>
@@ -9435,10 +10196,9 @@
           <a:bodyPr/>
           <a:lstStyle/>
           <a:p>
-            <a:fld id="{E33EAC0A-F62D-D94F-A39F-A2657EDBD157}" type="datetime1">
-              <a:rPr lang="en-US" smtClean="0"/>
-              <a:pPr/>
-              <a:t>11/28/10</a:t>
+            <a:fld id="{57794616-EFEF-C64F-AFAD-A95E479BB03B}" type="datetime1">
+              <a:rPr lang="en-US" smtClean="0"/>
+              <a:t>11/30/10</a:t>
             </a:fld>
             <a:endParaRPr lang="en-US"/>
           </a:p>
@@ -9459,56 +10219,11 @@
           <a:bodyPr/>
           <a:lstStyle/>
           <a:p>
+            <a:r>
+              <a:rPr lang="en-US" smtClean="0"/>
+              <a:t>Raffael Schmid, Hochschule für Technik Zürich</a:t>
+            </a:r>
             <a:endParaRPr lang="en-US"/>
-          </a:p>
-        </p:txBody>
-      </p:sp>
-      <p:sp>
-        <p:nvSpPr>
-          <p:cNvPr id="18" name="Slide Number Placeholder 17"/>
-          <p:cNvSpPr>
-            <a:spLocks noGrp="1"/>
-          </p:cNvSpPr>
-          <p:nvPr>
-            <p:ph type="sldNum" sz="quarter" idx="12"/>
-          </p:nvPr>
-        </p:nvSpPr>
-        <p:spPr/>
-        <p:txBody>
-          <a:bodyPr/>
-          <a:lstStyle/>
-          <a:p>
-            <a:fld id="{289D5882-BB70-459C-B7E9-5D0040F635BD}" type="slidenum">
-              <a:rPr lang="en-US" smtClean="0"/>
-              <a:pPr/>
-              <a:t>21</a:t>
-            </a:fld>
-            <a:endParaRPr lang="en-US"/>
-          </a:p>
-        </p:txBody>
-      </p:sp>
-      <p:sp>
-        <p:nvSpPr>
-          <p:cNvPr id="8" name="Text Placeholder 7"/>
-          <p:cNvSpPr>
-            <a:spLocks noGrp="1"/>
-          </p:cNvSpPr>
-          <p:nvPr>
-            <p:ph type="body" sz="quarter" idx="13"/>
-          </p:nvPr>
-        </p:nvSpPr>
-        <p:spPr/>
-        <p:txBody>
-          <a:bodyPr>
-            <a:normAutofit fontScale="92500" lnSpcReduction="20000"/>
-          </a:bodyPr>
-          <a:lstStyle/>
-          <a:p>
-            <a:r>
-              <a:rPr lang="en-US" dirty="0" err="1" smtClean="0"/>
-              <a:t>Scala</a:t>
-            </a:r>
-            <a:endParaRPr lang="en-US" dirty="0"/>
           </a:p>
         </p:txBody>
       </p:sp>
@@ -9517,17 +10232,10 @@
   <p:clrMapOvr>
     <a:masterClrMapping/>
   </p:clrMapOvr>
-  <p:timing>
-    <p:tnLst>
-      <p:par>
-        <p:cTn id="1" dur="indefinite" restart="never" nodeType="tmRoot"/>
-      </p:par>
-    </p:tnLst>
-  </p:timing>
 </p:sld>
 </file>
 
-<file path=ppt/slides/slide22.xml><?xml version="1.0" encoding="utf-8"?>
+<file path=ppt/slides/slide28.xml><?xml version="1.0" encoding="utf-8"?>
 <p:sld xmlns:a="http://schemas.openxmlformats.org/drawingml/2006/main" xmlns:r="http://schemas.openxmlformats.org/officeDocument/2006/relationships" xmlns:mc="http://schemas.openxmlformats.org/markup-compatibility/2006" xmlns:mv="urn:schemas-microsoft-com:mac:vml" xmlns:p="http://schemas.openxmlformats.org/presentationml/2006/main" mc:Ignorable="mv" mc:PreserveAttributes="mv:*">
   <p:cSld>
     <p:spTree>
@@ -9569,170 +10277,6 @@
       </p:sp>
       <p:sp>
         <p:nvSpPr>
-          <p:cNvPr id="3" name="Content Placeholder 2"/>
-          <p:cNvSpPr>
-            <a:spLocks noGrp="1"/>
-          </p:cNvSpPr>
-          <p:nvPr>
-            <p:ph idx="1"/>
-          </p:nvPr>
-        </p:nvSpPr>
-        <p:spPr/>
-        <p:txBody>
-          <a:bodyPr/>
-          <a:lstStyle/>
-          <a:p>
-            <a:r>
-              <a:rPr lang="en-US" dirty="0" err="1" smtClean="0"/>
-              <a:t>Positiv</a:t>
-            </a:r>
-            <a:endParaRPr lang="en-US" dirty="0" smtClean="0"/>
-          </a:p>
-          <a:p>
-            <a:pPr lvl="1"/>
-            <a:r>
-              <a:rPr lang="en-US" dirty="0" err="1" smtClean="0"/>
-              <a:t>innovativ</a:t>
-            </a:r>
-            <a:endParaRPr lang="en-US" dirty="0" smtClean="0"/>
-          </a:p>
-          <a:p>
-            <a:pPr lvl="1"/>
-            <a:r>
-              <a:rPr lang="en-US" dirty="0" err="1" smtClean="0">
-                <a:sym typeface="Wingdings"/>
-              </a:rPr>
-              <a:t>basiert</a:t>
-            </a:r>
-            <a:r>
-              <a:rPr lang="en-US" dirty="0" smtClean="0">
-                <a:sym typeface="Wingdings"/>
-              </a:rPr>
-              <a:t> auf </a:t>
-            </a:r>
-            <a:r>
-              <a:rPr lang="en-US" dirty="0" err="1" smtClean="0">
-                <a:sym typeface="Wingdings"/>
-              </a:rPr>
-              <a:t>Scala</a:t>
-            </a:r>
-            <a:endParaRPr lang="en-US" dirty="0" smtClean="0">
-              <a:sym typeface="Wingdings"/>
-            </a:endParaRPr>
-          </a:p>
-          <a:p>
-            <a:r>
-              <a:rPr lang="en-US" dirty="0" err="1" smtClean="0">
-                <a:sym typeface="Wingdings"/>
-              </a:rPr>
-              <a:t>Negativ</a:t>
-            </a:r>
-            <a:endParaRPr lang="en-US" dirty="0" smtClean="0">
-              <a:sym typeface="Wingdings"/>
-            </a:endParaRPr>
-          </a:p>
-          <a:p>
-            <a:pPr lvl="1"/>
-            <a:r>
-              <a:rPr lang="en-US" dirty="0" err="1" smtClean="0"/>
-              <a:t>nicht</a:t>
-            </a:r>
-            <a:r>
-              <a:rPr lang="en-US" dirty="0" smtClean="0"/>
-              <a:t> </a:t>
-            </a:r>
-            <a:r>
-              <a:rPr lang="en-US" dirty="0" err="1" smtClean="0"/>
-              <a:t>konkurrenzfähig</a:t>
-            </a:r>
-            <a:r>
-              <a:rPr lang="en-US" dirty="0" smtClean="0"/>
-              <a:t> </a:t>
-            </a:r>
-            <a:r>
-              <a:rPr lang="en-US" dirty="0" err="1" smtClean="0"/>
-              <a:t>mit</a:t>
-            </a:r>
-            <a:r>
-              <a:rPr lang="en-US" dirty="0" smtClean="0"/>
-              <a:t> </a:t>
-            </a:r>
-            <a:r>
-              <a:rPr lang="en-US" dirty="0" err="1" smtClean="0"/>
-              <a:t>anderen</a:t>
-            </a:r>
-            <a:r>
-              <a:rPr lang="en-US" dirty="0" smtClean="0"/>
-              <a:t> Frameworks</a:t>
-            </a:r>
-          </a:p>
-          <a:p>
-            <a:pPr lvl="2"/>
-            <a:r>
-              <a:rPr lang="en-US" dirty="0" err="1" smtClean="0"/>
-              <a:t>kein</a:t>
-            </a:r>
-            <a:r>
-              <a:rPr lang="en-US" dirty="0" smtClean="0"/>
-              <a:t> </a:t>
-            </a:r>
-            <a:r>
-              <a:rPr lang="en-US" dirty="0" err="1" smtClean="0"/>
-              <a:t>Plugin-Konzept</a:t>
-            </a:r>
-            <a:endParaRPr lang="en-US" dirty="0" smtClean="0"/>
-          </a:p>
-          <a:p>
-            <a:pPr lvl="2"/>
-            <a:r>
-              <a:rPr lang="en-US" dirty="0" err="1" smtClean="0"/>
-              <a:t>Persistenz</a:t>
-            </a:r>
-            <a:r>
-              <a:rPr lang="en-US" dirty="0" smtClean="0"/>
-              <a:t>-Adapter </a:t>
-            </a:r>
-            <a:r>
-              <a:rPr lang="en-US" dirty="0" err="1" smtClean="0"/>
-              <a:t>mager</a:t>
-            </a:r>
-            <a:endParaRPr lang="en-US" dirty="0" smtClean="0"/>
-          </a:p>
-          <a:p>
-            <a:pPr lvl="2"/>
-            <a:r>
-              <a:rPr lang="en-US" dirty="0" err="1" smtClean="0"/>
-              <a:t>wenig</a:t>
-            </a:r>
-            <a:r>
-              <a:rPr lang="en-US" dirty="0" smtClean="0"/>
-              <a:t> </a:t>
-            </a:r>
-            <a:r>
-              <a:rPr lang="en-US" dirty="0" err="1" smtClean="0"/>
-              <a:t>Konventionen</a:t>
-            </a:r>
-            <a:endParaRPr lang="en-US" dirty="0" smtClean="0"/>
-          </a:p>
-          <a:p>
-            <a:pPr lvl="2"/>
-            <a:endParaRPr lang="en-US" dirty="0" smtClean="0"/>
-          </a:p>
-          <a:p>
-            <a:pPr lvl="1"/>
-            <a:endParaRPr lang="en-US" dirty="0" smtClean="0"/>
-          </a:p>
-          <a:p>
-            <a:endParaRPr lang="en-US" dirty="0" smtClean="0"/>
-          </a:p>
-          <a:p>
-            <a:pPr lvl="2"/>
-            <a:endParaRPr lang="en-US" dirty="0"/>
-          </a:p>
-        </p:txBody>
-      </p:sp>
-      <p:sp>
-        <p:nvSpPr>
           <p:cNvPr id="4" name="Date Placeholder 3"/>
           <p:cNvSpPr>
             <a:spLocks noGrp="1"/>
@@ -9746,10 +10290,9 @@
           <a:bodyPr/>
           <a:lstStyle/>
           <a:p>
-            <a:fld id="{E33EAC0A-F62D-D94F-A39F-A2657EDBD157}" type="datetime1">
-              <a:rPr lang="en-US" smtClean="0"/>
-              <a:pPr/>
-              <a:t>11/28/10</a:t>
+            <a:fld id="{DE9A3CD0-9D4E-4F43-9034-AFC7111435D3}" type="datetime1">
+              <a:rPr lang="en-US" smtClean="0"/>
+              <a:t>11/30/10</a:t>
             </a:fld>
             <a:endParaRPr lang="en-US"/>
           </a:p>
@@ -9770,30 +10313,10 @@
           <a:bodyPr/>
           <a:lstStyle/>
           <a:p>
-            <a:endParaRPr lang="en-US"/>
-          </a:p>
-        </p:txBody>
-      </p:sp>
-      <p:sp>
-        <p:nvSpPr>
-          <p:cNvPr id="18" name="Slide Number Placeholder 17"/>
-          <p:cNvSpPr>
-            <a:spLocks noGrp="1"/>
-          </p:cNvSpPr>
-          <p:nvPr>
-            <p:ph type="sldNum" sz="quarter" idx="12"/>
-          </p:nvPr>
-        </p:nvSpPr>
-        <p:spPr/>
-        <p:txBody>
-          <a:bodyPr/>
-          <a:lstStyle/>
-          <a:p>
-            <a:fld id="{289D5882-BB70-459C-B7E9-5D0040F635BD}" type="slidenum">
-              <a:rPr lang="en-US" smtClean="0"/>
-              <a:pPr/>
-              <a:t>22</a:t>
-            </a:fld>
+            <a:r>
+              <a:rPr lang="en-US" smtClean="0"/>
+              <a:t>Raffael Schmid, Hochschule für Technik Zürich</a:t>
+            </a:r>
             <a:endParaRPr lang="en-US"/>
           </a:p>
         </p:txBody>
@@ -9816,8 +10339,292 @@
           <a:lstStyle/>
           <a:p>
             <a:r>
+              <a:rPr lang="en-US" smtClean="0"/>
+              <a:t>Technologien - Scala</a:t>
+            </a:r>
+            <a:endParaRPr lang="en-US" dirty="0"/>
+          </a:p>
+        </p:txBody>
+      </p:sp>
+      <p:graphicFrame>
+        <p:nvGraphicFramePr>
+          <p:cNvPr id="17" name="Table 16"/>
+          <p:cNvGraphicFramePr>
+            <a:graphicFrameLocks noGrp="1"/>
+          </p:cNvGraphicFramePr>
+          <p:nvPr/>
+        </p:nvGraphicFramePr>
+        <p:xfrm>
+          <a:off x="457200" y="2026921"/>
+          <a:ext cx="8153400" cy="2103119"/>
+        </p:xfrm>
+        <a:graphic>
+          <a:graphicData uri="http://schemas.openxmlformats.org/drawingml/2006/table">
+            <a:tbl>
+              <a:tblPr firstRow="1" bandRow="1">
+                <a:tableStyleId>{5940675A-B579-460E-94D1-54222C63F5DA}</a:tableStyleId>
+              </a:tblPr>
+              <a:tblGrid>
+                <a:gridCol w="1447800"/>
+                <a:gridCol w="6705600"/>
+              </a:tblGrid>
+              <a:tr h="370840">
+                <a:tc>
+                  <a:txBody>
+                    <a:bodyPr/>
+                    <a:lstStyle/>
+                    <a:p>
+                      <a:r>
+                        <a:rPr lang="en-US" dirty="0" err="1" smtClean="0"/>
+                        <a:t>Positiv</a:t>
+                      </a:r>
+                      <a:endParaRPr lang="en-US" dirty="0"/>
+                    </a:p>
+                  </a:txBody>
+                  <a:tcPr/>
+                </a:tc>
+                <a:tc>
+                  <a:txBody>
+                    <a:bodyPr/>
+                    <a:lstStyle/>
+                    <a:p>
+                      <a:pPr>
+                        <a:buFont typeface="Arial"/>
+                        <a:buChar char="•"/>
+                      </a:pPr>
+                      <a:r>
+                        <a:rPr lang="en-US" dirty="0" smtClean="0"/>
+                        <a:t>Community Support</a:t>
+                      </a:r>
+                    </a:p>
+                    <a:p>
+                      <a:pPr>
+                        <a:buFont typeface="Arial"/>
+                        <a:buChar char="•"/>
+                      </a:pPr>
+                      <a:r>
+                        <a:rPr lang="en-US" dirty="0" err="1" smtClean="0"/>
+                        <a:t>konsistent</a:t>
+                      </a:r>
+                      <a:endParaRPr lang="en-US" dirty="0" smtClean="0"/>
+                    </a:p>
+                    <a:p>
+                      <a:pPr>
+                        <a:buFont typeface="Arial"/>
+                        <a:buChar char="•"/>
+                      </a:pPr>
+                      <a:r>
+                        <a:rPr lang="en-US" dirty="0" err="1" smtClean="0"/>
+                        <a:t>kurz</a:t>
+                      </a:r>
+                      <a:r>
+                        <a:rPr lang="en-US" baseline="0" dirty="0" smtClean="0"/>
+                        <a:t> und </a:t>
+                      </a:r>
+                      <a:r>
+                        <a:rPr lang="en-US" baseline="0" dirty="0" err="1" smtClean="0"/>
+                        <a:t>prägnant</a:t>
+                      </a:r>
+                      <a:endParaRPr lang="en-US" baseline="0" dirty="0" smtClean="0"/>
+                    </a:p>
+                    <a:p>
+                      <a:pPr>
+                        <a:buFont typeface="Arial"/>
+                        <a:buChar char="•"/>
+                      </a:pPr>
+                      <a:r>
+                        <a:rPr lang="en-US" baseline="0" dirty="0" err="1" smtClean="0"/>
+                        <a:t>effektiv</a:t>
+                      </a:r>
+                      <a:r>
+                        <a:rPr lang="en-US" baseline="0" dirty="0" smtClean="0"/>
+                        <a:t>, </a:t>
+                      </a:r>
+                      <a:r>
+                        <a:rPr lang="en-US" baseline="0" dirty="0" err="1" smtClean="0"/>
+                        <a:t>da</a:t>
+                      </a:r>
+                      <a:r>
+                        <a:rPr lang="en-US" baseline="0" dirty="0" smtClean="0"/>
+                        <a:t> </a:t>
+                      </a:r>
+                      <a:r>
+                        <a:rPr lang="en-US" baseline="0" dirty="0" err="1" smtClean="0"/>
+                        <a:t>wenige</a:t>
+                      </a:r>
+                      <a:r>
+                        <a:rPr lang="en-US" baseline="0" dirty="0" smtClean="0"/>
+                        <a:t> LOC</a:t>
+                      </a:r>
+                    </a:p>
+                  </a:txBody>
+                  <a:tcPr/>
+                </a:tc>
+              </a:tr>
+              <a:tr h="370840">
+                <a:tc>
+                  <a:txBody>
+                    <a:bodyPr/>
+                    <a:lstStyle/>
+                    <a:p>
+                      <a:r>
+                        <a:rPr lang="en-US" dirty="0" err="1" smtClean="0"/>
+                        <a:t>Negativ</a:t>
+                      </a:r>
+                      <a:endParaRPr lang="en-US" dirty="0"/>
+                    </a:p>
+                  </a:txBody>
+                  <a:tcPr/>
+                </a:tc>
+                <a:tc>
+                  <a:txBody>
+                    <a:bodyPr/>
+                    <a:lstStyle/>
+                    <a:p>
+                      <a:pPr>
+                        <a:buFont typeface="Arial"/>
+                        <a:buChar char="•"/>
+                      </a:pPr>
+                      <a:r>
+                        <a:rPr lang="en-US" baseline="0" dirty="0" smtClean="0"/>
+                        <a:t>Complicated</a:t>
+                      </a:r>
+                    </a:p>
+                    <a:p>
+                      <a:pPr>
+                        <a:buFont typeface="Arial"/>
+                        <a:buChar char="•"/>
+                      </a:pPr>
+                      <a:r>
+                        <a:rPr lang="en-US" baseline="0" dirty="0" err="1" smtClean="0"/>
+                        <a:t>Scala</a:t>
+                      </a:r>
+                      <a:r>
+                        <a:rPr lang="en-US" baseline="0" dirty="0" smtClean="0"/>
+                        <a:t> Compiler </a:t>
+                      </a:r>
+                      <a:r>
+                        <a:rPr lang="en-US" baseline="0" dirty="0" err="1" smtClean="0"/>
+                        <a:t>langsam</a:t>
+                      </a:r>
+                      <a:endParaRPr lang="en-US" baseline="0" dirty="0" smtClean="0"/>
+                    </a:p>
+                    <a:p>
+                      <a:pPr>
+                        <a:buFont typeface="Arial"/>
+                        <a:buChar char="•"/>
+                      </a:pPr>
+                      <a:r>
+                        <a:rPr lang="en-US" baseline="0" dirty="0" err="1" smtClean="0"/>
+                        <a:t>Schnelle</a:t>
+                      </a:r>
+                      <a:r>
+                        <a:rPr lang="en-US" baseline="0" dirty="0" smtClean="0"/>
+                        <a:t> </a:t>
+                      </a:r>
+                      <a:r>
+                        <a:rPr lang="en-US" baseline="0" dirty="0" err="1" smtClean="0"/>
+                        <a:t>Entwicklungszyklen</a:t>
+                      </a:r>
+                      <a:r>
+                        <a:rPr lang="en-US" baseline="0" dirty="0" smtClean="0"/>
+                        <a:t> </a:t>
+                      </a:r>
+                      <a:r>
+                        <a:rPr lang="en-US" baseline="0" dirty="0" err="1" smtClean="0">
+                          <a:sym typeface="Wingdings"/>
+                        </a:rPr>
+                        <a:t>Inkompatibilitäten</a:t>
+                      </a:r>
+                      <a:endParaRPr lang="en-US" baseline="0" dirty="0" smtClean="0"/>
+                    </a:p>
+                  </a:txBody>
+                  <a:tcPr/>
+                </a:tc>
+              </a:tr>
+            </a:tbl>
+          </a:graphicData>
+        </a:graphic>
+      </p:graphicFrame>
+      <p:sp>
+        <p:nvSpPr>
+          <p:cNvPr id="19" name="TextBox 18"/>
+          <p:cNvSpPr txBox="1"/>
+          <p:nvPr/>
+        </p:nvSpPr>
+        <p:spPr>
+          <a:xfrm>
+            <a:off x="457200" y="1524000"/>
+            <a:ext cx="2057400" cy="461665"/>
+          </a:xfrm>
+          <a:prstGeom prst="rect">
+            <a:avLst/>
+          </a:prstGeom>
+          <a:noFill/>
+        </p:spPr>
+        <p:txBody>
+          <a:bodyPr wrap="square" rtlCol="0">
+            <a:spAutoFit/>
+          </a:bodyPr>
+          <a:lstStyle/>
+          <a:p>
+            <a:r>
+              <a:rPr lang="en-US" sz="2400" dirty="0" err="1" smtClean="0"/>
+              <a:t>Scala</a:t>
+            </a:r>
+            <a:endParaRPr lang="en-US" sz="2400" dirty="0"/>
+          </a:p>
+        </p:txBody>
+      </p:sp>
+      <p:sp>
+        <p:nvSpPr>
+          <p:cNvPr id="22" name="TextBox 21"/>
+          <p:cNvSpPr txBox="1"/>
+          <p:nvPr/>
+        </p:nvSpPr>
+        <p:spPr>
+          <a:xfrm>
+            <a:off x="457200" y="4419600"/>
+            <a:ext cx="8153400" cy="1200329"/>
+          </a:xfrm>
+          <a:prstGeom prst="rect">
+            <a:avLst/>
+          </a:prstGeom>
+          <a:noFill/>
+        </p:spPr>
+        <p:txBody>
+          <a:bodyPr wrap="square" rtlCol="0">
+            <a:spAutoFit/>
+          </a:bodyPr>
+          <a:lstStyle/>
+          <a:p>
+            <a:r>
               <a:rPr lang="en-US" dirty="0" smtClean="0"/>
-              <a:t>Lift</a:t>
+              <a:t>“I </a:t>
+            </a:r>
+            <a:r>
+              <a:rPr lang="en-US" dirty="0" smtClean="0"/>
+              <a:t>like </a:t>
+            </a:r>
+            <a:r>
+              <a:rPr lang="en-US" dirty="0" err="1" smtClean="0"/>
+              <a:t>Scala</a:t>
+            </a:r>
+            <a:r>
+              <a:rPr lang="en-US" dirty="0" smtClean="0"/>
+              <a:t>, but my big problem is that the type theory has gotten really complicated. The language lawyers are driving the bus. It’s turning into something that journeyman developers and even people like me. I started getting into the </a:t>
+            </a:r>
+            <a:r>
+              <a:rPr lang="en-US" dirty="0" err="1" smtClean="0"/>
+              <a:t>Scala</a:t>
+            </a:r>
+            <a:r>
+              <a:rPr lang="en-US" dirty="0" smtClean="0"/>
+              <a:t> stuff and my head starts to spin and I go,</a:t>
+            </a:r>
+            <a:r>
+              <a:rPr lang="en-US" dirty="0" smtClean="0"/>
+              <a:t> ‘what?’” (James Gosling)</a:t>
             </a:r>
             <a:endParaRPr lang="en-US" dirty="0"/>
           </a:p>
@@ -9838,7 +10645,7 @@
 </p:sld>
 </file>
 
-<file path=ppt/slides/slide23.xml><?xml version="1.0" encoding="utf-8"?>
+<file path=ppt/slides/slide29.xml><?xml version="1.0" encoding="utf-8"?>
 <p:sld xmlns:a="http://schemas.openxmlformats.org/drawingml/2006/main" xmlns:r="http://schemas.openxmlformats.org/officeDocument/2006/relationships" xmlns:mc="http://schemas.openxmlformats.org/markup-compatibility/2006" xmlns:mv="urn:schemas-microsoft-com:mac:vml" xmlns:p="http://schemas.openxmlformats.org/presentationml/2006/main" mc:Ignorable="mv" mc:PreserveAttributes="mv:*">
   <p:cSld>
     <p:spTree>
@@ -9872,7 +10679,7 @@
           <a:p>
             <a:r>
               <a:rPr lang="de-CH" smtClean="0"/>
-              <a:t>Fragen</a:t>
+              <a:t>Fazit</a:t>
             </a:r>
             <a:endParaRPr lang="en-US" dirty="0"/>
           </a:p>
@@ -9880,25 +10687,6 @@
       </p:sp>
       <p:sp>
         <p:nvSpPr>
-          <p:cNvPr id="3" name="Content Placeholder 2"/>
-          <p:cNvSpPr>
-            <a:spLocks noGrp="1"/>
-          </p:cNvSpPr>
-          <p:nvPr>
-            <p:ph idx="1"/>
-          </p:nvPr>
-        </p:nvSpPr>
-        <p:spPr/>
-        <p:txBody>
-          <a:bodyPr/>
-          <a:lstStyle/>
-          <a:p>
-            <a:endParaRPr lang="en-US" dirty="0"/>
-          </a:p>
-        </p:txBody>
-      </p:sp>
-      <p:sp>
-        <p:nvSpPr>
           <p:cNvPr id="4" name="Date Placeholder 3"/>
           <p:cNvSpPr>
             <a:spLocks noGrp="1"/>
@@ -9912,10 +10700,9 @@
           <a:bodyPr/>
           <a:lstStyle/>
           <a:p>
-            <a:fld id="{02E6F8D1-95EA-6E4C-944F-331B77A62BFD}" type="datetime1">
-              <a:rPr lang="en-US" smtClean="0"/>
-              <a:pPr/>
-              <a:t>11/28/10</a:t>
+            <a:fld id="{588D0046-00D5-0B47-BF41-94042D97D98A}" type="datetime1">
+              <a:rPr lang="en-US" smtClean="0"/>
+              <a:t>11/30/10</a:t>
             </a:fld>
             <a:endParaRPr lang="en-US"/>
           </a:p>
@@ -9936,13 +10723,17 @@
           <a:bodyPr/>
           <a:lstStyle/>
           <a:p>
+            <a:r>
+              <a:rPr lang="en-US" smtClean="0"/>
+              <a:t>Raffael Schmid, Hochschule für Technik Zürich</a:t>
+            </a:r>
             <a:endParaRPr lang="en-US"/>
           </a:p>
         </p:txBody>
       </p:sp>
       <p:sp>
         <p:nvSpPr>
-          <p:cNvPr id="6" name="Text Placeholder 5"/>
+          <p:cNvPr id="15" name="Text Placeholder 14"/>
           <p:cNvSpPr>
             <a:spLocks noGrp="1"/>
           </p:cNvSpPr>
@@ -9957,34 +10748,898 @@
           </a:bodyPr>
           <a:lstStyle/>
           <a:p>
+            <a:r>
+              <a:rPr lang="en-US" dirty="0" err="1" smtClean="0"/>
+              <a:t>Technologien</a:t>
+            </a:r>
+            <a:r>
+              <a:rPr lang="en-US" dirty="0" smtClean="0"/>
+              <a:t> - Lift</a:t>
+            </a:r>
             <a:endParaRPr lang="en-US" dirty="0"/>
           </a:p>
         </p:txBody>
       </p:sp>
       <p:sp>
         <p:nvSpPr>
-          <p:cNvPr id="7" name="Slide Number Placeholder 6"/>
-          <p:cNvSpPr>
-            <a:spLocks noGrp="1"/>
-          </p:cNvSpPr>
-          <p:nvPr>
-            <p:ph type="sldNum" sz="quarter" idx="12"/>
-          </p:nvPr>
-        </p:nvSpPr>
-        <p:spPr/>
-        <p:txBody>
-          <a:bodyPr/>
-          <a:lstStyle/>
-          <a:p>
-            <a:fld id="{289D5882-BB70-459C-B7E9-5D0040F635BD}" type="slidenum">
-              <a:rPr lang="en-US" smtClean="0"/>
-              <a:pPr/>
-              <a:t>23</a:t>
-            </a:fld>
-            <a:endParaRPr lang="en-US"/>
-          </a:p>
-        </p:txBody>
-      </p:sp>
+          <p:cNvPr id="26" name="Text Placeholder 11"/>
+          <p:cNvSpPr txBox="1">
+            <a:spLocks/>
+          </p:cNvSpPr>
+          <p:nvPr/>
+        </p:nvSpPr>
+        <p:spPr>
+          <a:xfrm>
+            <a:off x="457200" y="3638550"/>
+            <a:ext cx="4040188" cy="639762"/>
+          </a:xfrm>
+          <a:prstGeom prst="rect">
+            <a:avLst/>
+          </a:prstGeom>
+        </p:spPr>
+        <p:txBody>
+          <a:bodyPr vert="horz" lIns="91440" tIns="45720" rIns="91440" bIns="45720" rtlCol="0" anchor="b">
+            <a:normAutofit fontScale="92500" lnSpcReduction="20000"/>
+          </a:bodyPr>
+          <a:lstStyle/>
+          <a:p>
+            <a:pPr marL="0" marR="0" lvl="0" indent="0" algn="l" defTabSz="914400" rtl="0" eaLnBrk="1" fontAlgn="auto" latinLnBrk="0" hangingPunct="1">
+              <a:lnSpc>
+                <a:spcPct val="100000"/>
+              </a:lnSpc>
+              <a:spcBef>
+                <a:spcPct val="20000"/>
+              </a:spcBef>
+              <a:spcAft>
+                <a:spcPts val="0"/>
+              </a:spcAft>
+              <a:buClrTx/>
+              <a:buSzTx/>
+              <a:buFont typeface="Arial" pitchFamily="34" charset="0"/>
+              <a:buNone/>
+              <a:tabLst/>
+              <a:defRPr/>
+            </a:pPr>
+            <a:r>
+              <a:rPr kumimoji="0" lang="en-US" sz="2400" b="1" i="0" u="none" strike="noStrike" kern="1200" cap="none" spc="0" normalizeH="0" baseline="0" noProof="0" dirty="0" err="1" smtClean="0">
+                <a:ln>
+                  <a:noFill/>
+                </a:ln>
+                <a:solidFill>
+                  <a:schemeClr val="tx1"/>
+                </a:solidFill>
+                <a:effectLst/>
+                <a:uLnTx/>
+                <a:uFillTx/>
+                <a:latin typeface="+mn-lt"/>
+                <a:ea typeface="+mn-ea"/>
+                <a:cs typeface="+mn-cs"/>
+              </a:rPr>
+              <a:t>Wann</a:t>
+            </a:r>
+            <a:r>
+              <a:rPr kumimoji="0" lang="en-US" sz="2400" b="1" i="0" u="none" strike="noStrike" kern="1200" cap="none" spc="0" normalizeH="0" baseline="0" noProof="0" dirty="0" smtClean="0">
+                <a:ln>
+                  <a:noFill/>
+                </a:ln>
+                <a:solidFill>
+                  <a:schemeClr val="tx1"/>
+                </a:solidFill>
+                <a:effectLst/>
+                <a:uLnTx/>
+                <a:uFillTx/>
+                <a:latin typeface="+mn-lt"/>
+                <a:ea typeface="+mn-ea"/>
+                <a:cs typeface="+mn-cs"/>
+              </a:rPr>
+              <a:t> </a:t>
+            </a:r>
+            <a:r>
+              <a:rPr kumimoji="0" lang="en-US" sz="2400" b="1" i="0" u="none" strike="noStrike" kern="1200" cap="none" spc="0" normalizeH="0" baseline="0" noProof="0" dirty="0" err="1" smtClean="0">
+                <a:ln>
+                  <a:noFill/>
+                </a:ln>
+                <a:solidFill>
+                  <a:schemeClr val="tx1"/>
+                </a:solidFill>
+                <a:effectLst/>
+                <a:uLnTx/>
+                <a:uFillTx/>
+                <a:latin typeface="+mn-lt"/>
+                <a:ea typeface="+mn-ea"/>
+                <a:cs typeface="+mn-cs"/>
+              </a:rPr>
+              <a:t>macht</a:t>
+            </a:r>
+            <a:r>
+              <a:rPr kumimoji="0" lang="en-US" sz="2400" b="1" i="0" u="none" strike="noStrike" kern="1200" cap="none" spc="0" normalizeH="0" baseline="0" noProof="0" dirty="0" smtClean="0">
+                <a:ln>
+                  <a:noFill/>
+                </a:ln>
+                <a:solidFill>
+                  <a:schemeClr val="tx1"/>
+                </a:solidFill>
+                <a:effectLst/>
+                <a:uLnTx/>
+                <a:uFillTx/>
+                <a:latin typeface="+mn-lt"/>
+                <a:ea typeface="+mn-ea"/>
+                <a:cs typeface="+mn-cs"/>
+              </a:rPr>
+              <a:t> die </a:t>
+            </a:r>
+            <a:r>
+              <a:rPr kumimoji="0" lang="en-US" sz="2400" b="1" i="0" u="none" strike="noStrike" kern="1200" cap="none" spc="0" normalizeH="0" baseline="0" noProof="0" dirty="0" err="1" smtClean="0">
+                <a:ln>
+                  <a:noFill/>
+                </a:ln>
+                <a:solidFill>
+                  <a:schemeClr val="tx1"/>
+                </a:solidFill>
+                <a:effectLst/>
+                <a:uLnTx/>
+                <a:uFillTx/>
+                <a:latin typeface="+mn-lt"/>
+                <a:ea typeface="+mn-ea"/>
+                <a:cs typeface="+mn-cs"/>
+              </a:rPr>
+              <a:t>Verwendung</a:t>
+            </a:r>
+            <a:r>
+              <a:rPr kumimoji="0" lang="en-US" sz="2400" b="1" i="0" u="none" strike="noStrike" kern="1200" cap="none" spc="0" normalizeH="0" baseline="0" noProof="0" dirty="0" smtClean="0">
+                <a:ln>
+                  <a:noFill/>
+                </a:ln>
+                <a:solidFill>
+                  <a:schemeClr val="tx1"/>
+                </a:solidFill>
+                <a:effectLst/>
+                <a:uLnTx/>
+                <a:uFillTx/>
+                <a:latin typeface="+mn-lt"/>
+                <a:ea typeface="+mn-ea"/>
+                <a:cs typeface="+mn-cs"/>
+              </a:rPr>
+              <a:t> von Lift Sinn:</a:t>
+            </a:r>
+            <a:endParaRPr kumimoji="0" lang="en-US" sz="2400" b="1" i="0" u="none" strike="noStrike" kern="1200" cap="none" spc="0" normalizeH="0" baseline="0" noProof="0" dirty="0">
+              <a:ln>
+                <a:noFill/>
+              </a:ln>
+              <a:solidFill>
+                <a:schemeClr val="tx1"/>
+              </a:solidFill>
+              <a:effectLst/>
+              <a:uLnTx/>
+              <a:uFillTx/>
+              <a:latin typeface="+mn-lt"/>
+              <a:ea typeface="+mn-ea"/>
+              <a:cs typeface="+mn-cs"/>
+            </a:endParaRPr>
+          </a:p>
+        </p:txBody>
+      </p:sp>
+      <p:sp>
+        <p:nvSpPr>
+          <p:cNvPr id="27" name="Text Placeholder 7"/>
+          <p:cNvSpPr txBox="1">
+            <a:spLocks/>
+          </p:cNvSpPr>
+          <p:nvPr/>
+        </p:nvSpPr>
+        <p:spPr>
+          <a:xfrm>
+            <a:off x="531812" y="4267200"/>
+            <a:ext cx="4040188" cy="2057400"/>
+          </a:xfrm>
+          <a:prstGeom prst="rect">
+            <a:avLst/>
+          </a:prstGeom>
+        </p:spPr>
+        <p:txBody>
+          <a:bodyPr vert="horz" lIns="91440" tIns="45720" rIns="91440" bIns="45720" rtlCol="0">
+            <a:normAutofit lnSpcReduction="10000"/>
+          </a:bodyPr>
+          <a:lstStyle/>
+          <a:p>
+            <a:pPr marL="342900" marR="0" lvl="0" indent="-342900" algn="l" defTabSz="914400" rtl="0" eaLnBrk="1" fontAlgn="auto" latinLnBrk="0" hangingPunct="1">
+              <a:lnSpc>
+                <a:spcPct val="100000"/>
+              </a:lnSpc>
+              <a:spcBef>
+                <a:spcPct val="20000"/>
+              </a:spcBef>
+              <a:spcAft>
+                <a:spcPts val="0"/>
+              </a:spcAft>
+              <a:buClrTx/>
+              <a:buSzTx/>
+              <a:buFont typeface="Arial"/>
+              <a:buChar char="•"/>
+              <a:tabLst/>
+              <a:defRPr/>
+            </a:pPr>
+            <a:r>
+              <a:rPr lang="en-US" sz="2400" dirty="0" err="1" smtClean="0"/>
+              <a:t>Skalierbarkeit</a:t>
+            </a:r>
+            <a:r>
+              <a:rPr lang="en-US" sz="2400" dirty="0" smtClean="0"/>
+              <a:t>:</a:t>
+            </a:r>
+          </a:p>
+          <a:p>
+            <a:pPr marL="800100" lvl="1" indent="-342900">
+              <a:spcBef>
+                <a:spcPct val="20000"/>
+              </a:spcBef>
+              <a:buFont typeface="Arial"/>
+              <a:buChar char="•"/>
+            </a:pPr>
+            <a:r>
+              <a:rPr kumimoji="0" lang="en-US" sz="2400" b="0" i="0" u="none" strike="noStrike" kern="1200" cap="none" spc="0" normalizeH="0" baseline="0" noProof="0" dirty="0" err="1" smtClean="0">
+                <a:ln>
+                  <a:noFill/>
+                </a:ln>
+                <a:solidFill>
+                  <a:schemeClr val="tx1"/>
+                </a:solidFill>
+                <a:effectLst/>
+                <a:uLnTx/>
+                <a:uFillTx/>
+                <a:latin typeface="+mn-lt"/>
+                <a:ea typeface="+mn-ea"/>
+                <a:cs typeface="+mn-cs"/>
+              </a:rPr>
+              <a:t>grosse</a:t>
+            </a:r>
+            <a:r>
+              <a:rPr kumimoji="0" lang="en-US" sz="2400" b="0" i="0" u="none" strike="noStrike" kern="1200" cap="none" spc="0" normalizeH="0" baseline="0" noProof="0" dirty="0" smtClean="0">
+                <a:ln>
+                  <a:noFill/>
+                </a:ln>
+                <a:solidFill>
+                  <a:schemeClr val="tx1"/>
+                </a:solidFill>
+                <a:effectLst/>
+                <a:uLnTx/>
+                <a:uFillTx/>
+                <a:latin typeface="+mn-lt"/>
+                <a:ea typeface="+mn-ea"/>
+                <a:cs typeface="+mn-cs"/>
+              </a:rPr>
+              <a:t> </a:t>
+            </a:r>
+            <a:r>
+              <a:rPr kumimoji="0" lang="en-US" sz="2400" b="0" i="0" u="none" strike="noStrike" kern="1200" cap="none" spc="0" normalizeH="0" baseline="0" noProof="0" dirty="0" err="1" smtClean="0">
+                <a:ln>
+                  <a:noFill/>
+                </a:ln>
+                <a:solidFill>
+                  <a:schemeClr val="tx1"/>
+                </a:solidFill>
+                <a:effectLst/>
+                <a:uLnTx/>
+                <a:uFillTx/>
+                <a:latin typeface="+mn-lt"/>
+                <a:ea typeface="+mn-ea"/>
+                <a:cs typeface="+mn-cs"/>
+              </a:rPr>
+              <a:t>Datenmengen</a:t>
+            </a:r>
+            <a:endParaRPr kumimoji="0" lang="en-US" sz="2400" b="0" i="0" u="none" strike="noStrike" kern="1200" cap="none" spc="0" normalizeH="0" baseline="0" noProof="0" dirty="0" smtClean="0">
+              <a:ln>
+                <a:noFill/>
+              </a:ln>
+              <a:solidFill>
+                <a:schemeClr val="tx1"/>
+              </a:solidFill>
+              <a:effectLst/>
+              <a:uLnTx/>
+              <a:uFillTx/>
+              <a:latin typeface="+mn-lt"/>
+              <a:ea typeface="+mn-ea"/>
+              <a:cs typeface="+mn-cs"/>
+            </a:endParaRPr>
+          </a:p>
+          <a:p>
+            <a:pPr marL="800100" lvl="1" indent="-342900">
+              <a:spcBef>
+                <a:spcPct val="20000"/>
+              </a:spcBef>
+              <a:buFont typeface="Arial"/>
+              <a:buChar char="•"/>
+            </a:pPr>
+            <a:r>
+              <a:rPr lang="en-US" sz="2400" dirty="0" err="1" smtClean="0"/>
+              <a:t>NoSQL</a:t>
+            </a:r>
+            <a:r>
+              <a:rPr lang="en-US" sz="2400" dirty="0" smtClean="0"/>
+              <a:t> </a:t>
+            </a:r>
+            <a:r>
+              <a:rPr lang="en-US" sz="2400" dirty="0" err="1" smtClean="0"/>
+              <a:t>Datenbanken</a:t>
+            </a:r>
+            <a:endParaRPr lang="en-US" sz="2400" dirty="0" smtClean="0"/>
+          </a:p>
+          <a:p>
+            <a:pPr marL="800100" lvl="1" indent="-342900">
+              <a:spcBef>
+                <a:spcPct val="20000"/>
+              </a:spcBef>
+              <a:buFont typeface="Arial"/>
+              <a:buChar char="•"/>
+            </a:pPr>
+            <a:r>
+              <a:rPr lang="en-US" sz="2400" dirty="0" err="1" smtClean="0"/>
+              <a:t>grosse</a:t>
+            </a:r>
+            <a:r>
+              <a:rPr lang="en-US" sz="2400" dirty="0" smtClean="0"/>
+              <a:t> </a:t>
+            </a:r>
+            <a:r>
+              <a:rPr lang="en-US" sz="2400" dirty="0" err="1" smtClean="0"/>
+              <a:t>Benutzeranzahl</a:t>
+            </a:r>
+            <a:endParaRPr lang="en-US" sz="2400" dirty="0" smtClean="0"/>
+          </a:p>
+          <a:p>
+            <a:pPr marL="342900" indent="-342900">
+              <a:spcBef>
+                <a:spcPct val="20000"/>
+              </a:spcBef>
+              <a:buFont typeface="Arial"/>
+              <a:buChar char="•"/>
+            </a:pPr>
+            <a:r>
+              <a:rPr kumimoji="0" lang="en-US" sz="2400" b="0" i="0" u="none" strike="noStrike" kern="1200" cap="none" spc="0" normalizeH="0" baseline="0" noProof="0" dirty="0" smtClean="0">
+                <a:ln>
+                  <a:noFill/>
+                </a:ln>
+                <a:solidFill>
+                  <a:schemeClr val="tx1"/>
+                </a:solidFill>
+                <a:effectLst/>
+                <a:uLnTx/>
+                <a:uFillTx/>
+                <a:latin typeface="+mn-lt"/>
+                <a:ea typeface="+mn-ea"/>
+                <a:cs typeface="+mn-cs"/>
+              </a:rPr>
+              <a:t>Comet Support</a:t>
+            </a:r>
+          </a:p>
+          <a:p>
+            <a:pPr marL="800100" lvl="1" indent="-342900">
+              <a:spcBef>
+                <a:spcPct val="20000"/>
+              </a:spcBef>
+              <a:buFont typeface="Arial"/>
+              <a:buChar char="•"/>
+            </a:pPr>
+            <a:endParaRPr kumimoji="0" lang="en-US" sz="2400" b="0" i="0" u="none" strike="noStrike" kern="1200" cap="none" spc="0" normalizeH="0" baseline="0" noProof="0" dirty="0" smtClean="0">
+              <a:ln>
+                <a:noFill/>
+              </a:ln>
+              <a:solidFill>
+                <a:schemeClr val="tx1"/>
+              </a:solidFill>
+              <a:effectLst/>
+              <a:uLnTx/>
+              <a:uFillTx/>
+              <a:latin typeface="+mn-lt"/>
+              <a:ea typeface="+mn-ea"/>
+              <a:cs typeface="+mn-cs"/>
+            </a:endParaRPr>
+          </a:p>
+          <a:p>
+            <a:pPr marL="342900" marR="0" lvl="0" indent="-342900" algn="l" defTabSz="914400" rtl="0" eaLnBrk="1" fontAlgn="auto" latinLnBrk="0" hangingPunct="1">
+              <a:lnSpc>
+                <a:spcPct val="100000"/>
+              </a:lnSpc>
+              <a:spcBef>
+                <a:spcPct val="20000"/>
+              </a:spcBef>
+              <a:spcAft>
+                <a:spcPts val="0"/>
+              </a:spcAft>
+              <a:buClrTx/>
+              <a:buSzTx/>
+              <a:buFont typeface="Arial"/>
+              <a:buChar char="•"/>
+              <a:tabLst/>
+              <a:defRPr/>
+            </a:pPr>
+            <a:endParaRPr kumimoji="0" lang="en-US" sz="2400" b="0" i="0" u="none" strike="noStrike" kern="1200" cap="none" spc="0" normalizeH="0" baseline="0" noProof="0" dirty="0">
+              <a:ln>
+                <a:noFill/>
+              </a:ln>
+              <a:solidFill>
+                <a:schemeClr val="tx1"/>
+              </a:solidFill>
+              <a:effectLst/>
+              <a:uLnTx/>
+              <a:uFillTx/>
+              <a:latin typeface="+mn-lt"/>
+              <a:ea typeface="+mn-ea"/>
+              <a:cs typeface="+mn-cs"/>
+            </a:endParaRPr>
+          </a:p>
+        </p:txBody>
+      </p:sp>
+      <p:sp>
+        <p:nvSpPr>
+          <p:cNvPr id="28" name="Text Placeholder 12"/>
+          <p:cNvSpPr txBox="1">
+            <a:spLocks/>
+          </p:cNvSpPr>
+          <p:nvPr/>
+        </p:nvSpPr>
+        <p:spPr>
+          <a:xfrm>
+            <a:off x="4645025" y="3638550"/>
+            <a:ext cx="4041775" cy="639762"/>
+          </a:xfrm>
+          <a:prstGeom prst="rect">
+            <a:avLst/>
+          </a:prstGeom>
+        </p:spPr>
+        <p:txBody>
+          <a:bodyPr vert="horz" lIns="91440" tIns="45720" rIns="91440" bIns="45720" rtlCol="0" anchor="b">
+            <a:normAutofit/>
+          </a:bodyPr>
+          <a:lstStyle/>
+          <a:p>
+            <a:pPr marL="0" marR="0" lvl="0" indent="0" algn="l" defTabSz="914400" rtl="0" eaLnBrk="1" fontAlgn="auto" latinLnBrk="0" hangingPunct="1">
+              <a:lnSpc>
+                <a:spcPct val="100000"/>
+              </a:lnSpc>
+              <a:spcBef>
+                <a:spcPct val="20000"/>
+              </a:spcBef>
+              <a:spcAft>
+                <a:spcPts val="0"/>
+              </a:spcAft>
+              <a:buClrTx/>
+              <a:buSzTx/>
+              <a:buFont typeface="Arial" pitchFamily="34" charset="0"/>
+              <a:buNone/>
+              <a:tabLst/>
+              <a:defRPr/>
+            </a:pPr>
+            <a:r>
+              <a:rPr kumimoji="0" lang="en-US" sz="2400" b="1" i="0" u="none" strike="noStrike" kern="1200" cap="none" spc="0" normalizeH="0" baseline="0" noProof="0" smtClean="0">
+                <a:ln>
+                  <a:noFill/>
+                </a:ln>
+                <a:solidFill>
+                  <a:schemeClr val="tx1"/>
+                </a:solidFill>
+                <a:effectLst/>
+                <a:uLnTx/>
+                <a:uFillTx/>
+                <a:latin typeface="+mn-lt"/>
+                <a:ea typeface="+mn-ea"/>
+                <a:cs typeface="+mn-cs"/>
+              </a:rPr>
+              <a:t>Wann ist sie ungeeignet:</a:t>
+            </a:r>
+            <a:endParaRPr kumimoji="0" lang="en-US" sz="2400" b="1" i="0" u="none" strike="noStrike" kern="1200" cap="none" spc="0" normalizeH="0" baseline="0" noProof="0" dirty="0" smtClean="0">
+              <a:ln>
+                <a:noFill/>
+              </a:ln>
+              <a:solidFill>
+                <a:schemeClr val="tx1"/>
+              </a:solidFill>
+              <a:effectLst/>
+              <a:uLnTx/>
+              <a:uFillTx/>
+              <a:latin typeface="+mn-lt"/>
+              <a:ea typeface="+mn-ea"/>
+              <a:cs typeface="+mn-cs"/>
+            </a:endParaRPr>
+          </a:p>
+        </p:txBody>
+      </p:sp>
+      <p:sp>
+        <p:nvSpPr>
+          <p:cNvPr id="29" name="Content Placeholder 13"/>
+          <p:cNvSpPr txBox="1">
+            <a:spLocks/>
+          </p:cNvSpPr>
+          <p:nvPr/>
+        </p:nvSpPr>
+        <p:spPr>
+          <a:xfrm>
+            <a:off x="4572000" y="4267200"/>
+            <a:ext cx="4041775" cy="2057400"/>
+          </a:xfrm>
+          <a:prstGeom prst="rect">
+            <a:avLst/>
+          </a:prstGeom>
+        </p:spPr>
+        <p:txBody>
+          <a:bodyPr vert="horz" lIns="91440" tIns="45720" rIns="91440" bIns="45720" rtlCol="0">
+            <a:normAutofit/>
+          </a:bodyPr>
+          <a:lstStyle/>
+          <a:p>
+            <a:pPr marL="342900" marR="0" lvl="0" indent="-342900" algn="l" defTabSz="914400" rtl="0" eaLnBrk="1" fontAlgn="auto" latinLnBrk="0" hangingPunct="1">
+              <a:lnSpc>
+                <a:spcPct val="100000"/>
+              </a:lnSpc>
+              <a:spcBef>
+                <a:spcPct val="20000"/>
+              </a:spcBef>
+              <a:spcAft>
+                <a:spcPts val="0"/>
+              </a:spcAft>
+              <a:buClrTx/>
+              <a:buSzTx/>
+              <a:buFont typeface="Arial" pitchFamily="34" charset="0"/>
+              <a:buChar char="•"/>
+              <a:tabLst/>
+              <a:defRPr/>
+            </a:pPr>
+            <a:r>
+              <a:rPr kumimoji="0" lang="en-US" sz="2400" b="0" i="0" u="none" strike="noStrike" kern="1200" cap="none" spc="0" normalizeH="0" baseline="0" noProof="0" dirty="0" err="1" smtClean="0">
+                <a:ln>
+                  <a:noFill/>
+                </a:ln>
+                <a:solidFill>
+                  <a:schemeClr val="tx1"/>
+                </a:solidFill>
+                <a:effectLst/>
+                <a:uLnTx/>
+                <a:uFillTx/>
+                <a:latin typeface="+mn-lt"/>
+                <a:ea typeface="+mn-ea"/>
+                <a:cs typeface="+mn-cs"/>
+              </a:rPr>
+              <a:t>Klassische</a:t>
+            </a:r>
+            <a:r>
+              <a:rPr kumimoji="0" lang="en-US" sz="2400" b="0" i="0" u="none" strike="noStrike" kern="1200" cap="none" spc="0" normalizeH="0" baseline="0" noProof="0" dirty="0" smtClean="0">
+                <a:ln>
+                  <a:noFill/>
+                </a:ln>
+                <a:solidFill>
+                  <a:schemeClr val="tx1"/>
+                </a:solidFill>
+                <a:effectLst/>
+                <a:uLnTx/>
+                <a:uFillTx/>
+                <a:latin typeface="+mn-lt"/>
+                <a:ea typeface="+mn-ea"/>
+                <a:cs typeface="+mn-cs"/>
+              </a:rPr>
+              <a:t> </a:t>
+            </a:r>
+            <a:r>
+              <a:rPr kumimoji="0" lang="en-US" sz="2400" b="0" i="0" u="none" strike="noStrike" kern="1200" cap="none" spc="0" normalizeH="0" baseline="0" noProof="0" dirty="0" err="1" smtClean="0">
+                <a:ln>
+                  <a:noFill/>
+                </a:ln>
+                <a:solidFill>
+                  <a:schemeClr val="tx1"/>
+                </a:solidFill>
+                <a:effectLst/>
+                <a:uLnTx/>
+                <a:uFillTx/>
+                <a:latin typeface="+mn-lt"/>
+                <a:ea typeface="+mn-ea"/>
+                <a:cs typeface="+mn-cs"/>
+              </a:rPr>
+              <a:t>Webanwendungen</a:t>
+            </a:r>
+            <a:r>
+              <a:rPr kumimoji="0" lang="en-US" sz="2400" b="0" i="0" u="none" strike="noStrike" kern="1200" cap="none" spc="0" normalizeH="0" baseline="0" noProof="0" dirty="0" err="1" smtClean="0">
+                <a:ln>
+                  <a:noFill/>
+                </a:ln>
+                <a:solidFill>
+                  <a:schemeClr val="tx1"/>
+                </a:solidFill>
+                <a:effectLst/>
+                <a:uLnTx/>
+                <a:uFillTx/>
+                <a:latin typeface="+mn-lt"/>
+                <a:ea typeface="+mn-ea"/>
+                <a:cs typeface="+mn-cs"/>
+                <a:sym typeface="Wingdings"/>
+              </a:rPr>
+              <a:t></a:t>
+            </a:r>
+            <a:r>
+              <a:rPr kumimoji="0" lang="en-US" sz="2400" b="0" i="0" u="none" strike="noStrike" kern="1200" cap="none" spc="0" normalizeH="0" baseline="0" noProof="0" dirty="0" smtClean="0">
+                <a:ln>
+                  <a:noFill/>
+                </a:ln>
+                <a:solidFill>
+                  <a:schemeClr val="tx1"/>
+                </a:solidFill>
+                <a:effectLst/>
+                <a:uLnTx/>
+                <a:uFillTx/>
+                <a:latin typeface="+mn-lt"/>
+                <a:ea typeface="+mn-ea"/>
+                <a:cs typeface="+mn-cs"/>
+                <a:sym typeface="Wingdings"/>
+              </a:rPr>
+              <a:t> Ruby, Groovy, Spring </a:t>
+            </a:r>
+            <a:r>
+              <a:rPr kumimoji="0" lang="en-US" sz="2400" b="0" i="0" u="none" strike="noStrike" kern="1200" cap="none" spc="0" normalizeH="0" baseline="0" noProof="0" dirty="0" err="1" smtClean="0">
+                <a:ln>
+                  <a:noFill/>
+                </a:ln>
+                <a:solidFill>
+                  <a:schemeClr val="tx1"/>
+                </a:solidFill>
+                <a:effectLst/>
+                <a:uLnTx/>
+                <a:uFillTx/>
+                <a:latin typeface="+mn-lt"/>
+                <a:ea typeface="+mn-ea"/>
+                <a:cs typeface="+mn-cs"/>
+                <a:sym typeface="Wingdings"/>
+              </a:rPr>
+              <a:t>Roo</a:t>
+            </a:r>
+            <a:endParaRPr kumimoji="0" lang="en-US" sz="2400" b="0" i="0" u="none" strike="noStrike" kern="1200" cap="none" spc="0" normalizeH="0" baseline="0" noProof="0" dirty="0" smtClean="0">
+              <a:ln>
+                <a:noFill/>
+              </a:ln>
+              <a:solidFill>
+                <a:schemeClr val="tx1"/>
+              </a:solidFill>
+              <a:effectLst/>
+              <a:uLnTx/>
+              <a:uFillTx/>
+              <a:latin typeface="+mn-lt"/>
+              <a:ea typeface="+mn-ea"/>
+              <a:cs typeface="+mn-cs"/>
+              <a:sym typeface="Wingdings"/>
+            </a:endParaRPr>
+          </a:p>
+          <a:p>
+            <a:pPr marL="342900" marR="0" lvl="0" indent="-342900" algn="l" defTabSz="914400" rtl="0" eaLnBrk="1" fontAlgn="auto" latinLnBrk="0" hangingPunct="1">
+              <a:lnSpc>
+                <a:spcPct val="100000"/>
+              </a:lnSpc>
+              <a:spcBef>
+                <a:spcPct val="20000"/>
+              </a:spcBef>
+              <a:spcAft>
+                <a:spcPts val="0"/>
+              </a:spcAft>
+              <a:buClrTx/>
+              <a:buSzTx/>
+              <a:buFont typeface="Arial" pitchFamily="34" charset="0"/>
+              <a:buChar char="•"/>
+              <a:tabLst/>
+              <a:defRPr/>
+            </a:pPr>
+            <a:endParaRPr kumimoji="0" lang="en-US" sz="2400" b="0" i="0" u="none" strike="noStrike" kern="1200" cap="none" spc="0" normalizeH="0" baseline="0" noProof="0" dirty="0">
+              <a:ln>
+                <a:noFill/>
+              </a:ln>
+              <a:solidFill>
+                <a:schemeClr val="tx1"/>
+              </a:solidFill>
+              <a:effectLst/>
+              <a:uLnTx/>
+              <a:uFillTx/>
+              <a:latin typeface="+mn-lt"/>
+              <a:ea typeface="+mn-ea"/>
+              <a:cs typeface="+mn-cs"/>
+            </a:endParaRPr>
+          </a:p>
+        </p:txBody>
+      </p:sp>
+      <p:graphicFrame>
+        <p:nvGraphicFramePr>
+          <p:cNvPr id="30" name="Table 29"/>
+          <p:cNvGraphicFramePr>
+            <a:graphicFrameLocks noGrp="1"/>
+          </p:cNvGraphicFramePr>
+          <p:nvPr/>
+        </p:nvGraphicFramePr>
+        <p:xfrm>
+          <a:off x="495300" y="1493521"/>
+          <a:ext cx="8153400" cy="2103119"/>
+        </p:xfrm>
+        <a:graphic>
+          <a:graphicData uri="http://schemas.openxmlformats.org/drawingml/2006/table">
+            <a:tbl>
+              <a:tblPr firstRow="1" bandRow="1">
+                <a:tableStyleId>{5940675A-B579-460E-94D1-54222C63F5DA}</a:tableStyleId>
+              </a:tblPr>
+              <a:tblGrid>
+                <a:gridCol w="1447800"/>
+                <a:gridCol w="6705600"/>
+              </a:tblGrid>
+              <a:tr h="370840">
+                <a:tc>
+                  <a:txBody>
+                    <a:bodyPr/>
+                    <a:lstStyle/>
+                    <a:p>
+                      <a:r>
+                        <a:rPr lang="en-US" dirty="0" err="1" smtClean="0"/>
+                        <a:t>Positiv</a:t>
+                      </a:r>
+                      <a:endParaRPr lang="en-US" dirty="0"/>
+                    </a:p>
+                  </a:txBody>
+                  <a:tcPr/>
+                </a:tc>
+                <a:tc>
+                  <a:txBody>
+                    <a:bodyPr/>
+                    <a:lstStyle/>
+                    <a:p>
+                      <a:pPr>
+                        <a:buFont typeface="Arial"/>
+                        <a:buChar char="•"/>
+                      </a:pPr>
+                      <a:r>
+                        <a:rPr lang="en-US" baseline="0" dirty="0" err="1" smtClean="0"/>
+                        <a:t>Beliebige</a:t>
+                      </a:r>
+                      <a:r>
+                        <a:rPr lang="en-US" baseline="0" dirty="0" smtClean="0"/>
+                        <a:t> </a:t>
+                      </a:r>
+                      <a:r>
+                        <a:rPr lang="en-US" baseline="0" dirty="0" err="1" smtClean="0"/>
+                        <a:t>Skalierung</a:t>
+                      </a:r>
+                      <a:endParaRPr lang="en-US" baseline="0" dirty="0" smtClean="0"/>
+                    </a:p>
+                    <a:p>
+                      <a:pPr>
+                        <a:buFont typeface="Arial"/>
+                        <a:buChar char="•"/>
+                      </a:pPr>
+                      <a:r>
+                        <a:rPr lang="en-US" baseline="0" dirty="0" err="1" smtClean="0"/>
+                        <a:t>Templating</a:t>
+                      </a:r>
+                      <a:endParaRPr lang="en-US" baseline="0" dirty="0" smtClean="0"/>
+                    </a:p>
+                    <a:p>
+                      <a:pPr>
+                        <a:buFont typeface="Arial"/>
+                        <a:buChar char="•"/>
+                      </a:pPr>
+                      <a:r>
+                        <a:rPr lang="en-US" baseline="0" dirty="0" smtClean="0"/>
+                        <a:t>Request-Response Lifecycle</a:t>
+                      </a:r>
+                    </a:p>
+                  </a:txBody>
+                  <a:tcPr/>
+                </a:tc>
+              </a:tr>
+              <a:tr h="370840">
+                <a:tc>
+                  <a:txBody>
+                    <a:bodyPr/>
+                    <a:lstStyle/>
+                    <a:p>
+                      <a:r>
+                        <a:rPr lang="en-US" dirty="0" err="1" smtClean="0"/>
+                        <a:t>Negativ</a:t>
+                      </a:r>
+                      <a:endParaRPr lang="en-US" dirty="0"/>
+                    </a:p>
+                  </a:txBody>
+                  <a:tcPr/>
+                </a:tc>
+                <a:tc>
+                  <a:txBody>
+                    <a:bodyPr/>
+                    <a:lstStyle/>
+                    <a:p>
+                      <a:pPr>
+                        <a:buFont typeface="Arial"/>
+                        <a:buChar char="•"/>
+                      </a:pPr>
+                      <a:r>
+                        <a:rPr lang="en-US" baseline="0" dirty="0" err="1" smtClean="0"/>
+                        <a:t>Modularisierung</a:t>
+                      </a:r>
+                      <a:r>
+                        <a:rPr lang="en-US" baseline="0" dirty="0" smtClean="0"/>
+                        <a:t> </a:t>
+                      </a:r>
+                      <a:r>
+                        <a:rPr lang="en-US" baseline="0" dirty="0" err="1" smtClean="0">
+                          <a:sym typeface="Wingdings"/>
+                        </a:rPr>
+                        <a:t></a:t>
+                      </a:r>
+                      <a:r>
+                        <a:rPr lang="en-US" baseline="0" dirty="0" smtClean="0">
+                          <a:sym typeface="Wingdings"/>
+                        </a:rPr>
+                        <a:t> </a:t>
+                      </a:r>
+                      <a:r>
+                        <a:rPr lang="en-US" baseline="0" dirty="0" err="1" smtClean="0">
+                          <a:sym typeface="Wingdings"/>
+                        </a:rPr>
+                        <a:t>kein</a:t>
+                      </a:r>
+                      <a:r>
+                        <a:rPr lang="en-US" baseline="0" dirty="0" smtClean="0">
+                          <a:sym typeface="Wingdings"/>
+                        </a:rPr>
+                        <a:t> </a:t>
+                      </a:r>
+                      <a:r>
+                        <a:rPr lang="en-US" baseline="0" dirty="0" err="1" smtClean="0">
+                          <a:sym typeface="Wingdings"/>
+                        </a:rPr>
+                        <a:t>Plugin</a:t>
+                      </a:r>
+                      <a:r>
+                        <a:rPr lang="en-US" baseline="0" dirty="0" smtClean="0">
+                          <a:sym typeface="Wingdings"/>
+                        </a:rPr>
+                        <a:t> </a:t>
+                      </a:r>
+                      <a:r>
+                        <a:rPr lang="en-US" baseline="0" dirty="0" err="1" smtClean="0">
+                          <a:sym typeface="Wingdings"/>
+                        </a:rPr>
+                        <a:t>Konzept</a:t>
+                      </a:r>
+                      <a:endParaRPr lang="en-US" baseline="0" dirty="0" smtClean="0"/>
+                    </a:p>
+                    <a:p>
+                      <a:pPr>
+                        <a:buFont typeface="Arial"/>
+                        <a:buChar char="•"/>
+                      </a:pPr>
+                      <a:r>
+                        <a:rPr lang="en-US" baseline="0" dirty="0" smtClean="0"/>
+                        <a:t>Security</a:t>
+                      </a:r>
+                    </a:p>
+                    <a:p>
+                      <a:pPr>
+                        <a:buFont typeface="Arial"/>
+                        <a:buChar char="•"/>
+                      </a:pPr>
+                      <a:r>
+                        <a:rPr lang="en-US" baseline="0" dirty="0" err="1" smtClean="0"/>
+                        <a:t>Persistenz</a:t>
+                      </a:r>
+                      <a:endParaRPr lang="en-US" baseline="0" dirty="0" smtClean="0"/>
+                    </a:p>
+                    <a:p>
+                      <a:pPr>
+                        <a:buFont typeface="Arial"/>
+                        <a:buChar char="•"/>
+                      </a:pPr>
+                      <a:r>
+                        <a:rPr lang="en-US" baseline="0" dirty="0" smtClean="0"/>
+                        <a:t>Dependency Injection</a:t>
+                      </a:r>
+                    </a:p>
+                  </a:txBody>
+                  <a:tcPr/>
+                </a:tc>
+              </a:tr>
+            </a:tbl>
+          </a:graphicData>
+        </a:graphic>
+      </p:graphicFrame>
     </p:spTree>
   </p:cSld>
   <p:clrMapOvr>
@@ -10634,10 +12289,9 @@
           <a:bodyPr/>
           <a:lstStyle/>
           <a:p>
-            <a:fld id="{507EE824-0F9B-D14B-93FF-EEE78B2F3974}" type="datetime1">
-              <a:rPr lang="en-US" smtClean="0"/>
-              <a:pPr/>
-              <a:t>11/28/10</a:t>
+            <a:fld id="{5366EEFF-7AE4-DE4D-A796-61BD556E3B59}" type="datetime1">
+              <a:rPr lang="en-US" smtClean="0"/>
+              <a:t>11/30/10</a:t>
             </a:fld>
             <a:endParaRPr lang="en-US"/>
           </a:p>
@@ -10658,6 +12312,10 @@
           <a:bodyPr/>
           <a:lstStyle/>
           <a:p>
+            <a:r>
+              <a:rPr lang="en-US" smtClean="0"/>
+              <a:t>Raffael Schmid, Hochschule für Technik Zürich</a:t>
+            </a:r>
             <a:endParaRPr lang="en-US"/>
           </a:p>
         </p:txBody>
@@ -10937,7 +12595,7 @@
         <p:spPr>
           <a:xfrm>
             <a:off x="5105400" y="4723606"/>
-            <a:ext cx="3276600" cy="381000"/>
+            <a:ext cx="3200400" cy="381000"/>
           </a:xfrm>
           <a:prstGeom prst="roundRect">
             <a:avLst/>
@@ -11156,27 +12814,220 @@
           </a:p>
         </p:txBody>
       </p:sp>
-      <p:sp>
-        <p:nvSpPr>
-          <p:cNvPr id="48" name="Slide Number Placeholder 47"/>
-          <p:cNvSpPr>
-            <a:spLocks noGrp="1"/>
-          </p:cNvSpPr>
-          <p:nvPr>
-            <p:ph type="sldNum" sz="quarter" idx="12"/>
-          </p:nvPr>
-        </p:nvSpPr>
-        <p:spPr/>
-        <p:txBody>
-          <a:bodyPr/>
-          <a:lstStyle/>
-          <a:p>
-            <a:fld id="{289D5882-BB70-459C-B7E9-5D0040F635BD}" type="slidenum">
-              <a:rPr lang="en-US" smtClean="0"/>
-              <a:pPr/>
-              <a:t>3</a:t>
+      <p:cxnSp>
+        <p:nvCxnSpPr>
+          <p:cNvPr id="20" name="Straight Connector 19"/>
+          <p:cNvCxnSpPr/>
+          <p:nvPr/>
+        </p:nvCxnSpPr>
+        <p:spPr>
+          <a:xfrm rot="5400000">
+            <a:off x="6591300" y="4076700"/>
+            <a:ext cx="4191794" cy="794"/>
+          </a:xfrm>
+          <a:prstGeom prst="line">
+            <a:avLst/>
+          </a:prstGeom>
+        </p:spPr>
+        <p:style>
+          <a:lnRef idx="2">
+            <a:schemeClr val="accent1"/>
+          </a:lnRef>
+          <a:fillRef idx="0">
+            <a:schemeClr val="accent1"/>
+          </a:fillRef>
+          <a:effectRef idx="1">
+            <a:schemeClr val="accent1"/>
+          </a:effectRef>
+          <a:fontRef idx="minor">
+            <a:schemeClr val="tx1"/>
+          </a:fontRef>
+        </p:style>
+      </p:cxnSp>
+      <p:sp>
+        <p:nvSpPr>
+          <p:cNvPr id="21" name="TextBox 20"/>
+          <p:cNvSpPr txBox="1"/>
+          <p:nvPr/>
+        </p:nvSpPr>
+        <p:spPr>
+          <a:xfrm rot="18613231">
+            <a:off x="8104577" y="531625"/>
+            <a:ext cx="2362200" cy="369332"/>
+          </a:xfrm>
+          <a:prstGeom prst="rect">
+            <a:avLst/>
+          </a:prstGeom>
+          <a:noFill/>
+        </p:spPr>
+        <p:txBody>
+          <a:bodyPr wrap="square" rtlCol="0">
+            <a:spAutoFit/>
+          </a:bodyPr>
+          <a:lstStyle/>
+          <a:p>
+            <a:r>
+              <a:rPr lang="en-US" dirty="0" err="1" smtClean="0">
+                <a:solidFill>
+                  <a:schemeClr val="accent1"/>
+                </a:solidFill>
+              </a:rPr>
+              <a:t>Präs</a:t>
+            </a:r>
+            <a:r>
+              <a:rPr lang="en-US" dirty="0" smtClean="0">
+                <a:solidFill>
+                  <a:schemeClr val="accent1"/>
+                </a:solidFill>
+              </a:rPr>
+              <a:t>.</a:t>
+            </a:r>
+            <a:endParaRPr lang="en-US" dirty="0">
+              <a:solidFill>
+                <a:schemeClr val="accent1"/>
+              </a:solidFill>
+            </a:endParaRPr>
+          </a:p>
+        </p:txBody>
+      </p:sp>
+    </p:spTree>
+  </p:cSld>
+  <p:clrMapOvr>
+    <a:masterClrMapping/>
+  </p:clrMapOvr>
+  <p:timing>
+    <p:tnLst>
+      <p:par>
+        <p:cTn id="1" dur="indefinite" restart="never" nodeType="tmRoot"/>
+      </p:par>
+    </p:tnLst>
+  </p:timing>
+</p:sld>
+</file>
+
+<file path=ppt/slides/slide30.xml><?xml version="1.0" encoding="utf-8"?>
+<p:sld xmlns:a="http://schemas.openxmlformats.org/drawingml/2006/main" xmlns:r="http://schemas.openxmlformats.org/officeDocument/2006/relationships" xmlns:mc="http://schemas.openxmlformats.org/markup-compatibility/2006" xmlns:mv="urn:schemas-microsoft-com:mac:vml" xmlns:p="http://schemas.openxmlformats.org/presentationml/2006/main" mc:Ignorable="mv" mc:PreserveAttributes="mv:*">
+  <p:cSld>
+    <p:spTree>
+      <p:nvGrpSpPr>
+        <p:cNvPr id="1" name=""/>
+        <p:cNvGrpSpPr/>
+        <p:nvPr/>
+      </p:nvGrpSpPr>
+      <p:grpSpPr>
+        <a:xfrm>
+          <a:off x="0" y="0"/>
+          <a:ext cx="0" cy="0"/>
+          <a:chOff x="0" y="0"/>
+          <a:chExt cx="0" cy="0"/>
+        </a:xfrm>
+      </p:grpSpPr>
+      <p:sp>
+        <p:nvSpPr>
+          <p:cNvPr id="2" name="Title 1"/>
+          <p:cNvSpPr>
+            <a:spLocks noGrp="1"/>
+          </p:cNvSpPr>
+          <p:nvPr>
+            <p:ph type="title"/>
+          </p:nvPr>
+        </p:nvSpPr>
+        <p:spPr/>
+        <p:txBody>
+          <a:bodyPr/>
+          <a:lstStyle/>
+          <a:p>
+            <a:r>
+              <a:rPr lang="de-CH" smtClean="0"/>
+              <a:t>Fragen</a:t>
+            </a:r>
+            <a:endParaRPr lang="en-US" dirty="0"/>
+          </a:p>
+        </p:txBody>
+      </p:sp>
+      <p:sp>
+        <p:nvSpPr>
+          <p:cNvPr id="3" name="Content Placeholder 2"/>
+          <p:cNvSpPr>
+            <a:spLocks noGrp="1"/>
+          </p:cNvSpPr>
+          <p:nvPr>
+            <p:ph idx="1"/>
+          </p:nvPr>
+        </p:nvSpPr>
+        <p:spPr/>
+        <p:txBody>
+          <a:bodyPr/>
+          <a:lstStyle/>
+          <a:p>
+            <a:endParaRPr lang="en-US" dirty="0"/>
+          </a:p>
+        </p:txBody>
+      </p:sp>
+      <p:sp>
+        <p:nvSpPr>
+          <p:cNvPr id="4" name="Date Placeholder 3"/>
+          <p:cNvSpPr>
+            <a:spLocks noGrp="1"/>
+          </p:cNvSpPr>
+          <p:nvPr>
+            <p:ph type="dt" sz="half" idx="10"/>
+          </p:nvPr>
+        </p:nvSpPr>
+        <p:spPr/>
+        <p:txBody>
+          <a:bodyPr/>
+          <a:lstStyle/>
+          <a:p>
+            <a:fld id="{871398BA-4D07-4546-B4F8-405EEFE4C029}" type="datetime1">
+              <a:rPr lang="en-US" smtClean="0"/>
+              <a:t>11/30/10</a:t>
             </a:fld>
             <a:endParaRPr lang="en-US"/>
+          </a:p>
+        </p:txBody>
+      </p:sp>
+      <p:sp>
+        <p:nvSpPr>
+          <p:cNvPr id="5" name="Footer Placeholder 4"/>
+          <p:cNvSpPr>
+            <a:spLocks noGrp="1"/>
+          </p:cNvSpPr>
+          <p:nvPr>
+            <p:ph type="ftr" sz="quarter" idx="11"/>
+          </p:nvPr>
+        </p:nvSpPr>
+        <p:spPr/>
+        <p:txBody>
+          <a:bodyPr/>
+          <a:lstStyle/>
+          <a:p>
+            <a:r>
+              <a:rPr lang="en-US" smtClean="0"/>
+              <a:t>Raffael Schmid, Hochschule für Technik Zürich</a:t>
+            </a:r>
+            <a:endParaRPr lang="en-US"/>
+          </a:p>
+        </p:txBody>
+      </p:sp>
+      <p:sp>
+        <p:nvSpPr>
+          <p:cNvPr id="6" name="Text Placeholder 5"/>
+          <p:cNvSpPr>
+            <a:spLocks noGrp="1"/>
+          </p:cNvSpPr>
+          <p:nvPr>
+            <p:ph type="body" sz="quarter" idx="13"/>
+          </p:nvPr>
+        </p:nvSpPr>
+        <p:spPr/>
+        <p:txBody>
+          <a:bodyPr>
+            <a:normAutofit fontScale="92500" lnSpcReduction="20000"/>
+          </a:bodyPr>
+          <a:lstStyle/>
+          <a:p>
+            <a:endParaRPr lang="en-US" dirty="0"/>
           </a:p>
         </p:txBody>
       </p:sp>
@@ -11214,6 +13065,126 @@
       </p:grpSpPr>
       <p:sp>
         <p:nvSpPr>
+          <p:cNvPr id="8" name="Title 7"/>
+          <p:cNvSpPr>
+            <a:spLocks noGrp="1"/>
+          </p:cNvSpPr>
+          <p:nvPr>
+            <p:ph type="ctrTitle"/>
+          </p:nvPr>
+        </p:nvSpPr>
+        <p:spPr/>
+        <p:txBody>
+          <a:bodyPr/>
+          <a:lstStyle/>
+          <a:p>
+            <a:r>
+              <a:rPr lang="en-US" dirty="0" err="1" smtClean="0"/>
+              <a:t>Vorstudie</a:t>
+            </a:r>
+            <a:endParaRPr lang="en-US" dirty="0"/>
+          </a:p>
+        </p:txBody>
+      </p:sp>
+      <p:sp>
+        <p:nvSpPr>
+          <p:cNvPr id="9" name="Subtitle 8"/>
+          <p:cNvSpPr>
+            <a:spLocks noGrp="1"/>
+          </p:cNvSpPr>
+          <p:nvPr>
+            <p:ph type="subTitle" idx="1"/>
+          </p:nvPr>
+        </p:nvSpPr>
+        <p:spPr/>
+        <p:txBody>
+          <a:bodyPr/>
+          <a:lstStyle/>
+          <a:p>
+            <a:endParaRPr lang="en-US"/>
+          </a:p>
+        </p:txBody>
+      </p:sp>
+      <p:sp>
+        <p:nvSpPr>
+          <p:cNvPr id="4" name="Date Placeholder 3"/>
+          <p:cNvSpPr>
+            <a:spLocks noGrp="1"/>
+          </p:cNvSpPr>
+          <p:nvPr>
+            <p:ph type="dt" sz="half" idx="10"/>
+          </p:nvPr>
+        </p:nvSpPr>
+        <p:spPr/>
+        <p:txBody>
+          <a:bodyPr/>
+          <a:lstStyle/>
+          <a:p>
+            <a:fld id="{E38A5720-7EF6-554B-A566-FA38EAE7D250}" type="datetime1">
+              <a:rPr lang="en-US" smtClean="0"/>
+              <a:t>11/30/10</a:t>
+            </a:fld>
+            <a:endParaRPr lang="en-US"/>
+          </a:p>
+        </p:txBody>
+      </p:sp>
+      <p:sp>
+        <p:nvSpPr>
+          <p:cNvPr id="5" name="Footer Placeholder 4"/>
+          <p:cNvSpPr>
+            <a:spLocks noGrp="1"/>
+          </p:cNvSpPr>
+          <p:nvPr>
+            <p:ph type="ftr" sz="quarter" idx="11"/>
+          </p:nvPr>
+        </p:nvSpPr>
+        <p:spPr/>
+        <p:txBody>
+          <a:bodyPr/>
+          <a:lstStyle/>
+          <a:p>
+            <a:r>
+              <a:rPr lang="en-US" smtClean="0"/>
+              <a:t>Raffael Schmid, Hochschule für Technik Zürich</a:t>
+            </a:r>
+            <a:endParaRPr lang="en-US"/>
+          </a:p>
+        </p:txBody>
+      </p:sp>
+    </p:spTree>
+  </p:cSld>
+  <p:clrMapOvr>
+    <a:masterClrMapping/>
+  </p:clrMapOvr>
+  <p:timing>
+    <p:tnLst>
+      <p:par>
+        <p:cTn id="1" dur="indefinite" restart="never" nodeType="tmRoot"/>
+      </p:par>
+    </p:tnLst>
+  </p:timing>
+</p:sld>
+</file>
+
+<file path=ppt/slides/slide5.xml><?xml version="1.0" encoding="utf-8"?>
+<p:sld xmlns:a="http://schemas.openxmlformats.org/drawingml/2006/main" xmlns:r="http://schemas.openxmlformats.org/officeDocument/2006/relationships" xmlns:mc="http://schemas.openxmlformats.org/markup-compatibility/2006" xmlns:mv="urn:schemas-microsoft-com:mac:vml" xmlns:p="http://schemas.openxmlformats.org/presentationml/2006/main" mc:Ignorable="mv" mc:PreserveAttributes="mv:*">
+  <p:cSld>
+    <p:spTree>
+      <p:nvGrpSpPr>
+        <p:cNvPr id="1" name=""/>
+        <p:cNvGrpSpPr/>
+        <p:nvPr/>
+      </p:nvGrpSpPr>
+      <p:grpSpPr>
+        <a:xfrm>
+          <a:off x="0" y="0"/>
+          <a:ext cx="0" cy="0"/>
+          <a:chOff x="0" y="0"/>
+          <a:chExt cx="0" cy="0"/>
+        </a:xfrm>
+      </p:grpSpPr>
+      <p:sp>
+        <p:nvSpPr>
           <p:cNvPr id="2" name="Title 1"/>
           <p:cNvSpPr>
             <a:spLocks noGrp="1"/>
@@ -11346,15 +13317,15 @@
             </a:r>
             <a:r>
               <a:rPr lang="en-US" dirty="0" smtClean="0"/>
-              <a:t> </a:t>
+              <a:t> in </a:t>
             </a:r>
             <a:r>
               <a:rPr lang="en-US" dirty="0" err="1" smtClean="0"/>
-              <a:t>wirtschaftlich</a:t>
+              <a:t>der</a:t>
             </a:r>
             <a:r>
               <a:rPr lang="en-US" dirty="0" smtClean="0"/>
-              <a:t> </a:t>
+              <a:t> Praxis </a:t>
             </a:r>
             <a:r>
               <a:rPr lang="en-US" dirty="0" err="1" smtClean="0"/>
@@ -11389,10 +13360,9 @@
           <a:bodyPr/>
           <a:lstStyle/>
           <a:p>
-            <a:fld id="{2895C7C9-5D90-4C4B-85CD-0CAE6DE127A9}" type="datetime1">
-              <a:rPr lang="en-US" smtClean="0"/>
-              <a:pPr/>
-              <a:t>11/28/10</a:t>
+            <a:fld id="{6F3B1691-298D-2542-85E9-9322BEBBD61A}" type="datetime1">
+              <a:rPr lang="en-US" smtClean="0"/>
+              <a:t>11/30/10</a:t>
             </a:fld>
             <a:endParaRPr lang="en-US"/>
           </a:p>
@@ -11413,6 +13383,10 @@
           <a:bodyPr/>
           <a:lstStyle/>
           <a:p>
+            <a:r>
+              <a:rPr lang="en-US" smtClean="0"/>
+              <a:t>Raffael Schmid, Hochschule für Technik Zürich</a:t>
+            </a:r>
             <a:endParaRPr lang="en-US" dirty="0"/>
           </a:p>
         </p:txBody>
@@ -11475,30 +13449,6 @@
           <a:effectLst/>
         </p:spPr>
       </p:pic>
-      <p:sp>
-        <p:nvSpPr>
-          <p:cNvPr id="28" name="Slide Number Placeholder 27"/>
-          <p:cNvSpPr>
-            <a:spLocks noGrp="1"/>
-          </p:cNvSpPr>
-          <p:nvPr>
-            <p:ph type="sldNum" sz="quarter" idx="12"/>
-          </p:nvPr>
-        </p:nvSpPr>
-        <p:spPr/>
-        <p:txBody>
-          <a:bodyPr/>
-          <a:lstStyle/>
-          <a:p>
-            <a:fld id="{289D5882-BB70-459C-B7E9-5D0040F635BD}" type="slidenum">
-              <a:rPr lang="en-US" smtClean="0"/>
-              <a:pPr/>
-              <a:t>4</a:t>
-            </a:fld>
-            <a:endParaRPr lang="en-US"/>
-          </a:p>
-        </p:txBody>
-      </p:sp>
     </p:spTree>
   </p:cSld>
   <p:clrMapOvr>
@@ -11514,7 +13464,7 @@
 </p:sld>
 </file>
 
-<file path=ppt/slides/slide5.xml><?xml version="1.0" encoding="utf-8"?>
+<file path=ppt/slides/slide6.xml><?xml version="1.0" encoding="utf-8"?>
 <p:sld xmlns:a="http://schemas.openxmlformats.org/drawingml/2006/main" xmlns:r="http://schemas.openxmlformats.org/officeDocument/2006/relationships" xmlns:mc="http://schemas.openxmlformats.org/markup-compatibility/2006" xmlns:mv="urn:schemas-microsoft-com:mac:vml" xmlns:p="http://schemas.openxmlformats.org/presentationml/2006/main" mc:Ignorable="mv" mc:PreserveAttributes="mv:*">
   <p:cSld>
     <p:spTree>
@@ -11586,12 +13536,14 @@
               <a:rPr lang="en-US" dirty="0" smtClean="0"/>
             </a:br>
             <a:r>
-              <a:rPr lang="en-US" sz="2000" dirty="0" smtClean="0"/>
-              <a:t>(</a:t>
+              <a:rPr lang="en-US" dirty="0" err="1" smtClean="0">
+                <a:sym typeface="Wingdings"/>
+              </a:rPr>
+              <a:t></a:t>
             </a:r>
             <a:r>
               <a:rPr lang="en-US" sz="2000" dirty="0" err="1" smtClean="0"/>
-              <a:t>für</a:t>
+              <a:t>(für</a:t>
             </a:r>
             <a:r>
               <a:rPr lang="en-US" sz="2000" dirty="0" smtClean="0"/>
@@ -11611,7 +13563,15 @@
             </a:r>
             <a:r>
               <a:rPr lang="en-US" sz="2000" dirty="0" smtClean="0"/>
-              <a:t> gross)</a:t>
+              <a:t> </a:t>
+            </a:r>
+            <a:r>
+              <a:rPr lang="en-US" sz="2000" dirty="0" err="1" smtClean="0"/>
+              <a:t>umfangreich</a:t>
+            </a:r>
+            <a:r>
+              <a:rPr lang="en-US" sz="2000" dirty="0" smtClean="0"/>
+              <a:t>)</a:t>
             </a:r>
           </a:p>
           <a:p>
@@ -11621,6 +13581,46 @@
             <a:r>
               <a:rPr lang="en-US" dirty="0" err="1" smtClean="0"/>
               <a:t>Ferienplanung</a:t>
+            </a:r>
+            <a:endParaRPr lang="en-US" dirty="0" smtClean="0"/>
+          </a:p>
+          <a:p>
+            <a:pPr lvl="1"/>
+            <a:r>
+              <a:rPr lang="en-US" dirty="0" err="1" smtClean="0"/>
+              <a:t>Ferien</a:t>
+            </a:r>
+            <a:r>
+              <a:rPr lang="en-US" dirty="0" smtClean="0"/>
+              <a:t> </a:t>
+            </a:r>
+            <a:r>
+              <a:rPr lang="en-US" dirty="0" err="1" smtClean="0"/>
+              <a:t>erfassen</a:t>
+            </a:r>
+            <a:endParaRPr lang="en-US" dirty="0" smtClean="0"/>
+          </a:p>
+          <a:p>
+            <a:pPr lvl="1"/>
+            <a:r>
+              <a:rPr lang="en-US" dirty="0" err="1" smtClean="0"/>
+              <a:t>Ferien</a:t>
+            </a:r>
+            <a:r>
+              <a:rPr lang="en-US" dirty="0" smtClean="0"/>
+              <a:t> </a:t>
+            </a:r>
+            <a:r>
+              <a:rPr lang="en-US" dirty="0" err="1" smtClean="0"/>
+              <a:t>kontrollieren</a:t>
+            </a:r>
+            <a:r>
+              <a:rPr lang="en-US" dirty="0" smtClean="0"/>
+              <a:t>, </a:t>
+            </a:r>
+            <a:r>
+              <a:rPr lang="en-US" dirty="0" err="1" smtClean="0"/>
+              <a:t>freigeben</a:t>
             </a:r>
             <a:endParaRPr lang="en-US" dirty="0" smtClean="0"/>
           </a:p>
@@ -11653,10 +13653,9 @@
           <a:bodyPr/>
           <a:lstStyle/>
           <a:p>
-            <a:fld id="{7DDA2A36-7102-5948-8A95-64ADD694B206}" type="datetime1">
-              <a:rPr lang="en-US" smtClean="0"/>
-              <a:pPr/>
-              <a:t>11/28/10</a:t>
+            <a:fld id="{8C32887A-98B9-534E-A64E-7B05C3A9A1C0}" type="datetime1">
+              <a:rPr lang="en-US" smtClean="0"/>
+              <a:t>11/30/10</a:t>
             </a:fld>
             <a:endParaRPr lang="en-US"/>
           </a:p>
@@ -11677,6 +13676,10 @@
           <a:bodyPr/>
           <a:lstStyle/>
           <a:p>
+            <a:r>
+              <a:rPr lang="en-US" smtClean="0"/>
+              <a:t>Raffael Schmid, Hochschule für Technik Zürich</a:t>
+            </a:r>
             <a:endParaRPr lang="en-US"/>
           </a:p>
         </p:txBody>
@@ -11811,349 +13814,6 @@
           <a:effectLst/>
         </p:spPr>
       </p:pic>
-      <p:sp>
-        <p:nvSpPr>
-          <p:cNvPr id="13" name="Slide Number Placeholder 12"/>
-          <p:cNvSpPr>
-            <a:spLocks noGrp="1"/>
-          </p:cNvSpPr>
-          <p:nvPr>
-            <p:ph type="sldNum" sz="quarter" idx="12"/>
-          </p:nvPr>
-        </p:nvSpPr>
-        <p:spPr/>
-        <p:txBody>
-          <a:bodyPr/>
-          <a:lstStyle/>
-          <a:p>
-            <a:fld id="{289D5882-BB70-459C-B7E9-5D0040F635BD}" type="slidenum">
-              <a:rPr lang="en-US" smtClean="0"/>
-              <a:pPr/>
-              <a:t>5</a:t>
-            </a:fld>
-            <a:endParaRPr lang="en-US"/>
-          </a:p>
-        </p:txBody>
-      </p:sp>
-    </p:spTree>
-  </p:cSld>
-  <p:clrMapOvr>
-    <a:masterClrMapping/>
-  </p:clrMapOvr>
-  <p:timing>
-    <p:tnLst>
-      <p:par>
-        <p:cTn id="1" dur="indefinite" restart="never" nodeType="tmRoot"/>
-      </p:par>
-    </p:tnLst>
-  </p:timing>
-</p:sld>
-</file>
-
-<file path=ppt/slides/slide6.xml><?xml version="1.0" encoding="utf-8"?>
-<p:sld xmlns:a="http://schemas.openxmlformats.org/drawingml/2006/main" xmlns:r="http://schemas.openxmlformats.org/officeDocument/2006/relationships" xmlns:mc="http://schemas.openxmlformats.org/markup-compatibility/2006" xmlns:mv="urn:schemas-microsoft-com:mac:vml" xmlns:p="http://schemas.openxmlformats.org/presentationml/2006/main" mc:Ignorable="mv" mc:PreserveAttributes="mv:*">
-  <p:cSld>
-    <p:spTree>
-      <p:nvGrpSpPr>
-        <p:cNvPr id="1" name=""/>
-        <p:cNvGrpSpPr/>
-        <p:nvPr/>
-      </p:nvGrpSpPr>
-      <p:grpSpPr>
-        <a:xfrm>
-          <a:off x="0" y="0"/>
-          <a:ext cx="0" cy="0"/>
-          <a:chOff x="0" y="0"/>
-          <a:chExt cx="0" cy="0"/>
-        </a:xfrm>
-      </p:grpSpPr>
-      <p:sp>
-        <p:nvSpPr>
-          <p:cNvPr id="2" name="Title 1"/>
-          <p:cNvSpPr>
-            <a:spLocks noGrp="1"/>
-          </p:cNvSpPr>
-          <p:nvPr>
-            <p:ph type="title"/>
-          </p:nvPr>
-        </p:nvSpPr>
-        <p:spPr/>
-        <p:txBody>
-          <a:bodyPr/>
-          <a:lstStyle/>
-          <a:p>
-            <a:r>
-              <a:rPr lang="de-CH" dirty="0" smtClean="0"/>
-              <a:t>Use Case</a:t>
-            </a:r>
-            <a:endParaRPr lang="en-US" dirty="0"/>
-          </a:p>
-        </p:txBody>
-      </p:sp>
-      <p:sp>
-        <p:nvSpPr>
-          <p:cNvPr id="4" name="Date Placeholder 3"/>
-          <p:cNvSpPr>
-            <a:spLocks noGrp="1"/>
-          </p:cNvSpPr>
-          <p:nvPr>
-            <p:ph type="dt" sz="half" idx="10"/>
-          </p:nvPr>
-        </p:nvSpPr>
-        <p:spPr/>
-        <p:txBody>
-          <a:bodyPr/>
-          <a:lstStyle/>
-          <a:p>
-            <a:fld id="{2FBB5E8F-1D5A-464E-B48D-FDCFAF4EB9EF}" type="datetime1">
-              <a:rPr lang="en-US" smtClean="0"/>
-              <a:pPr/>
-              <a:t>11/28/10</a:t>
-            </a:fld>
-            <a:endParaRPr lang="en-US"/>
-          </a:p>
-        </p:txBody>
-      </p:sp>
-      <p:sp>
-        <p:nvSpPr>
-          <p:cNvPr id="5" name="Footer Placeholder 4"/>
-          <p:cNvSpPr>
-            <a:spLocks noGrp="1"/>
-          </p:cNvSpPr>
-          <p:nvPr>
-            <p:ph type="ftr" sz="quarter" idx="11"/>
-          </p:nvPr>
-        </p:nvSpPr>
-        <p:spPr/>
-        <p:txBody>
-          <a:bodyPr/>
-          <a:lstStyle/>
-          <a:p>
-            <a:endParaRPr lang="en-US"/>
-          </a:p>
-        </p:txBody>
-      </p:sp>
-      <p:sp>
-        <p:nvSpPr>
-          <p:cNvPr id="6" name="Text Placeholder 5"/>
-          <p:cNvSpPr>
-            <a:spLocks noGrp="1"/>
-          </p:cNvSpPr>
-          <p:nvPr>
-            <p:ph type="body" sz="quarter" idx="13"/>
-          </p:nvPr>
-        </p:nvSpPr>
-        <p:spPr/>
-        <p:txBody>
-          <a:bodyPr>
-            <a:normAutofit fontScale="92500" lnSpcReduction="20000"/>
-          </a:bodyPr>
-          <a:lstStyle/>
-          <a:p>
-            <a:r>
-              <a:rPr lang="de-CH" dirty="0" smtClean="0"/>
-              <a:t>Registrierung</a:t>
-            </a:r>
-            <a:endParaRPr lang="en-US" dirty="0"/>
-          </a:p>
-        </p:txBody>
-      </p:sp>
-      <p:pic>
-        <p:nvPicPr>
-          <p:cNvPr id="2050" name="Picture 2"/>
-          <p:cNvPicPr>
-            <a:picLocks noGrp="1" noChangeAspect="1" noChangeArrowheads="1"/>
-          </p:cNvPicPr>
-          <p:nvPr>
-            <p:ph idx="1"/>
-          </p:nvPr>
-        </p:nvPicPr>
-        <p:blipFill>
-          <a:blip r:embed="rId2"/>
-          <a:srcRect/>
-          <a:stretch>
-            <a:fillRect/>
-          </a:stretch>
-        </p:blipFill>
-        <p:spPr bwMode="auto">
-          <a:xfrm>
-            <a:off x="714348" y="2500330"/>
-            <a:ext cx="1428750" cy="3429000"/>
-          </a:xfrm>
-          <a:prstGeom prst="rect">
-            <a:avLst/>
-          </a:prstGeom>
-          <a:noFill/>
-          <a:ln w="9525">
-            <a:noFill/>
-            <a:miter lim="800000"/>
-            <a:headEnd/>
-            <a:tailEnd/>
-          </a:ln>
-          <a:effectLst/>
-        </p:spPr>
-      </p:pic>
-      <p:pic>
-        <p:nvPicPr>
-          <p:cNvPr id="2052" name="Picture 4"/>
-          <p:cNvPicPr>
-            <a:picLocks noChangeAspect="1" noChangeArrowheads="1"/>
-          </p:cNvPicPr>
-          <p:nvPr/>
-        </p:nvPicPr>
-        <p:blipFill>
-          <a:blip r:embed="rId3"/>
-          <a:srcRect/>
-          <a:stretch>
-            <a:fillRect/>
-          </a:stretch>
-        </p:blipFill>
-        <p:spPr bwMode="auto">
-          <a:xfrm>
-            <a:off x="6929454" y="2714644"/>
-            <a:ext cx="1428750" cy="2790825"/>
-          </a:xfrm>
-          <a:prstGeom prst="rect">
-            <a:avLst/>
-          </a:prstGeom>
-          <a:noFill/>
-          <a:ln w="9525">
-            <a:noFill/>
-            <a:miter lim="800000"/>
-            <a:headEnd/>
-            <a:tailEnd/>
-          </a:ln>
-          <a:effectLst/>
-        </p:spPr>
-      </p:pic>
-      <p:pic>
-        <p:nvPicPr>
-          <p:cNvPr id="3074" name="Picture 2"/>
-          <p:cNvPicPr>
-            <a:picLocks noChangeAspect="1" noChangeArrowheads="1"/>
-          </p:cNvPicPr>
-          <p:nvPr/>
-        </p:nvPicPr>
-        <p:blipFill>
-          <a:blip r:embed="rId4"/>
-          <a:srcRect/>
-          <a:stretch>
-            <a:fillRect/>
-          </a:stretch>
-        </p:blipFill>
-        <p:spPr bwMode="auto">
-          <a:xfrm>
-            <a:off x="3000364" y="1357298"/>
-            <a:ext cx="3814768" cy="2309254"/>
-          </a:xfrm>
-          <a:prstGeom prst="rect">
-            <a:avLst/>
-          </a:prstGeom>
-          <a:noFill/>
-          <a:ln w="9525">
-            <a:solidFill>
-              <a:schemeClr val="accent1">
-                <a:shade val="95000"/>
-                <a:satMod val="105000"/>
-              </a:schemeClr>
-            </a:solidFill>
-            <a:miter lim="800000"/>
-            <a:headEnd/>
-            <a:tailEnd/>
-          </a:ln>
-          <a:effectLst/>
-        </p:spPr>
-      </p:pic>
-      <p:cxnSp>
-        <p:nvCxnSpPr>
-          <p:cNvPr id="9" name="Straight Arrow Connector 8"/>
-          <p:cNvCxnSpPr/>
-          <p:nvPr/>
-        </p:nvCxnSpPr>
-        <p:spPr>
-          <a:xfrm rot="10800000">
-            <a:off x="6143636" y="2928934"/>
-            <a:ext cx="1285884" cy="428628"/>
-          </a:xfrm>
-          <a:prstGeom prst="straightConnector1">
-            <a:avLst/>
-          </a:prstGeom>
-          <a:ln>
-            <a:tailEnd type="arrow"/>
-          </a:ln>
-        </p:spPr>
-        <p:style>
-          <a:lnRef idx="1">
-            <a:schemeClr val="accent1"/>
-          </a:lnRef>
-          <a:fillRef idx="0">
-            <a:schemeClr val="accent1"/>
-          </a:fillRef>
-          <a:effectRef idx="0">
-            <a:schemeClr val="accent1"/>
-          </a:effectRef>
-          <a:fontRef idx="minor">
-            <a:schemeClr val="tx1"/>
-          </a:fontRef>
-        </p:style>
-      </p:cxnSp>
-      <p:cxnSp>
-        <p:nvCxnSpPr>
-          <p:cNvPr id="10" name="Straight Arrow Connector 9"/>
-          <p:cNvCxnSpPr/>
-          <p:nvPr/>
-        </p:nvCxnSpPr>
-        <p:spPr>
-          <a:xfrm flipV="1">
-            <a:off x="2057400" y="2819400"/>
-            <a:ext cx="2057400" cy="609600"/>
-          </a:xfrm>
-          <a:prstGeom prst="straightConnector1">
-            <a:avLst/>
-          </a:prstGeom>
-          <a:ln>
-            <a:tailEnd type="arrow"/>
-          </a:ln>
-        </p:spPr>
-        <p:style>
-          <a:lnRef idx="1">
-            <a:schemeClr val="accent1"/>
-          </a:lnRef>
-          <a:fillRef idx="0">
-            <a:schemeClr val="accent1"/>
-          </a:fillRef>
-          <a:effectRef idx="0">
-            <a:schemeClr val="accent1"/>
-          </a:effectRef>
-          <a:fontRef idx="minor">
-            <a:schemeClr val="tx1"/>
-          </a:fontRef>
-        </p:style>
-      </p:cxnSp>
-      <p:sp>
-        <p:nvSpPr>
-          <p:cNvPr id="11" name="Slide Number Placeholder 10"/>
-          <p:cNvSpPr>
-            <a:spLocks noGrp="1"/>
-          </p:cNvSpPr>
-          <p:nvPr>
-            <p:ph type="sldNum" sz="quarter" idx="12"/>
-          </p:nvPr>
-        </p:nvSpPr>
-        <p:spPr/>
-        <p:txBody>
-          <a:bodyPr/>
-          <a:lstStyle/>
-          <a:p>
-            <a:fld id="{289D5882-BB70-459C-B7E9-5D0040F635BD}" type="slidenum">
-              <a:rPr lang="en-US" smtClean="0"/>
-              <a:pPr/>
-              <a:t>6</a:t>
-            </a:fld>
-            <a:endParaRPr lang="en-US"/>
-          </a:p>
-        </p:txBody>
-      </p:sp>
     </p:spTree>
   </p:cSld>
   <p:clrMapOvr>
@@ -12188,22 +13848,22 @@
       </p:grpSpPr>
       <p:sp>
         <p:nvSpPr>
-          <p:cNvPr id="2" name="Title 1"/>
-          <p:cNvSpPr>
-            <a:spLocks noGrp="1"/>
-          </p:cNvSpPr>
-          <p:nvPr>
-            <p:ph type="title"/>
-          </p:nvPr>
-        </p:nvSpPr>
-        <p:spPr/>
-        <p:txBody>
-          <a:bodyPr/>
-          <a:lstStyle/>
-          <a:p>
-            <a:r>
-              <a:rPr lang="de-CH" dirty="0" smtClean="0"/>
-              <a:t>Use Case</a:t>
+          <p:cNvPr id="8" name="Title 7"/>
+          <p:cNvSpPr>
+            <a:spLocks noGrp="1"/>
+          </p:cNvSpPr>
+          <p:nvPr>
+            <p:ph type="ctrTitle"/>
+          </p:nvPr>
+        </p:nvSpPr>
+        <p:spPr/>
+        <p:txBody>
+          <a:bodyPr/>
+          <a:lstStyle/>
+          <a:p>
+            <a:r>
+              <a:rPr lang="en-US" dirty="0" err="1" smtClean="0"/>
+              <a:t>Konzeptphase</a:t>
             </a:r>
             <a:endParaRPr lang="en-US" dirty="0"/>
           </a:p>
@@ -12211,6 +13871,25 @@
       </p:sp>
       <p:sp>
         <p:nvSpPr>
+          <p:cNvPr id="9" name="Subtitle 8"/>
+          <p:cNvSpPr>
+            <a:spLocks noGrp="1"/>
+          </p:cNvSpPr>
+          <p:nvPr>
+            <p:ph type="subTitle" idx="1"/>
+          </p:nvPr>
+        </p:nvSpPr>
+        <p:spPr/>
+        <p:txBody>
+          <a:bodyPr/>
+          <a:lstStyle/>
+          <a:p>
+            <a:endParaRPr lang="en-US"/>
+          </a:p>
+        </p:txBody>
+      </p:sp>
+      <p:sp>
+        <p:nvSpPr>
           <p:cNvPr id="4" name="Date Placeholder 3"/>
           <p:cNvSpPr>
             <a:spLocks noGrp="1"/>
@@ -12224,10 +13903,9 @@
           <a:bodyPr/>
           <a:lstStyle/>
           <a:p>
-            <a:fld id="{4CD91F2A-C4AD-3E47-8D8A-42150590613B}" type="datetime1">
-              <a:rPr lang="en-US" smtClean="0"/>
-              <a:pPr/>
-              <a:t>11/28/10</a:t>
+            <a:fld id="{90F72CF5-E7DC-6141-BB4F-8F35B9D79137}" type="datetime1">
+              <a:rPr lang="en-US" smtClean="0"/>
+              <a:t>11/30/10</a:t>
             </a:fld>
             <a:endParaRPr lang="en-US"/>
           </a:p>
@@ -12248,225 +13926,47 @@
           <a:bodyPr/>
           <a:lstStyle/>
           <a:p>
-            <a:endParaRPr lang="en-US"/>
-          </a:p>
-        </p:txBody>
-      </p:sp>
-      <p:sp>
-        <p:nvSpPr>
-          <p:cNvPr id="6" name="Text Placeholder 5"/>
-          <p:cNvSpPr>
-            <a:spLocks noGrp="1"/>
-          </p:cNvSpPr>
-          <p:nvPr>
-            <p:ph type="body" sz="quarter" idx="13"/>
-          </p:nvPr>
-        </p:nvSpPr>
-        <p:spPr/>
-        <p:txBody>
-          <a:bodyPr>
-            <a:normAutofit fontScale="92500" lnSpcReduction="20000"/>
-          </a:bodyPr>
-          <a:lstStyle/>
-          <a:p>
-            <a:r>
-              <a:rPr lang="de-CH" dirty="0" smtClean="0"/>
-              <a:t>Team Administration</a:t>
+            <a:r>
+              <a:rPr lang="en-US" dirty="0" err="1" smtClean="0"/>
+              <a:t>Raffael</a:t>
+            </a:r>
+            <a:r>
+              <a:rPr lang="en-US" dirty="0" smtClean="0"/>
+              <a:t> </a:t>
+            </a:r>
+            <a:r>
+              <a:rPr lang="en-US" dirty="0" err="1" smtClean="0"/>
+              <a:t>Schmid</a:t>
+            </a:r>
+            <a:r>
+              <a:rPr lang="en-US" dirty="0" smtClean="0"/>
+              <a:t>, </a:t>
+            </a:r>
+            <a:r>
+              <a:rPr lang="en-US" dirty="0" err="1" smtClean="0"/>
+              <a:t>Hochschule</a:t>
+            </a:r>
+            <a:r>
+              <a:rPr lang="en-US" dirty="0" smtClean="0"/>
+              <a:t> </a:t>
+            </a:r>
+            <a:r>
+              <a:rPr lang="en-US" dirty="0" err="1" smtClean="0"/>
+              <a:t>für</a:t>
+            </a:r>
+            <a:r>
+              <a:rPr lang="en-US" dirty="0" smtClean="0"/>
+              <a:t> </a:t>
+            </a:r>
+            <a:r>
+              <a:rPr lang="en-US" dirty="0" err="1" smtClean="0"/>
+              <a:t>Technik</a:t>
+            </a:r>
+            <a:r>
+              <a:rPr lang="en-US" dirty="0" smtClean="0"/>
+              <a:t> Zürich</a:t>
             </a:r>
             <a:endParaRPr lang="en-US" dirty="0"/>
-          </a:p>
-        </p:txBody>
-      </p:sp>
-      <p:pic>
-        <p:nvPicPr>
-          <p:cNvPr id="2052" name="Picture 4"/>
-          <p:cNvPicPr>
-            <a:picLocks noChangeAspect="1" noChangeArrowheads="1"/>
-          </p:cNvPicPr>
-          <p:nvPr/>
-        </p:nvPicPr>
-        <p:blipFill>
-          <a:blip r:embed="rId2"/>
-          <a:srcRect/>
-          <a:stretch>
-            <a:fillRect/>
-          </a:stretch>
-        </p:blipFill>
-        <p:spPr bwMode="auto">
-          <a:xfrm>
-            <a:off x="6929454" y="2714644"/>
-            <a:ext cx="1428750" cy="2790825"/>
-          </a:xfrm>
-          <a:prstGeom prst="rect">
-            <a:avLst/>
-          </a:prstGeom>
-          <a:noFill/>
-          <a:ln w="9525">
-            <a:noFill/>
-            <a:miter lim="800000"/>
-            <a:headEnd/>
-            <a:tailEnd/>
-          </a:ln>
-          <a:effectLst/>
-        </p:spPr>
-      </p:pic>
-      <p:sp>
-        <p:nvSpPr>
-          <p:cNvPr id="9" name="Content Placeholder 8"/>
-          <p:cNvSpPr>
-            <a:spLocks noGrp="1"/>
-          </p:cNvSpPr>
-          <p:nvPr>
-            <p:ph idx="1"/>
-          </p:nvPr>
-        </p:nvSpPr>
-        <p:spPr/>
-        <p:txBody>
-          <a:bodyPr/>
-          <a:lstStyle/>
-          <a:p>
-            <a:endParaRPr lang="en-US" dirty="0"/>
-          </a:p>
-        </p:txBody>
-      </p:sp>
-      <p:pic>
-        <p:nvPicPr>
-          <p:cNvPr id="5123" name="Picture 3"/>
-          <p:cNvPicPr>
-            <a:picLocks noChangeAspect="1" noChangeArrowheads="1"/>
-          </p:cNvPicPr>
-          <p:nvPr/>
-        </p:nvPicPr>
-        <p:blipFill>
-          <a:blip r:embed="rId3"/>
-          <a:srcRect/>
-          <a:stretch>
-            <a:fillRect/>
-          </a:stretch>
-        </p:blipFill>
-        <p:spPr bwMode="auto">
-          <a:xfrm>
-            <a:off x="2071670" y="2000240"/>
-            <a:ext cx="4315809" cy="2338384"/>
-          </a:xfrm>
-          <a:prstGeom prst="rect">
-            <a:avLst/>
-          </a:prstGeom>
-          <a:noFill/>
-          <a:ln w="9525">
-            <a:solidFill>
-              <a:schemeClr val="accent1">
-                <a:shade val="95000"/>
-                <a:satMod val="105000"/>
-              </a:schemeClr>
-            </a:solidFill>
-            <a:miter lim="800000"/>
-            <a:headEnd/>
-            <a:tailEnd/>
-          </a:ln>
-          <a:effectLst/>
-        </p:spPr>
-      </p:pic>
-      <p:sp>
-        <p:nvSpPr>
-          <p:cNvPr id="12" name="TextBox 11"/>
-          <p:cNvSpPr txBox="1"/>
-          <p:nvPr/>
-        </p:nvSpPr>
-        <p:spPr>
-          <a:xfrm>
-            <a:off x="2143108" y="3929066"/>
-            <a:ext cx="1785950" cy="369332"/>
-          </a:xfrm>
-          <a:prstGeom prst="rect">
-            <a:avLst/>
-          </a:prstGeom>
-          <a:noFill/>
-        </p:spPr>
-        <p:txBody>
-          <a:bodyPr wrap="square" rtlCol="0">
-            <a:spAutoFit/>
-          </a:bodyPr>
-          <a:lstStyle/>
-          <a:p>
-            <a:r>
-              <a:rPr lang="de-CH" dirty="0">
-                <a:solidFill>
-                  <a:srgbClr val="FF0000"/>
-                </a:solidFill>
-              </a:rPr>
-              <a:t>A</a:t>
-            </a:r>
-            <a:r>
-              <a:rPr lang="de-CH" dirty="0" smtClean="0">
-                <a:solidFill>
-                  <a:srgbClr val="FF0000"/>
-                </a:solidFill>
-              </a:rPr>
-              <a:t>dministration</a:t>
-            </a:r>
-            <a:endParaRPr lang="en-US" dirty="0">
-              <a:solidFill>
-                <a:srgbClr val="FF0000"/>
-              </a:solidFill>
-            </a:endParaRPr>
-          </a:p>
-        </p:txBody>
-      </p:sp>
-      <p:cxnSp>
-        <p:nvCxnSpPr>
-          <p:cNvPr id="14" name="Straight Arrow Connector 13"/>
-          <p:cNvCxnSpPr/>
-          <p:nvPr/>
-        </p:nvCxnSpPr>
-        <p:spPr>
-          <a:xfrm rot="10800000">
-            <a:off x="6143636" y="2928934"/>
-            <a:ext cx="1285884" cy="428628"/>
-          </a:xfrm>
-          <a:prstGeom prst="straightConnector1">
-            <a:avLst/>
-          </a:prstGeom>
-          <a:ln>
-            <a:tailEnd type="arrow"/>
-          </a:ln>
-        </p:spPr>
-        <p:style>
-          <a:lnRef idx="1">
-            <a:schemeClr val="accent1"/>
-          </a:lnRef>
-          <a:fillRef idx="0">
-            <a:schemeClr val="accent1"/>
-          </a:fillRef>
-          <a:effectRef idx="0">
-            <a:schemeClr val="accent1"/>
-          </a:effectRef>
-          <a:fontRef idx="minor">
-            <a:schemeClr val="tx1"/>
-          </a:fontRef>
-        </p:style>
-      </p:cxnSp>
-      <p:sp>
-        <p:nvSpPr>
-          <p:cNvPr id="11" name="Slide Number Placeholder 10"/>
-          <p:cNvSpPr>
-            <a:spLocks noGrp="1"/>
-          </p:cNvSpPr>
-          <p:nvPr>
-            <p:ph type="sldNum" sz="quarter" idx="12"/>
-          </p:nvPr>
-        </p:nvSpPr>
-        <p:spPr/>
-        <p:txBody>
-          <a:bodyPr/>
-          <a:lstStyle/>
-          <a:p>
-            <a:fld id="{289D5882-BB70-459C-B7E9-5D0040F635BD}" type="slidenum">
-              <a:rPr lang="en-US" smtClean="0"/>
-              <a:pPr/>
-              <a:t>7</a:t>
-            </a:fld>
-            <a:endParaRPr lang="en-US"/>
           </a:p>
         </p:txBody>
       </p:sp>
@@ -12518,8 +14018,8 @@
           <a:lstStyle/>
           <a:p>
             <a:r>
-              <a:rPr lang="de-CH" dirty="0" smtClean="0"/>
-              <a:t>Aufgabenstellung</a:t>
+              <a:rPr lang="en-US" dirty="0" smtClean="0"/>
+              <a:t>Design</a:t>
             </a:r>
             <a:endParaRPr lang="en-US" dirty="0"/>
           </a:p>
@@ -12527,6 +14027,87 @@
       </p:sp>
       <p:sp>
         <p:nvSpPr>
+          <p:cNvPr id="3" name="Content Placeholder 2"/>
+          <p:cNvSpPr>
+            <a:spLocks noGrp="1"/>
+          </p:cNvSpPr>
+          <p:nvPr>
+            <p:ph idx="1"/>
+          </p:nvPr>
+        </p:nvSpPr>
+        <p:spPr/>
+        <p:txBody>
+          <a:bodyPr/>
+          <a:lstStyle/>
+          <a:p>
+            <a:pPr marL="514350" indent="-514350">
+              <a:buFont typeface="Wingdings" charset="2"/>
+              <a:buAutoNum type="arabicPlain"/>
+            </a:pPr>
+            <a:r>
+              <a:rPr lang="en-US" dirty="0" smtClean="0"/>
+              <a:t>Use </a:t>
+            </a:r>
+            <a:r>
+              <a:rPr lang="en-US" dirty="0" smtClean="0"/>
+              <a:t>Cases</a:t>
+            </a:r>
+          </a:p>
+          <a:p>
+            <a:pPr marL="514350" indent="-514350">
+              <a:buFont typeface="Wingdings" charset="2"/>
+              <a:buAutoNum type="arabicPlain"/>
+            </a:pPr>
+            <a:r>
+              <a:rPr lang="en-US" dirty="0" err="1" smtClean="0"/>
+              <a:t>Prozesse</a:t>
+            </a:r>
+            <a:endParaRPr lang="en-US" dirty="0" smtClean="0"/>
+          </a:p>
+          <a:p>
+            <a:pPr marL="514350" indent="-514350">
+              <a:buFont typeface="Wingdings" charset="2"/>
+              <a:buAutoNum type="arabicPlain"/>
+            </a:pPr>
+            <a:r>
+              <a:rPr lang="en-US" dirty="0" err="1" smtClean="0"/>
+              <a:t>Rollen</a:t>
+            </a:r>
+            <a:endParaRPr lang="en-US" dirty="0" smtClean="0"/>
+          </a:p>
+          <a:p>
+            <a:pPr marL="514350" indent="-514350">
+              <a:buFont typeface="Wingdings" charset="2"/>
+              <a:buAutoNum type="arabicPlain"/>
+            </a:pPr>
+            <a:r>
+              <a:rPr lang="en-US" dirty="0" smtClean="0"/>
+              <a:t>Navigation</a:t>
+            </a:r>
+          </a:p>
+          <a:p>
+            <a:pPr marL="514350" indent="-514350">
+              <a:buFont typeface="Wingdings" charset="2"/>
+              <a:buAutoNum type="arabicPlain"/>
+            </a:pPr>
+            <a:r>
+              <a:rPr lang="en-US" dirty="0" err="1" smtClean="0"/>
+              <a:t>Relationales</a:t>
+            </a:r>
+            <a:r>
+              <a:rPr lang="en-US" dirty="0" smtClean="0"/>
+              <a:t> </a:t>
+            </a:r>
+            <a:r>
+              <a:rPr lang="en-US" dirty="0" err="1" smtClean="0"/>
+              <a:t>Modell</a:t>
+            </a:r>
+            <a:endParaRPr lang="en-US" dirty="0"/>
+          </a:p>
+        </p:txBody>
+      </p:sp>
+      <p:sp>
+        <p:nvSpPr>
           <p:cNvPr id="4" name="Date Placeholder 3"/>
           <p:cNvSpPr>
             <a:spLocks noGrp="1"/>
@@ -12540,10 +14121,9 @@
           <a:bodyPr/>
           <a:lstStyle/>
           <a:p>
-            <a:fld id="{EA9E86BF-6974-F647-AF6B-DDCD7835B3F8}" type="datetime1">
-              <a:rPr lang="en-US" smtClean="0"/>
-              <a:pPr/>
-              <a:t>11/28/10</a:t>
+            <a:fld id="{A5DF920B-F301-A241-8035-AA2B852AC388}" type="datetime1">
+              <a:rPr lang="en-US" smtClean="0"/>
+              <a:t>11/30/10</a:t>
             </a:fld>
             <a:endParaRPr lang="en-US"/>
           </a:p>
@@ -12564,13 +14144,17 @@
           <a:bodyPr/>
           <a:lstStyle/>
           <a:p>
+            <a:r>
+              <a:rPr lang="en-US" smtClean="0"/>
+              <a:t>Raffael Schmid, Hochschule für Technik Zürich</a:t>
+            </a:r>
             <a:endParaRPr lang="en-US"/>
           </a:p>
         </p:txBody>
       </p:sp>
       <p:sp>
         <p:nvSpPr>
-          <p:cNvPr id="6" name="Text Placeholder 5"/>
+          <p:cNvPr id="7" name="Text Placeholder 6"/>
           <p:cNvSpPr>
             <a:spLocks noGrp="1"/>
           </p:cNvSpPr>
@@ -12586,168 +14170,10 @@
           <a:lstStyle/>
           <a:p>
             <a:r>
-              <a:rPr lang="de-CH" dirty="0" smtClean="0"/>
-              <a:t>Ferien beantragen</a:t>
+              <a:rPr lang="en-US" dirty="0" err="1" smtClean="0"/>
+              <a:t>Vorgehensweise</a:t>
             </a:r>
             <a:endParaRPr lang="en-US" dirty="0"/>
-          </a:p>
-        </p:txBody>
-      </p:sp>
-      <p:pic>
-        <p:nvPicPr>
-          <p:cNvPr id="2050" name="Picture 2"/>
-          <p:cNvPicPr>
-            <a:picLocks noGrp="1" noChangeAspect="1" noChangeArrowheads="1"/>
-          </p:cNvPicPr>
-          <p:nvPr>
-            <p:ph idx="1"/>
-          </p:nvPr>
-        </p:nvPicPr>
-        <p:blipFill>
-          <a:blip r:embed="rId2"/>
-          <a:srcRect/>
-          <a:stretch>
-            <a:fillRect/>
-          </a:stretch>
-        </p:blipFill>
-        <p:spPr bwMode="auto">
-          <a:xfrm>
-            <a:off x="714348" y="2500330"/>
-            <a:ext cx="1428750" cy="3429000"/>
-          </a:xfrm>
-          <a:prstGeom prst="rect">
-            <a:avLst/>
-          </a:prstGeom>
-          <a:noFill/>
-          <a:ln w="9525">
-            <a:noFill/>
-            <a:miter lim="800000"/>
-            <a:headEnd/>
-            <a:tailEnd/>
-          </a:ln>
-          <a:effectLst/>
-        </p:spPr>
-      </p:pic>
-      <p:pic>
-        <p:nvPicPr>
-          <p:cNvPr id="2052" name="Picture 4"/>
-          <p:cNvPicPr>
-            <a:picLocks noChangeAspect="1" noChangeArrowheads="1"/>
-          </p:cNvPicPr>
-          <p:nvPr/>
-        </p:nvPicPr>
-        <p:blipFill>
-          <a:blip r:embed="rId3"/>
-          <a:srcRect/>
-          <a:stretch>
-            <a:fillRect/>
-          </a:stretch>
-        </p:blipFill>
-        <p:spPr bwMode="auto">
-          <a:xfrm>
-            <a:off x="6929454" y="2714644"/>
-            <a:ext cx="1428750" cy="2790825"/>
-          </a:xfrm>
-          <a:prstGeom prst="rect">
-            <a:avLst/>
-          </a:prstGeom>
-          <a:noFill/>
-          <a:ln w="9525">
-            <a:noFill/>
-            <a:miter lim="800000"/>
-            <a:headEnd/>
-            <a:tailEnd/>
-          </a:ln>
-          <a:effectLst/>
-        </p:spPr>
-      </p:pic>
-      <p:pic>
-        <p:nvPicPr>
-          <p:cNvPr id="4099" name="Picture 3"/>
-          <p:cNvPicPr>
-            <a:picLocks noChangeAspect="1" noChangeArrowheads="1"/>
-          </p:cNvPicPr>
-          <p:nvPr/>
-        </p:nvPicPr>
-        <p:blipFill>
-          <a:blip r:embed="rId4"/>
-          <a:srcRect/>
-          <a:stretch>
-            <a:fillRect/>
-          </a:stretch>
-        </p:blipFill>
-        <p:spPr bwMode="auto">
-          <a:xfrm>
-            <a:off x="3428992" y="1428736"/>
-            <a:ext cx="3786214" cy="2191112"/>
-          </a:xfrm>
-          <a:prstGeom prst="rect">
-            <a:avLst/>
-          </a:prstGeom>
-          <a:noFill/>
-          <a:ln w="9525">
-            <a:noFill/>
-            <a:miter lim="800000"/>
-            <a:headEnd/>
-            <a:tailEnd/>
-          </a:ln>
-          <a:effectLst/>
-        </p:spPr>
-      </p:pic>
-      <p:cxnSp>
-        <p:nvCxnSpPr>
-          <p:cNvPr id="16" name="Straight Arrow Connector 15"/>
-          <p:cNvCxnSpPr/>
-          <p:nvPr/>
-        </p:nvCxnSpPr>
-        <p:spPr>
-          <a:xfrm flipV="1">
-            <a:off x="1714480" y="2428868"/>
-            <a:ext cx="2071702" cy="857256"/>
-          </a:xfrm>
-          <a:prstGeom prst="straightConnector1">
-            <a:avLst/>
-          </a:prstGeom>
-          <a:ln>
-            <a:tailEnd type="arrow"/>
-          </a:ln>
-        </p:spPr>
-        <p:style>
-          <a:lnRef idx="1">
-            <a:schemeClr val="accent1"/>
-          </a:lnRef>
-          <a:fillRef idx="0">
-            <a:schemeClr val="accent1"/>
-          </a:fillRef>
-          <a:effectRef idx="0">
-            <a:schemeClr val="accent1"/>
-          </a:effectRef>
-          <a:fontRef idx="minor">
-            <a:schemeClr val="tx1"/>
-          </a:fontRef>
-        </p:style>
-      </p:cxnSp>
-      <p:sp>
-        <p:nvSpPr>
-          <p:cNvPr id="10" name="Slide Number Placeholder 9"/>
-          <p:cNvSpPr>
-            <a:spLocks noGrp="1"/>
-          </p:cNvSpPr>
-          <p:nvPr>
-            <p:ph type="sldNum" sz="quarter" idx="12"/>
-          </p:nvPr>
-        </p:nvSpPr>
-        <p:spPr/>
-        <p:txBody>
-          <a:bodyPr/>
-          <a:lstStyle/>
-          <a:p>
-            <a:fld id="{289D5882-BB70-459C-B7E9-5D0040F635BD}" type="slidenum">
-              <a:rPr lang="en-US" smtClean="0"/>
-              <a:pPr/>
-              <a:t>8</a:t>
-            </a:fld>
-            <a:endParaRPr lang="en-US"/>
           </a:p>
         </p:txBody>
       </p:sp>
@@ -12783,6 +14209,30 @@
           <a:chExt cx="0" cy="0"/>
         </a:xfrm>
       </p:grpSpPr>
+      <p:pic>
+        <p:nvPicPr>
+          <p:cNvPr id="17" name="Picture 16"/>
+          <p:cNvPicPr>
+            <a:picLocks noChangeAspect="1"/>
+          </p:cNvPicPr>
+          <p:nvPr/>
+        </p:nvPicPr>
+        <p:blipFill>
+          <a:blip r:embed="rId2"/>
+          <a:stretch>
+            <a:fillRect/>
+          </a:stretch>
+        </p:blipFill>
+        <p:spPr>
+          <a:xfrm>
+            <a:off x="762000" y="3200400"/>
+            <a:ext cx="7675837" cy="3124200"/>
+          </a:xfrm>
+          <a:prstGeom prst="rect">
+            <a:avLst/>
+          </a:prstGeom>
+        </p:spPr>
+      </p:pic>
       <p:sp>
         <p:nvSpPr>
           <p:cNvPr id="2" name="Title 1"/>
@@ -12800,7 +14250,7 @@
           <a:p>
             <a:r>
               <a:rPr lang="de-CH" dirty="0" smtClean="0"/>
-              <a:t>Use Case</a:t>
+              <a:t>Registrierung</a:t>
             </a:r>
             <a:endParaRPr lang="en-US" dirty="0"/>
           </a:p>
@@ -12821,10 +14271,9 @@
           <a:bodyPr/>
           <a:lstStyle/>
           <a:p>
-            <a:fld id="{05DC4A95-AF1D-4745-A6B3-CC23024361D1}" type="datetime1">
-              <a:rPr lang="en-US" smtClean="0"/>
-              <a:pPr/>
-              <a:t>11/28/10</a:t>
+            <a:fld id="{DEE597F8-B1CE-FC42-B99E-21A86591A8D5}" type="datetime1">
+              <a:rPr lang="en-US" smtClean="0"/>
+              <a:t>11/30/10</a:t>
             </a:fld>
             <a:endParaRPr lang="en-US"/>
           </a:p>
@@ -12845,6 +14294,10 @@
           <a:bodyPr/>
           <a:lstStyle/>
           <a:p>
+            <a:r>
+              <a:rPr lang="en-US" smtClean="0"/>
+              <a:t>Raffael Schmid, Hochschule für Technik Zürich</a:t>
+            </a:r>
             <a:endParaRPr lang="en-US"/>
           </a:p>
         </p:txBody>
@@ -12867,8 +14320,12 @@
           <a:lstStyle/>
           <a:p>
             <a:r>
-              <a:rPr lang="de-CH" dirty="0" smtClean="0"/>
-              <a:t>Ferien editieren</a:t>
+              <a:rPr lang="en-US" dirty="0" smtClean="0"/>
+              <a:t>Use Case, </a:t>
+            </a:r>
+            <a:r>
+              <a:rPr lang="en-US" dirty="0" err="1" smtClean="0"/>
+              <a:t>Prozess</a:t>
             </a:r>
             <a:endParaRPr lang="en-US" dirty="0"/>
           </a:p>
@@ -12885,7 +14342,7 @@
           </p:nvPr>
         </p:nvPicPr>
         <p:blipFill>
-          <a:blip r:embed="rId2"/>
+          <a:blip r:embed="rId3"/>
           <a:srcRect/>
           <a:stretch>
             <a:fillRect/>
@@ -12893,8 +14350,8 @@
         </p:blipFill>
         <p:spPr bwMode="auto">
           <a:xfrm>
-            <a:off x="714348" y="2500330"/>
-            <a:ext cx="1428750" cy="3429000"/>
+            <a:off x="3429000" y="1036320"/>
+            <a:ext cx="838200" cy="2011680"/>
           </a:xfrm>
           <a:prstGeom prst="rect">
             <a:avLst/>
@@ -12918,39 +14375,6 @@
           <p:nvPr/>
         </p:nvPicPr>
         <p:blipFill>
-          <a:blip r:embed="rId3"/>
-          <a:srcRect/>
-          <a:stretch>
-            <a:fillRect/>
-          </a:stretch>
-        </p:blipFill>
-        <p:spPr bwMode="auto">
-          <a:xfrm>
-            <a:off x="6929454" y="2714644"/>
-            <a:ext cx="1428750" cy="2790825"/>
-          </a:xfrm>
-          <a:prstGeom prst="rect">
-            <a:avLst/>
-          </a:prstGeom>
-          <a:noFill/>
-          <a:ln w="9525">
-            <a:noFill/>
-            <a:miter lim="800000"/>
-            <a:headEnd/>
-            <a:tailEnd/>
-          </a:ln>
-          <a:effectLst/>
-        </p:spPr>
-      </p:pic>
-      <p:pic>
-        <p:nvPicPr>
-          <p:cNvPr id="2054" name="Picture 6"/>
-          <p:cNvPicPr>
-            <a:picLocks noChangeAspect="1" noChangeArrowheads="1"/>
-          </p:cNvPicPr>
-          <p:nvPr/>
-        </p:nvPicPr>
-        <p:blipFill>
           <a:blip r:embed="rId4"/>
           <a:srcRect/>
           <a:stretch>
@@ -12959,8 +14383,8 @@
         </p:blipFill>
         <p:spPr bwMode="auto">
           <a:xfrm>
-            <a:off x="3428992" y="1357322"/>
-            <a:ext cx="3830920" cy="2109782"/>
+            <a:off x="7772400" y="1134237"/>
+            <a:ext cx="995346" cy="1944243"/>
           </a:xfrm>
           <a:prstGeom prst="rect">
             <a:avLst/>
@@ -12977,19 +14401,19 @@
       </p:pic>
       <p:cxnSp>
         <p:nvCxnSpPr>
-          <p:cNvPr id="26" name="Straight Arrow Connector 25"/>
+          <p:cNvPr id="9" name="Straight Arrow Connector 8"/>
           <p:cNvCxnSpPr/>
           <p:nvPr/>
         </p:nvCxnSpPr>
         <p:spPr>
           <a:xfrm rot="10800000">
-            <a:off x="6357950" y="3000396"/>
-            <a:ext cx="1071570" cy="285752"/>
+            <a:off x="7772400" y="1479867"/>
+            <a:ext cx="381000" cy="1588"/>
           </a:xfrm>
           <a:prstGeom prst="straightConnector1">
             <a:avLst/>
           </a:prstGeom>
-          <a:ln w="19050">
+          <a:ln>
             <a:tailEnd type="arrow"/>
           </a:ln>
         </p:spPr>
@@ -13008,27 +14432,186 @@
           </a:fontRef>
         </p:style>
       </p:cxnSp>
-      <p:sp>
-        <p:nvSpPr>
-          <p:cNvPr id="10" name="Slide Number Placeholder 9"/>
-          <p:cNvSpPr>
-            <a:spLocks noGrp="1"/>
-          </p:cNvSpPr>
-          <p:nvPr>
-            <p:ph type="sldNum" sz="quarter" idx="12"/>
-          </p:nvPr>
-        </p:nvSpPr>
-        <p:spPr/>
-        <p:txBody>
-          <a:bodyPr/>
-          <a:lstStyle/>
-          <a:p>
-            <a:fld id="{289D5882-BB70-459C-B7E9-5D0040F635BD}" type="slidenum">
-              <a:rPr lang="en-US" smtClean="0"/>
-              <a:pPr/>
-              <a:t>9</a:t>
-            </a:fld>
-            <a:endParaRPr lang="en-US"/>
+      <p:cxnSp>
+        <p:nvCxnSpPr>
+          <p:cNvPr id="10" name="Straight Arrow Connector 9"/>
+          <p:cNvCxnSpPr/>
+          <p:nvPr/>
+        </p:nvCxnSpPr>
+        <p:spPr>
+          <a:xfrm>
+            <a:off x="4114800" y="1479868"/>
+            <a:ext cx="381000" cy="1588"/>
+          </a:xfrm>
+          <a:prstGeom prst="straightConnector1">
+            <a:avLst/>
+          </a:prstGeom>
+          <a:ln>
+            <a:tailEnd type="arrow"/>
+          </a:ln>
+        </p:spPr>
+        <p:style>
+          <a:lnRef idx="1">
+            <a:schemeClr val="accent1"/>
+          </a:lnRef>
+          <a:fillRef idx="0">
+            <a:schemeClr val="accent1"/>
+          </a:fillRef>
+          <a:effectRef idx="0">
+            <a:schemeClr val="accent1"/>
+          </a:effectRef>
+          <a:fontRef idx="minor">
+            <a:schemeClr val="tx1"/>
+          </a:fontRef>
+        </p:style>
+      </p:cxnSp>
+      <p:cxnSp>
+        <p:nvCxnSpPr>
+          <p:cNvPr id="23" name="Straight Arrow Connector 22"/>
+          <p:cNvCxnSpPr/>
+          <p:nvPr/>
+        </p:nvCxnSpPr>
+        <p:spPr>
+          <a:xfrm rot="10800000" flipV="1">
+            <a:off x="7391400" y="4304157"/>
+            <a:ext cx="609600" cy="1"/>
+          </a:xfrm>
+          <a:prstGeom prst="straightConnector1">
+            <a:avLst/>
+          </a:prstGeom>
+          <a:ln>
+            <a:tailEnd type="arrow"/>
+          </a:ln>
+        </p:spPr>
+        <p:style>
+          <a:lnRef idx="1">
+            <a:schemeClr val="accent1"/>
+          </a:lnRef>
+          <a:fillRef idx="0">
+            <a:schemeClr val="accent1"/>
+          </a:fillRef>
+          <a:effectRef idx="0">
+            <a:schemeClr val="accent1"/>
+          </a:effectRef>
+          <a:fontRef idx="minor">
+            <a:schemeClr val="tx1"/>
+          </a:fontRef>
+        </p:style>
+      </p:cxnSp>
+      <p:pic>
+        <p:nvPicPr>
+          <p:cNvPr id="24" name="Picture 23"/>
+          <p:cNvPicPr>
+            <a:picLocks noChangeAspect="1"/>
+          </p:cNvPicPr>
+          <p:nvPr/>
+        </p:nvPicPr>
+        <p:blipFill>
+          <a:blip r:embed="rId5"/>
+          <a:stretch>
+            <a:fillRect/>
+          </a:stretch>
+        </p:blipFill>
+        <p:spPr>
+          <a:xfrm>
+            <a:off x="4572000" y="482601"/>
+            <a:ext cx="3248023" cy="1574799"/>
+          </a:xfrm>
+          <a:prstGeom prst="rect">
+            <a:avLst/>
+          </a:prstGeom>
+        </p:spPr>
+      </p:pic>
+      <p:sp>
+        <p:nvSpPr>
+          <p:cNvPr id="29" name="TextBox 28"/>
+          <p:cNvSpPr txBox="1"/>
+          <p:nvPr/>
+        </p:nvSpPr>
+        <p:spPr>
+          <a:xfrm>
+            <a:off x="762000" y="5105400"/>
+            <a:ext cx="3200400" cy="1200329"/>
+          </a:xfrm>
+          <a:prstGeom prst="rect">
+            <a:avLst/>
+          </a:prstGeom>
+          <a:noFill/>
+        </p:spPr>
+        <p:txBody>
+          <a:bodyPr wrap="square" rtlCol="0">
+            <a:spAutoFit/>
+          </a:bodyPr>
+          <a:lstStyle/>
+          <a:p>
+            <a:pPr>
+              <a:buFont typeface="Arial"/>
+              <a:buChar char="•"/>
+            </a:pPr>
+            <a:r>
+              <a:rPr lang="en-US" dirty="0" err="1" smtClean="0"/>
+              <a:t>Zusätzlich</a:t>
+            </a:r>
+            <a:r>
+              <a:rPr lang="en-US" dirty="0" smtClean="0"/>
+              <a:t> Login</a:t>
+            </a:r>
+          </a:p>
+          <a:p>
+            <a:pPr>
+              <a:buFont typeface="Arial"/>
+              <a:buChar char="•"/>
+            </a:pPr>
+            <a:r>
+              <a:rPr lang="en-US" dirty="0" err="1" smtClean="0"/>
+              <a:t>Passwort</a:t>
+            </a:r>
+            <a:r>
+              <a:rPr lang="en-US" dirty="0" smtClean="0"/>
+              <a:t> </a:t>
+            </a:r>
+            <a:r>
+              <a:rPr lang="en-US" dirty="0" smtClean="0"/>
+              <a:t>Reset</a:t>
+            </a:r>
+          </a:p>
+          <a:p>
+            <a:pPr>
+              <a:buFont typeface="Arial"/>
+              <a:buChar char="•"/>
+            </a:pPr>
+            <a:r>
+              <a:rPr lang="en-US" dirty="0" err="1" smtClean="0"/>
+              <a:t>Benutzerdaten</a:t>
+            </a:r>
+            <a:r>
+              <a:rPr lang="en-US" dirty="0" smtClean="0"/>
+              <a:t> </a:t>
+            </a:r>
+            <a:r>
+              <a:rPr lang="en-US" dirty="0" err="1" smtClean="0"/>
+              <a:t>editieren</a:t>
+            </a:r>
+            <a:endParaRPr lang="en-US" dirty="0" smtClean="0"/>
+          </a:p>
+          <a:p>
+            <a:pPr>
+              <a:buFont typeface="Arial"/>
+              <a:buChar char="•"/>
+            </a:pPr>
+            <a:r>
+              <a:rPr lang="en-US" dirty="0" err="1" smtClean="0"/>
+              <a:t>Passwort</a:t>
+            </a:r>
+            <a:r>
+              <a:rPr lang="en-US" dirty="0" smtClean="0"/>
+              <a:t> </a:t>
+            </a:r>
+            <a:r>
+              <a:rPr lang="en-US" dirty="0" err="1" smtClean="0"/>
+              <a:t>ändern</a:t>
+            </a:r>
+            <a:endParaRPr lang="en-US" dirty="0" smtClean="0"/>
           </a:p>
         </p:txBody>
       </p:sp>
